--- a/WhatsNewInCSharp9.pptx
+++ b/WhatsNewInCSharp9.pptx
@@ -2,18 +2,19 @@
 <file path=ppt/presentation.xml><?xml version="1.0" encoding="utf-8"?>
 <p:presentation xmlns:a="http://schemas.openxmlformats.org/drawingml/2006/main" xmlns:r="http://schemas.openxmlformats.org/officeDocument/2006/relationships" xmlns:p="http://schemas.openxmlformats.org/presentationml/2006/main" saveSubsetFonts="1">
   <p:sldMasterIdLst>
-    <p:sldMasterId id="2147483648" r:id="rId1"/>
+    <p:sldMasterId id="2147483660" r:id="rId1"/>
   </p:sldMasterIdLst>
   <p:sldIdLst>
     <p:sldId id="256" r:id="rId2"/>
     <p:sldId id="257" r:id="rId3"/>
     <p:sldId id="258" r:id="rId4"/>
-    <p:sldId id="260" r:id="rId5"/>
-    <p:sldId id="261" r:id="rId6"/>
-    <p:sldId id="259" r:id="rId7"/>
-    <p:sldId id="262" r:id="rId8"/>
-    <p:sldId id="263" r:id="rId9"/>
-    <p:sldId id="264" r:id="rId10"/>
+    <p:sldId id="265" r:id="rId5"/>
+    <p:sldId id="260" r:id="rId6"/>
+    <p:sldId id="261" r:id="rId7"/>
+    <p:sldId id="259" r:id="rId8"/>
+    <p:sldId id="262" r:id="rId9"/>
+    <p:sldId id="263" r:id="rId10"/>
+    <p:sldId id="264" r:id="rId11"/>
   </p:sldIdLst>
   <p:sldSz cx="12192000" cy="6858000"/>
   <p:notesSz cx="6858000" cy="9144000"/>
@@ -21,7 +22,7 @@
     <a:defPPr>
       <a:defRPr lang="en-US"/>
     </a:defPPr>
-    <a:lvl1pPr marL="0" algn="l" defTabSz="914400" rtl="0" eaLnBrk="1" latinLnBrk="0" hangingPunct="1">
+    <a:lvl1pPr marL="0" algn="l" defTabSz="457200" rtl="0" eaLnBrk="1" latinLnBrk="0" hangingPunct="1">
       <a:defRPr sz="1800" kern="1200">
         <a:solidFill>
           <a:schemeClr val="tx1"/>
@@ -31,7 +32,7 @@
         <a:cs typeface="+mn-cs"/>
       </a:defRPr>
     </a:lvl1pPr>
-    <a:lvl2pPr marL="457200" algn="l" defTabSz="914400" rtl="0" eaLnBrk="1" latinLnBrk="0" hangingPunct="1">
+    <a:lvl2pPr marL="457200" algn="l" defTabSz="457200" rtl="0" eaLnBrk="1" latinLnBrk="0" hangingPunct="1">
       <a:defRPr sz="1800" kern="1200">
         <a:solidFill>
           <a:schemeClr val="tx1"/>
@@ -41,7 +42,7 @@
         <a:cs typeface="+mn-cs"/>
       </a:defRPr>
     </a:lvl2pPr>
-    <a:lvl3pPr marL="914400" algn="l" defTabSz="914400" rtl="0" eaLnBrk="1" latinLnBrk="0" hangingPunct="1">
+    <a:lvl3pPr marL="914400" algn="l" defTabSz="457200" rtl="0" eaLnBrk="1" latinLnBrk="0" hangingPunct="1">
       <a:defRPr sz="1800" kern="1200">
         <a:solidFill>
           <a:schemeClr val="tx1"/>
@@ -51,7 +52,7 @@
         <a:cs typeface="+mn-cs"/>
       </a:defRPr>
     </a:lvl3pPr>
-    <a:lvl4pPr marL="1371600" algn="l" defTabSz="914400" rtl="0" eaLnBrk="1" latinLnBrk="0" hangingPunct="1">
+    <a:lvl4pPr marL="1371600" algn="l" defTabSz="457200" rtl="0" eaLnBrk="1" latinLnBrk="0" hangingPunct="1">
       <a:defRPr sz="1800" kern="1200">
         <a:solidFill>
           <a:schemeClr val="tx1"/>
@@ -61,7 +62,7 @@
         <a:cs typeface="+mn-cs"/>
       </a:defRPr>
     </a:lvl4pPr>
-    <a:lvl5pPr marL="1828800" algn="l" defTabSz="914400" rtl="0" eaLnBrk="1" latinLnBrk="0" hangingPunct="1">
+    <a:lvl5pPr marL="1828800" algn="l" defTabSz="457200" rtl="0" eaLnBrk="1" latinLnBrk="0" hangingPunct="1">
       <a:defRPr sz="1800" kern="1200">
         <a:solidFill>
           <a:schemeClr val="tx1"/>
@@ -71,7 +72,7 @@
         <a:cs typeface="+mn-cs"/>
       </a:defRPr>
     </a:lvl5pPr>
-    <a:lvl6pPr marL="2286000" algn="l" defTabSz="914400" rtl="0" eaLnBrk="1" latinLnBrk="0" hangingPunct="1">
+    <a:lvl6pPr marL="2286000" algn="l" defTabSz="457200" rtl="0" eaLnBrk="1" latinLnBrk="0" hangingPunct="1">
       <a:defRPr sz="1800" kern="1200">
         <a:solidFill>
           <a:schemeClr val="tx1"/>
@@ -81,7 +82,7 @@
         <a:cs typeface="+mn-cs"/>
       </a:defRPr>
     </a:lvl6pPr>
-    <a:lvl7pPr marL="2743200" algn="l" defTabSz="914400" rtl="0" eaLnBrk="1" latinLnBrk="0" hangingPunct="1">
+    <a:lvl7pPr marL="2743200" algn="l" defTabSz="457200" rtl="0" eaLnBrk="1" latinLnBrk="0" hangingPunct="1">
       <a:defRPr sz="1800" kern="1200">
         <a:solidFill>
           <a:schemeClr val="tx1"/>
@@ -91,7 +92,7 @@
         <a:cs typeface="+mn-cs"/>
       </a:defRPr>
     </a:lvl7pPr>
-    <a:lvl8pPr marL="3200400" algn="l" defTabSz="914400" rtl="0" eaLnBrk="1" latinLnBrk="0" hangingPunct="1">
+    <a:lvl8pPr marL="3200400" algn="l" defTabSz="457200" rtl="0" eaLnBrk="1" latinLnBrk="0" hangingPunct="1">
       <a:defRPr sz="1800" kern="1200">
         <a:solidFill>
           <a:schemeClr val="tx1"/>
@@ -101,7 +102,7 @@
         <a:cs typeface="+mn-cs"/>
       </a:defRPr>
     </a:lvl8pPr>
-    <a:lvl9pPr marL="3657600" algn="l" defTabSz="914400" rtl="0" eaLnBrk="1" latinLnBrk="0" hangingPunct="1">
+    <a:lvl9pPr marL="3657600" algn="l" defTabSz="457200" rtl="0" eaLnBrk="1" latinLnBrk="0" hangingPunct="1">
       <a:defRPr sz="1800" kern="1200">
         <a:solidFill>
           <a:schemeClr val="tx1"/>
@@ -137,15 +138,148 @@
           <a:chExt cx="0" cy="0"/>
         </a:xfrm>
       </p:grpSpPr>
-      <p:sp>
-        <p:nvSpPr>
-          <p:cNvPr id="2" name="Title 1">
+      <p:pic>
+        <p:nvPicPr>
+          <p:cNvPr id="7" name="Picture 6" descr="HD-ShadowLong.png"/>
+          <p:cNvPicPr>
+            <a:picLocks noChangeAspect="1"/>
+          </p:cNvPicPr>
+          <p:nvPr/>
+        </p:nvPicPr>
+        <p:blipFill>
+          <a:blip r:embed="rId2">
             <a:extLst>
-              <a:ext uri="{FF2B5EF4-FFF2-40B4-BE49-F238E27FC236}">
-                <a16:creationId xmlns:a16="http://schemas.microsoft.com/office/drawing/2014/main" id="{54A1FBF6-395E-4105-AF6E-FD2A55DBF343}"/>
+              <a:ext uri="{28A0092B-C50C-407E-A947-70E740481C1C}">
+                <a14:useLocalDpi xmlns:a14="http://schemas.microsoft.com/office/drawing/2010/main" val="0"/>
               </a:ext>
             </a:extLst>
-          </p:cNvPr>
+          </a:blip>
+          <a:stretch>
+            <a:fillRect/>
+          </a:stretch>
+        </p:blipFill>
+        <p:spPr>
+          <a:xfrm>
+            <a:off x="1" y="4242851"/>
+            <a:ext cx="8968084" cy="275942"/>
+          </a:xfrm>
+          <a:prstGeom prst="rect">
+            <a:avLst/>
+          </a:prstGeom>
+        </p:spPr>
+      </p:pic>
+      <p:pic>
+        <p:nvPicPr>
+          <p:cNvPr id="8" name="Picture 7" descr="HD-ShadowShort.png"/>
+          <p:cNvPicPr>
+            <a:picLocks noChangeAspect="1"/>
+          </p:cNvPicPr>
+          <p:nvPr/>
+        </p:nvPicPr>
+        <p:blipFill>
+          <a:blip r:embed="rId3">
+            <a:extLst>
+              <a:ext uri="{28A0092B-C50C-407E-A947-70E740481C1C}">
+                <a14:useLocalDpi xmlns:a14="http://schemas.microsoft.com/office/drawing/2010/main" val="0"/>
+              </a:ext>
+            </a:extLst>
+          </a:blip>
+          <a:stretch>
+            <a:fillRect/>
+          </a:stretch>
+        </p:blipFill>
+        <p:spPr>
+          <a:xfrm>
+            <a:off x="9111716" y="4243845"/>
+            <a:ext cx="3077108" cy="276940"/>
+          </a:xfrm>
+          <a:prstGeom prst="rect">
+            <a:avLst/>
+          </a:prstGeom>
+        </p:spPr>
+      </p:pic>
+      <p:sp>
+        <p:nvSpPr>
+          <p:cNvPr id="9" name="Rectangle 8"/>
+          <p:cNvSpPr/>
+          <p:nvPr/>
+        </p:nvSpPr>
+        <p:spPr bwMode="ltGray">
+          <a:xfrm>
+            <a:off x="0" y="2590078"/>
+            <a:ext cx="8968085" cy="1660332"/>
+          </a:xfrm>
+          <a:prstGeom prst="rect">
+            <a:avLst/>
+          </a:prstGeom>
+          <a:solidFill>
+            <a:schemeClr val="bg1">
+              <a:lumMod val="85000"/>
+              <a:lumOff val="15000"/>
+            </a:schemeClr>
+          </a:solidFill>
+          <a:ln>
+            <a:noFill/>
+          </a:ln>
+        </p:spPr>
+        <p:style>
+          <a:lnRef idx="2">
+            <a:schemeClr val="accent1">
+              <a:shade val="50000"/>
+            </a:schemeClr>
+          </a:lnRef>
+          <a:fillRef idx="1">
+            <a:schemeClr val="accent1"/>
+          </a:fillRef>
+          <a:effectRef idx="0">
+            <a:schemeClr val="accent1"/>
+          </a:effectRef>
+          <a:fontRef idx="minor">
+            <a:schemeClr val="lt1"/>
+          </a:fontRef>
+        </p:style>
+      </p:sp>
+      <p:sp>
+        <p:nvSpPr>
+          <p:cNvPr id="10" name="Rectangle 9"/>
+          <p:cNvSpPr/>
+          <p:nvPr/>
+        </p:nvSpPr>
+        <p:spPr>
+          <a:xfrm>
+            <a:off x="9111715" y="2590078"/>
+            <a:ext cx="3077109" cy="1660332"/>
+          </a:xfrm>
+          <a:prstGeom prst="rect">
+            <a:avLst/>
+          </a:prstGeom>
+          <a:solidFill>
+            <a:schemeClr val="accent1"/>
+          </a:solidFill>
+          <a:ln>
+            <a:noFill/>
+          </a:ln>
+        </p:spPr>
+        <p:style>
+          <a:lnRef idx="2">
+            <a:schemeClr val="accent1">
+              <a:shade val="50000"/>
+            </a:schemeClr>
+          </a:lnRef>
+          <a:fillRef idx="1">
+            <a:schemeClr val="accent1"/>
+          </a:fillRef>
+          <a:effectRef idx="0">
+            <a:schemeClr val="accent1"/>
+          </a:effectRef>
+          <a:fontRef idx="minor">
+            <a:schemeClr val="lt1"/>
+          </a:fontRef>
+        </p:style>
+      </p:sp>
+      <p:sp>
+        <p:nvSpPr>
+          <p:cNvPr id="2" name="Title 1"/>
           <p:cNvSpPr>
             <a:spLocks noGrp="1"/>
           </p:cNvSpPr>
@@ -155,15 +289,17 @@
         </p:nvSpPr>
         <p:spPr>
           <a:xfrm>
-            <a:off x="1524000" y="1122363"/>
-            <a:ext cx="9144000" cy="2387600"/>
-          </a:xfrm>
-        </p:spPr>
-        <p:txBody>
-          <a:bodyPr anchor="b"/>
+            <a:off x="680322" y="2733709"/>
+            <a:ext cx="8144134" cy="1373070"/>
+          </a:xfrm>
+        </p:spPr>
+        <p:txBody>
+          <a:bodyPr anchor="b">
+            <a:noAutofit/>
+          </a:bodyPr>
           <a:lstStyle>
-            <a:lvl1pPr algn="ctr">
-              <a:defRPr sz="6000"/>
+            <a:lvl1pPr algn="r">
+              <a:defRPr sz="5400"/>
             </a:lvl1pPr>
           </a:lstStyle>
           <a:p>
@@ -171,18 +307,13 @@
               <a:rPr lang="en-US"/>
               <a:t>Click to edit Master title style</a:t>
             </a:r>
-          </a:p>
-        </p:txBody>
-      </p:sp>
-      <p:sp>
-        <p:nvSpPr>
-          <p:cNvPr id="3" name="Subtitle 2">
-            <a:extLst>
-              <a:ext uri="{FF2B5EF4-FFF2-40B4-BE49-F238E27FC236}">
-                <a16:creationId xmlns:a16="http://schemas.microsoft.com/office/drawing/2014/main" id="{00DF860E-AD1B-4BB6-AFAB-7DA6EB2F8EC7}"/>
-              </a:ext>
-            </a:extLst>
-          </p:cNvPr>
+            <a:endParaRPr lang="en-US" dirty="0"/>
+          </a:p>
+        </p:txBody>
+      </p:sp>
+      <p:sp>
+        <p:nvSpPr>
+          <p:cNvPr id="3" name="Subtitle 2"/>
           <p:cNvSpPr>
             <a:spLocks noGrp="1"/>
           </p:cNvSpPr>
@@ -192,16 +323,18 @@
         </p:nvSpPr>
         <p:spPr>
           <a:xfrm>
-            <a:off x="1524000" y="3602038"/>
-            <a:ext cx="9144000" cy="1655762"/>
-          </a:xfrm>
-        </p:spPr>
-        <p:txBody>
-          <a:bodyPr/>
+            <a:off x="680322" y="4394039"/>
+            <a:ext cx="8144134" cy="1117687"/>
+          </a:xfrm>
+        </p:spPr>
+        <p:txBody>
+          <a:bodyPr>
+            <a:normAutofit/>
+          </a:bodyPr>
           <a:lstStyle>
-            <a:lvl1pPr marL="0" indent="0" algn="ctr">
-              <a:buNone/>
-              <a:defRPr sz="2400"/>
+            <a:lvl1pPr marL="0" indent="0" algn="r">
+              <a:buNone/>
+              <a:defRPr sz="2000"/>
             </a:lvl1pPr>
             <a:lvl2pPr marL="457200" indent="0" algn="ctr">
               <a:buNone/>
@@ -241,18 +374,13 @@
               <a:rPr lang="en-US"/>
               <a:t>Click to edit Master subtitle style</a:t>
             </a:r>
-          </a:p>
-        </p:txBody>
-      </p:sp>
-      <p:sp>
-        <p:nvSpPr>
-          <p:cNvPr id="4" name="Date Placeholder 3">
-            <a:extLst>
-              <a:ext uri="{FF2B5EF4-FFF2-40B4-BE49-F238E27FC236}">
-                <a16:creationId xmlns:a16="http://schemas.microsoft.com/office/drawing/2014/main" id="{4EA5B5EC-0EB0-49E3-88D2-398A2A740527}"/>
-              </a:ext>
-            </a:extLst>
-          </p:cNvPr>
+            <a:endParaRPr lang="en-US" dirty="0"/>
+          </a:p>
+        </p:txBody>
+      </p:sp>
+      <p:sp>
+        <p:nvSpPr>
+          <p:cNvPr id="4" name="Date Placeholder 3"/>
           <p:cNvSpPr>
             <a:spLocks noGrp="1"/>
           </p:cNvSpPr>
@@ -275,13 +403,7 @@
       </p:sp>
       <p:sp>
         <p:nvSpPr>
-          <p:cNvPr id="5" name="Footer Placeholder 4">
-            <a:extLst>
-              <a:ext uri="{FF2B5EF4-FFF2-40B4-BE49-F238E27FC236}">
-                <a16:creationId xmlns:a16="http://schemas.microsoft.com/office/drawing/2014/main" id="{88812007-FDAE-4BBC-AE6D-6C06C65098EB}"/>
-              </a:ext>
-            </a:extLst>
-          </p:cNvPr>
+          <p:cNvPr id="5" name="Footer Placeholder 4"/>
           <p:cNvSpPr>
             <a:spLocks noGrp="1"/>
           </p:cNvSpPr>
@@ -300,13 +422,7 @@
       </p:sp>
       <p:sp>
         <p:nvSpPr>
-          <p:cNvPr id="6" name="Slide Number Placeholder 5">
-            <a:extLst>
-              <a:ext uri="{FF2B5EF4-FFF2-40B4-BE49-F238E27FC236}">
-                <a16:creationId xmlns:a16="http://schemas.microsoft.com/office/drawing/2014/main" id="{3CFD3D68-2388-42B8-BD45-31DA851A0B34}"/>
-              </a:ext>
-            </a:extLst>
-          </p:cNvPr>
+          <p:cNvPr id="6" name="Slide Number Placeholder 5"/>
           <p:cNvSpPr>
             <a:spLocks noGrp="1"/>
           </p:cNvSpPr>
@@ -314,7 +430,12 @@
             <p:ph type="sldNum" sz="quarter" idx="12"/>
           </p:nvPr>
         </p:nvSpPr>
-        <p:spPr/>
+        <p:spPr>
+          <a:xfrm>
+            <a:off x="9255346" y="2750337"/>
+            <a:ext cx="1171888" cy="1356442"/>
+          </a:xfrm>
+        </p:spPr>
         <p:txBody>
           <a:bodyPr/>
           <a:lstStyle/>
@@ -330,7 +451,7 @@
     </p:spTree>
     <p:extLst>
       <p:ext uri="{BB962C8B-B14F-4D97-AF65-F5344CB8AC3E}">
-        <p14:creationId xmlns:p14="http://schemas.microsoft.com/office/powerpoint/2010/main" val="3926344728"/>
+        <p14:creationId xmlns:p14="http://schemas.microsoft.com/office/powerpoint/2010/main" val="289237269"/>
       </p:ext>
     </p:extLst>
   </p:cSld>
@@ -341,6 +462,3318 @@
 </file>
 
 <file path=ppt/slideLayouts/slideLayout10.xml><?xml version="1.0" encoding="utf-8"?>
+<p:sldLayout xmlns:a="http://schemas.openxmlformats.org/drawingml/2006/main" xmlns:r="http://schemas.openxmlformats.org/officeDocument/2006/relationships" xmlns:p="http://schemas.openxmlformats.org/presentationml/2006/main" preserve="1">
+  <p:cSld name="Panoramic Picture with Caption">
+    <p:spTree>
+      <p:nvGrpSpPr>
+        <p:cNvPr id="1" name=""/>
+        <p:cNvGrpSpPr/>
+        <p:nvPr/>
+      </p:nvGrpSpPr>
+      <p:grpSpPr>
+        <a:xfrm>
+          <a:off x="0" y="0"/>
+          <a:ext cx="0" cy="0"/>
+          <a:chOff x="0" y="0"/>
+          <a:chExt cx="0" cy="0"/>
+        </a:xfrm>
+      </p:grpSpPr>
+      <p:pic>
+        <p:nvPicPr>
+          <p:cNvPr id="8" name="Picture 7" descr="HD-ShadowLong.png"/>
+          <p:cNvPicPr>
+            <a:picLocks noChangeAspect="1"/>
+          </p:cNvPicPr>
+          <p:nvPr/>
+        </p:nvPicPr>
+        <p:blipFill>
+          <a:blip r:embed="rId2">
+            <a:extLst>
+              <a:ext uri="{28A0092B-C50C-407E-A947-70E740481C1C}">
+                <a14:useLocalDpi xmlns:a14="http://schemas.microsoft.com/office/drawing/2010/main" val="0"/>
+              </a:ext>
+            </a:extLst>
+          </a:blip>
+          <a:stretch>
+            <a:fillRect/>
+          </a:stretch>
+        </p:blipFill>
+        <p:spPr>
+          <a:xfrm>
+            <a:off x="1" y="5928628"/>
+            <a:ext cx="10437812" cy="321164"/>
+          </a:xfrm>
+          <a:prstGeom prst="rect">
+            <a:avLst/>
+          </a:prstGeom>
+        </p:spPr>
+      </p:pic>
+      <p:pic>
+        <p:nvPicPr>
+          <p:cNvPr id="9" name="Picture 8" descr="HD-ShadowShort.png"/>
+          <p:cNvPicPr>
+            <a:picLocks noChangeAspect="1"/>
+          </p:cNvPicPr>
+          <p:nvPr/>
+        </p:nvPicPr>
+        <p:blipFill>
+          <a:blip r:embed="rId3">
+            <a:extLst>
+              <a:ext uri="{28A0092B-C50C-407E-A947-70E740481C1C}">
+                <a14:useLocalDpi xmlns:a14="http://schemas.microsoft.com/office/drawing/2010/main" val="0"/>
+              </a:ext>
+            </a:extLst>
+          </a:blip>
+          <a:stretch>
+            <a:fillRect/>
+          </a:stretch>
+        </p:blipFill>
+        <p:spPr>
+          <a:xfrm>
+            <a:off x="10585826" y="5929622"/>
+            <a:ext cx="1602997" cy="144270"/>
+          </a:xfrm>
+          <a:prstGeom prst="rect">
+            <a:avLst/>
+          </a:prstGeom>
+        </p:spPr>
+      </p:pic>
+      <p:sp>
+        <p:nvSpPr>
+          <p:cNvPr id="10" name="Rectangle 9"/>
+          <p:cNvSpPr/>
+          <p:nvPr/>
+        </p:nvSpPr>
+        <p:spPr bwMode="ltGray">
+          <a:xfrm>
+            <a:off x="0" y="4567988"/>
+            <a:ext cx="10437812" cy="1368198"/>
+          </a:xfrm>
+          <a:prstGeom prst="rect">
+            <a:avLst/>
+          </a:prstGeom>
+          <a:solidFill>
+            <a:schemeClr val="bg1">
+              <a:lumMod val="85000"/>
+              <a:lumOff val="15000"/>
+            </a:schemeClr>
+          </a:solidFill>
+          <a:ln>
+            <a:noFill/>
+          </a:ln>
+        </p:spPr>
+        <p:style>
+          <a:lnRef idx="2">
+            <a:schemeClr val="accent1">
+              <a:shade val="50000"/>
+            </a:schemeClr>
+          </a:lnRef>
+          <a:fillRef idx="1">
+            <a:schemeClr val="accent1"/>
+          </a:fillRef>
+          <a:effectRef idx="0">
+            <a:schemeClr val="accent1"/>
+          </a:effectRef>
+          <a:fontRef idx="minor">
+            <a:schemeClr val="lt1"/>
+          </a:fontRef>
+        </p:style>
+      </p:sp>
+      <p:sp>
+        <p:nvSpPr>
+          <p:cNvPr id="11" name="Rectangle 10"/>
+          <p:cNvSpPr/>
+          <p:nvPr/>
+        </p:nvSpPr>
+        <p:spPr>
+          <a:xfrm>
+            <a:off x="10585827" y="4567988"/>
+            <a:ext cx="1602997" cy="1368198"/>
+          </a:xfrm>
+          <a:prstGeom prst="rect">
+            <a:avLst/>
+          </a:prstGeom>
+          <a:solidFill>
+            <a:schemeClr val="accent1"/>
+          </a:solidFill>
+          <a:ln>
+            <a:noFill/>
+          </a:ln>
+        </p:spPr>
+        <p:style>
+          <a:lnRef idx="2">
+            <a:schemeClr val="accent1">
+              <a:shade val="50000"/>
+            </a:schemeClr>
+          </a:lnRef>
+          <a:fillRef idx="1">
+            <a:schemeClr val="accent1"/>
+          </a:fillRef>
+          <a:effectRef idx="0">
+            <a:schemeClr val="accent1"/>
+          </a:effectRef>
+          <a:fontRef idx="minor">
+            <a:schemeClr val="lt1"/>
+          </a:fontRef>
+        </p:style>
+      </p:sp>
+      <p:sp>
+        <p:nvSpPr>
+          <p:cNvPr id="2" name="Title 1"/>
+          <p:cNvSpPr>
+            <a:spLocks noGrp="1"/>
+          </p:cNvSpPr>
+          <p:nvPr>
+            <p:ph type="title"/>
+          </p:nvPr>
+        </p:nvSpPr>
+        <p:spPr>
+          <a:xfrm>
+            <a:off x="680322" y="4711616"/>
+            <a:ext cx="9613859" cy="453051"/>
+          </a:xfrm>
+        </p:spPr>
+        <p:txBody>
+          <a:bodyPr anchor="b">
+            <a:normAutofit/>
+          </a:bodyPr>
+          <a:lstStyle>
+            <a:lvl1pPr>
+              <a:defRPr sz="2400"/>
+            </a:lvl1pPr>
+          </a:lstStyle>
+          <a:p>
+            <a:r>
+              <a:rPr lang="en-US"/>
+              <a:t>Click to edit Master title style</a:t>
+            </a:r>
+            <a:endParaRPr lang="en-US" dirty="0"/>
+          </a:p>
+        </p:txBody>
+      </p:sp>
+      <p:sp>
+        <p:nvSpPr>
+          <p:cNvPr id="3" name="Picture Placeholder 2"/>
+          <p:cNvSpPr>
+            <a:spLocks noGrp="1" noChangeAspect="1"/>
+          </p:cNvSpPr>
+          <p:nvPr>
+            <p:ph type="pic" idx="1"/>
+          </p:nvPr>
+        </p:nvSpPr>
+        <p:spPr>
+          <a:xfrm>
+            <a:off x="680322" y="609597"/>
+            <a:ext cx="9613859" cy="3589575"/>
+          </a:xfrm>
+          <a:noFill/>
+          <a:ln>
+            <a:noFill/>
+          </a:ln>
+          <a:effectLst>
+            <a:outerShdw blurRad="76200" dist="63500" dir="5040000" algn="tl" rotWithShape="0">
+              <a:srgbClr val="000000">
+                <a:alpha val="41000"/>
+              </a:srgbClr>
+            </a:outerShdw>
+          </a:effectLst>
+        </p:spPr>
+        <p:txBody>
+          <a:bodyPr anchor="t"/>
+          <a:lstStyle>
+            <a:lvl1pPr marL="0" indent="0">
+              <a:buNone/>
+              <a:defRPr sz="3200"/>
+            </a:lvl1pPr>
+            <a:lvl2pPr marL="457200" indent="0">
+              <a:buNone/>
+              <a:defRPr sz="2800"/>
+            </a:lvl2pPr>
+            <a:lvl3pPr marL="914400" indent="0">
+              <a:buNone/>
+              <a:defRPr sz="2400"/>
+            </a:lvl3pPr>
+            <a:lvl4pPr marL="1371600" indent="0">
+              <a:buNone/>
+              <a:defRPr sz="2000"/>
+            </a:lvl4pPr>
+            <a:lvl5pPr marL="1828800" indent="0">
+              <a:buNone/>
+              <a:defRPr sz="2000"/>
+            </a:lvl5pPr>
+            <a:lvl6pPr marL="2286000" indent="0">
+              <a:buNone/>
+              <a:defRPr sz="2000"/>
+            </a:lvl6pPr>
+            <a:lvl7pPr marL="2743200" indent="0">
+              <a:buNone/>
+              <a:defRPr sz="2000"/>
+            </a:lvl7pPr>
+            <a:lvl8pPr marL="3200400" indent="0">
+              <a:buNone/>
+              <a:defRPr sz="2000"/>
+            </a:lvl8pPr>
+            <a:lvl9pPr marL="3657600" indent="0">
+              <a:buNone/>
+              <a:defRPr sz="2000"/>
+            </a:lvl9pPr>
+          </a:lstStyle>
+          <a:p>
+            <a:r>
+              <a:rPr lang="en-US"/>
+              <a:t>Click icon to add picture</a:t>
+            </a:r>
+            <a:endParaRPr lang="en-US" dirty="0"/>
+          </a:p>
+        </p:txBody>
+      </p:sp>
+      <p:sp>
+        <p:nvSpPr>
+          <p:cNvPr id="4" name="Text Placeholder 3"/>
+          <p:cNvSpPr>
+            <a:spLocks noGrp="1"/>
+          </p:cNvSpPr>
+          <p:nvPr>
+            <p:ph type="body" sz="half" idx="2"/>
+          </p:nvPr>
+        </p:nvSpPr>
+        <p:spPr>
+          <a:xfrm>
+            <a:off x="680319" y="5169583"/>
+            <a:ext cx="9613862" cy="622971"/>
+          </a:xfrm>
+        </p:spPr>
+        <p:txBody>
+          <a:bodyPr/>
+          <a:lstStyle>
+            <a:lvl1pPr marL="0" indent="0">
+              <a:buNone/>
+              <a:defRPr sz="1600"/>
+            </a:lvl1pPr>
+            <a:lvl2pPr marL="457200" indent="0">
+              <a:buNone/>
+              <a:defRPr sz="1400"/>
+            </a:lvl2pPr>
+            <a:lvl3pPr marL="914400" indent="0">
+              <a:buNone/>
+              <a:defRPr sz="1200"/>
+            </a:lvl3pPr>
+            <a:lvl4pPr marL="1371600" indent="0">
+              <a:buNone/>
+              <a:defRPr sz="1000"/>
+            </a:lvl4pPr>
+            <a:lvl5pPr marL="1828800" indent="0">
+              <a:buNone/>
+              <a:defRPr sz="1000"/>
+            </a:lvl5pPr>
+            <a:lvl6pPr marL="2286000" indent="0">
+              <a:buNone/>
+              <a:defRPr sz="1000"/>
+            </a:lvl6pPr>
+            <a:lvl7pPr marL="2743200" indent="0">
+              <a:buNone/>
+              <a:defRPr sz="1000"/>
+            </a:lvl7pPr>
+            <a:lvl8pPr marL="3200400" indent="0">
+              <a:buNone/>
+              <a:defRPr sz="1000"/>
+            </a:lvl8pPr>
+            <a:lvl9pPr marL="3657600" indent="0">
+              <a:buNone/>
+              <a:defRPr sz="1000"/>
+            </a:lvl9pPr>
+          </a:lstStyle>
+          <a:p>
+            <a:pPr lvl="0"/>
+            <a:r>
+              <a:rPr lang="en-US"/>
+              <a:t>Click to edit Master text styles</a:t>
+            </a:r>
+          </a:p>
+        </p:txBody>
+      </p:sp>
+      <p:sp>
+        <p:nvSpPr>
+          <p:cNvPr id="5" name="Date Placeholder 4"/>
+          <p:cNvSpPr>
+            <a:spLocks noGrp="1"/>
+          </p:cNvSpPr>
+          <p:nvPr>
+            <p:ph type="dt" sz="half" idx="10"/>
+          </p:nvPr>
+        </p:nvSpPr>
+        <p:spPr/>
+        <p:txBody>
+          <a:bodyPr/>
+          <a:lstStyle/>
+          <a:p>
+            <a:fld id="{5EFEF8D7-FC42-4093-B868-45CA60192777}" type="datetimeFigureOut">
+              <a:rPr lang="en-US" smtClean="0"/>
+              <a:t>12/9/2020</a:t>
+            </a:fld>
+            <a:endParaRPr lang="en-US"/>
+          </a:p>
+        </p:txBody>
+      </p:sp>
+      <p:sp>
+        <p:nvSpPr>
+          <p:cNvPr id="6" name="Footer Placeholder 5"/>
+          <p:cNvSpPr>
+            <a:spLocks noGrp="1"/>
+          </p:cNvSpPr>
+          <p:nvPr>
+            <p:ph type="ftr" sz="quarter" idx="11"/>
+          </p:nvPr>
+        </p:nvSpPr>
+        <p:spPr/>
+        <p:txBody>
+          <a:bodyPr/>
+          <a:lstStyle/>
+          <a:p>
+            <a:endParaRPr lang="en-US"/>
+          </a:p>
+        </p:txBody>
+      </p:sp>
+      <p:sp>
+        <p:nvSpPr>
+          <p:cNvPr id="7" name="Slide Number Placeholder 6"/>
+          <p:cNvSpPr>
+            <a:spLocks noGrp="1"/>
+          </p:cNvSpPr>
+          <p:nvPr>
+            <p:ph type="sldNum" sz="quarter" idx="12"/>
+          </p:nvPr>
+        </p:nvSpPr>
+        <p:spPr>
+          <a:xfrm>
+            <a:off x="10729455" y="4711309"/>
+            <a:ext cx="1154151" cy="1090789"/>
+          </a:xfrm>
+        </p:spPr>
+        <p:txBody>
+          <a:bodyPr/>
+          <a:lstStyle/>
+          <a:p>
+            <a:fld id="{413C2698-04FF-4115-B8AA-E2D55FB09CB1}" type="slidenum">
+              <a:rPr lang="en-US" smtClean="0"/>
+              <a:t>‹#›</a:t>
+            </a:fld>
+            <a:endParaRPr lang="en-US"/>
+          </a:p>
+        </p:txBody>
+      </p:sp>
+    </p:spTree>
+    <p:extLst>
+      <p:ext uri="{BB962C8B-B14F-4D97-AF65-F5344CB8AC3E}">
+        <p14:creationId xmlns:p14="http://schemas.microsoft.com/office/powerpoint/2010/main" val="818964397"/>
+      </p:ext>
+    </p:extLst>
+  </p:cSld>
+  <p:clrMapOvr>
+    <a:masterClrMapping/>
+  </p:clrMapOvr>
+</p:sldLayout>
+</file>
+
+<file path=ppt/slideLayouts/slideLayout11.xml><?xml version="1.0" encoding="utf-8"?>
+<p:sldLayout xmlns:a="http://schemas.openxmlformats.org/drawingml/2006/main" xmlns:r="http://schemas.openxmlformats.org/officeDocument/2006/relationships" xmlns:p="http://schemas.openxmlformats.org/presentationml/2006/main" preserve="1">
+  <p:cSld name="Title and Caption">
+    <p:spTree>
+      <p:nvGrpSpPr>
+        <p:cNvPr id="1" name=""/>
+        <p:cNvGrpSpPr/>
+        <p:nvPr/>
+      </p:nvGrpSpPr>
+      <p:grpSpPr>
+        <a:xfrm>
+          <a:off x="0" y="0"/>
+          <a:ext cx="0" cy="0"/>
+          <a:chOff x="0" y="0"/>
+          <a:chExt cx="0" cy="0"/>
+        </a:xfrm>
+      </p:grpSpPr>
+      <p:pic>
+        <p:nvPicPr>
+          <p:cNvPr id="8" name="Picture 7" descr="HD-ShadowLong.png"/>
+          <p:cNvPicPr>
+            <a:picLocks noChangeAspect="1"/>
+          </p:cNvPicPr>
+          <p:nvPr/>
+        </p:nvPicPr>
+        <p:blipFill>
+          <a:blip r:embed="rId2">
+            <a:extLst>
+              <a:ext uri="{28A0092B-C50C-407E-A947-70E740481C1C}">
+                <a14:useLocalDpi xmlns:a14="http://schemas.microsoft.com/office/drawing/2010/main" val="0"/>
+              </a:ext>
+            </a:extLst>
+          </a:blip>
+          <a:stretch>
+            <a:fillRect/>
+          </a:stretch>
+        </p:blipFill>
+        <p:spPr>
+          <a:xfrm>
+            <a:off x="1" y="5928628"/>
+            <a:ext cx="10437812" cy="321164"/>
+          </a:xfrm>
+          <a:prstGeom prst="rect">
+            <a:avLst/>
+          </a:prstGeom>
+        </p:spPr>
+      </p:pic>
+      <p:pic>
+        <p:nvPicPr>
+          <p:cNvPr id="9" name="Picture 8" descr="HD-ShadowShort.png"/>
+          <p:cNvPicPr>
+            <a:picLocks noChangeAspect="1"/>
+          </p:cNvPicPr>
+          <p:nvPr/>
+        </p:nvPicPr>
+        <p:blipFill>
+          <a:blip r:embed="rId3">
+            <a:extLst>
+              <a:ext uri="{28A0092B-C50C-407E-A947-70E740481C1C}">
+                <a14:useLocalDpi xmlns:a14="http://schemas.microsoft.com/office/drawing/2010/main" val="0"/>
+              </a:ext>
+            </a:extLst>
+          </a:blip>
+          <a:stretch>
+            <a:fillRect/>
+          </a:stretch>
+        </p:blipFill>
+        <p:spPr>
+          <a:xfrm>
+            <a:off x="10585826" y="5929622"/>
+            <a:ext cx="1602997" cy="144270"/>
+          </a:xfrm>
+          <a:prstGeom prst="rect">
+            <a:avLst/>
+          </a:prstGeom>
+        </p:spPr>
+      </p:pic>
+      <p:sp>
+        <p:nvSpPr>
+          <p:cNvPr id="10" name="Rectangle 9"/>
+          <p:cNvSpPr/>
+          <p:nvPr/>
+        </p:nvSpPr>
+        <p:spPr bwMode="ltGray">
+          <a:xfrm>
+            <a:off x="0" y="4567988"/>
+            <a:ext cx="10437812" cy="1368198"/>
+          </a:xfrm>
+          <a:prstGeom prst="rect">
+            <a:avLst/>
+          </a:prstGeom>
+          <a:solidFill>
+            <a:schemeClr val="bg1">
+              <a:lumMod val="85000"/>
+              <a:lumOff val="15000"/>
+            </a:schemeClr>
+          </a:solidFill>
+          <a:ln>
+            <a:noFill/>
+          </a:ln>
+        </p:spPr>
+        <p:style>
+          <a:lnRef idx="2">
+            <a:schemeClr val="accent1">
+              <a:shade val="50000"/>
+            </a:schemeClr>
+          </a:lnRef>
+          <a:fillRef idx="1">
+            <a:schemeClr val="accent1"/>
+          </a:fillRef>
+          <a:effectRef idx="0">
+            <a:schemeClr val="accent1"/>
+          </a:effectRef>
+          <a:fontRef idx="minor">
+            <a:schemeClr val="lt1"/>
+          </a:fontRef>
+        </p:style>
+      </p:sp>
+      <p:sp>
+        <p:nvSpPr>
+          <p:cNvPr id="11" name="Rectangle 10"/>
+          <p:cNvSpPr/>
+          <p:nvPr/>
+        </p:nvSpPr>
+        <p:spPr>
+          <a:xfrm>
+            <a:off x="10585827" y="4567988"/>
+            <a:ext cx="1602997" cy="1368198"/>
+          </a:xfrm>
+          <a:prstGeom prst="rect">
+            <a:avLst/>
+          </a:prstGeom>
+          <a:solidFill>
+            <a:schemeClr val="accent1"/>
+          </a:solidFill>
+          <a:ln>
+            <a:noFill/>
+          </a:ln>
+        </p:spPr>
+        <p:style>
+          <a:lnRef idx="2">
+            <a:schemeClr val="accent1">
+              <a:shade val="50000"/>
+            </a:schemeClr>
+          </a:lnRef>
+          <a:fillRef idx="1">
+            <a:schemeClr val="accent1"/>
+          </a:fillRef>
+          <a:effectRef idx="0">
+            <a:schemeClr val="accent1"/>
+          </a:effectRef>
+          <a:fontRef idx="minor">
+            <a:schemeClr val="lt1"/>
+          </a:fontRef>
+        </p:style>
+      </p:sp>
+      <p:sp>
+        <p:nvSpPr>
+          <p:cNvPr id="2" name="Title 1"/>
+          <p:cNvSpPr>
+            <a:spLocks noGrp="1"/>
+          </p:cNvSpPr>
+          <p:nvPr>
+            <p:ph type="title"/>
+          </p:nvPr>
+        </p:nvSpPr>
+        <p:spPr>
+          <a:xfrm>
+            <a:off x="680322" y="609597"/>
+            <a:ext cx="9613858" cy="3592750"/>
+          </a:xfrm>
+        </p:spPr>
+        <p:txBody>
+          <a:bodyPr anchor="ctr"/>
+          <a:lstStyle>
+            <a:lvl1pPr>
+              <a:defRPr sz="3200"/>
+            </a:lvl1pPr>
+          </a:lstStyle>
+          <a:p>
+            <a:r>
+              <a:rPr lang="en-US"/>
+              <a:t>Click to edit Master title style</a:t>
+            </a:r>
+            <a:endParaRPr lang="en-US" dirty="0"/>
+          </a:p>
+        </p:txBody>
+      </p:sp>
+      <p:sp>
+        <p:nvSpPr>
+          <p:cNvPr id="4" name="Text Placeholder 3"/>
+          <p:cNvSpPr>
+            <a:spLocks noGrp="1"/>
+          </p:cNvSpPr>
+          <p:nvPr>
+            <p:ph type="body" sz="half" idx="2"/>
+          </p:nvPr>
+        </p:nvSpPr>
+        <p:spPr>
+          <a:xfrm>
+            <a:off x="680322" y="4711615"/>
+            <a:ext cx="9613859" cy="1090789"/>
+          </a:xfrm>
+        </p:spPr>
+        <p:txBody>
+          <a:bodyPr anchor="ctr"/>
+          <a:lstStyle>
+            <a:lvl1pPr marL="0" indent="0">
+              <a:buNone/>
+              <a:defRPr sz="1600"/>
+            </a:lvl1pPr>
+            <a:lvl2pPr marL="457200" indent="0">
+              <a:buNone/>
+              <a:defRPr sz="1400"/>
+            </a:lvl2pPr>
+            <a:lvl3pPr marL="914400" indent="0">
+              <a:buNone/>
+              <a:defRPr sz="1200"/>
+            </a:lvl3pPr>
+            <a:lvl4pPr marL="1371600" indent="0">
+              <a:buNone/>
+              <a:defRPr sz="1000"/>
+            </a:lvl4pPr>
+            <a:lvl5pPr marL="1828800" indent="0">
+              <a:buNone/>
+              <a:defRPr sz="1000"/>
+            </a:lvl5pPr>
+            <a:lvl6pPr marL="2286000" indent="0">
+              <a:buNone/>
+              <a:defRPr sz="1000"/>
+            </a:lvl6pPr>
+            <a:lvl7pPr marL="2743200" indent="0">
+              <a:buNone/>
+              <a:defRPr sz="1000"/>
+            </a:lvl7pPr>
+            <a:lvl8pPr marL="3200400" indent="0">
+              <a:buNone/>
+              <a:defRPr sz="1000"/>
+            </a:lvl8pPr>
+            <a:lvl9pPr marL="3657600" indent="0">
+              <a:buNone/>
+              <a:defRPr sz="1000"/>
+            </a:lvl9pPr>
+          </a:lstStyle>
+          <a:p>
+            <a:pPr lvl="0"/>
+            <a:r>
+              <a:rPr lang="en-US"/>
+              <a:t>Click to edit Master text styles</a:t>
+            </a:r>
+          </a:p>
+        </p:txBody>
+      </p:sp>
+      <p:sp>
+        <p:nvSpPr>
+          <p:cNvPr id="5" name="Date Placeholder 4"/>
+          <p:cNvSpPr>
+            <a:spLocks noGrp="1"/>
+          </p:cNvSpPr>
+          <p:nvPr>
+            <p:ph type="dt" sz="half" idx="10"/>
+          </p:nvPr>
+        </p:nvSpPr>
+        <p:spPr/>
+        <p:txBody>
+          <a:bodyPr/>
+          <a:lstStyle/>
+          <a:p>
+            <a:fld id="{5EFEF8D7-FC42-4093-B868-45CA60192777}" type="datetimeFigureOut">
+              <a:rPr lang="en-US" smtClean="0"/>
+              <a:t>12/9/2020</a:t>
+            </a:fld>
+            <a:endParaRPr lang="en-US"/>
+          </a:p>
+        </p:txBody>
+      </p:sp>
+      <p:sp>
+        <p:nvSpPr>
+          <p:cNvPr id="6" name="Footer Placeholder 5"/>
+          <p:cNvSpPr>
+            <a:spLocks noGrp="1"/>
+          </p:cNvSpPr>
+          <p:nvPr>
+            <p:ph type="ftr" sz="quarter" idx="11"/>
+          </p:nvPr>
+        </p:nvSpPr>
+        <p:spPr/>
+        <p:txBody>
+          <a:bodyPr/>
+          <a:lstStyle/>
+          <a:p>
+            <a:endParaRPr lang="en-US"/>
+          </a:p>
+        </p:txBody>
+      </p:sp>
+      <p:sp>
+        <p:nvSpPr>
+          <p:cNvPr id="7" name="Slide Number Placeholder 6"/>
+          <p:cNvSpPr>
+            <a:spLocks noGrp="1"/>
+          </p:cNvSpPr>
+          <p:nvPr>
+            <p:ph type="sldNum" sz="quarter" idx="12"/>
+          </p:nvPr>
+        </p:nvSpPr>
+        <p:spPr>
+          <a:xfrm>
+            <a:off x="10729455" y="4711615"/>
+            <a:ext cx="1154151" cy="1090789"/>
+          </a:xfrm>
+        </p:spPr>
+        <p:txBody>
+          <a:bodyPr/>
+          <a:lstStyle/>
+          <a:p>
+            <a:fld id="{413C2698-04FF-4115-B8AA-E2D55FB09CB1}" type="slidenum">
+              <a:rPr lang="en-US" smtClean="0"/>
+              <a:t>‹#›</a:t>
+            </a:fld>
+            <a:endParaRPr lang="en-US"/>
+          </a:p>
+        </p:txBody>
+      </p:sp>
+    </p:spTree>
+    <p:extLst>
+      <p:ext uri="{BB962C8B-B14F-4D97-AF65-F5344CB8AC3E}">
+        <p14:creationId xmlns:p14="http://schemas.microsoft.com/office/powerpoint/2010/main" val="2493275889"/>
+      </p:ext>
+    </p:extLst>
+  </p:cSld>
+  <p:clrMapOvr>
+    <a:masterClrMapping/>
+  </p:clrMapOvr>
+</p:sldLayout>
+</file>
+
+<file path=ppt/slideLayouts/slideLayout12.xml><?xml version="1.0" encoding="utf-8"?>
+<p:sldLayout xmlns:a="http://schemas.openxmlformats.org/drawingml/2006/main" xmlns:r="http://schemas.openxmlformats.org/officeDocument/2006/relationships" xmlns:p="http://schemas.openxmlformats.org/presentationml/2006/main" preserve="1">
+  <p:cSld name="Quote with Caption">
+    <p:spTree>
+      <p:nvGrpSpPr>
+        <p:cNvPr id="1" name=""/>
+        <p:cNvGrpSpPr/>
+        <p:nvPr/>
+      </p:nvGrpSpPr>
+      <p:grpSpPr>
+        <a:xfrm>
+          <a:off x="0" y="0"/>
+          <a:ext cx="0" cy="0"/>
+          <a:chOff x="0" y="0"/>
+          <a:chExt cx="0" cy="0"/>
+        </a:xfrm>
+      </p:grpSpPr>
+      <p:pic>
+        <p:nvPicPr>
+          <p:cNvPr id="11" name="Picture 10" descr="HD-ShadowLong.png"/>
+          <p:cNvPicPr>
+            <a:picLocks noChangeAspect="1"/>
+          </p:cNvPicPr>
+          <p:nvPr/>
+        </p:nvPicPr>
+        <p:blipFill>
+          <a:blip r:embed="rId2">
+            <a:extLst>
+              <a:ext uri="{28A0092B-C50C-407E-A947-70E740481C1C}">
+                <a14:useLocalDpi xmlns:a14="http://schemas.microsoft.com/office/drawing/2010/main" val="0"/>
+              </a:ext>
+            </a:extLst>
+          </a:blip>
+          <a:stretch>
+            <a:fillRect/>
+          </a:stretch>
+        </p:blipFill>
+        <p:spPr>
+          <a:xfrm>
+            <a:off x="1" y="5928628"/>
+            <a:ext cx="10437812" cy="321164"/>
+          </a:xfrm>
+          <a:prstGeom prst="rect">
+            <a:avLst/>
+          </a:prstGeom>
+        </p:spPr>
+      </p:pic>
+      <p:pic>
+        <p:nvPicPr>
+          <p:cNvPr id="13" name="Picture 12" descr="HD-ShadowShort.png"/>
+          <p:cNvPicPr>
+            <a:picLocks noChangeAspect="1"/>
+          </p:cNvPicPr>
+          <p:nvPr/>
+        </p:nvPicPr>
+        <p:blipFill>
+          <a:blip r:embed="rId3">
+            <a:extLst>
+              <a:ext uri="{28A0092B-C50C-407E-A947-70E740481C1C}">
+                <a14:useLocalDpi xmlns:a14="http://schemas.microsoft.com/office/drawing/2010/main" val="0"/>
+              </a:ext>
+            </a:extLst>
+          </a:blip>
+          <a:stretch>
+            <a:fillRect/>
+          </a:stretch>
+        </p:blipFill>
+        <p:spPr>
+          <a:xfrm>
+            <a:off x="10585826" y="5929622"/>
+            <a:ext cx="1602997" cy="144270"/>
+          </a:xfrm>
+          <a:prstGeom prst="rect">
+            <a:avLst/>
+          </a:prstGeom>
+        </p:spPr>
+      </p:pic>
+      <p:sp>
+        <p:nvSpPr>
+          <p:cNvPr id="14" name="Rectangle 13"/>
+          <p:cNvSpPr/>
+          <p:nvPr/>
+        </p:nvSpPr>
+        <p:spPr bwMode="ltGray">
+          <a:xfrm>
+            <a:off x="0" y="4567988"/>
+            <a:ext cx="10437812" cy="1368198"/>
+          </a:xfrm>
+          <a:prstGeom prst="rect">
+            <a:avLst/>
+          </a:prstGeom>
+          <a:solidFill>
+            <a:schemeClr val="bg1">
+              <a:lumMod val="85000"/>
+              <a:lumOff val="15000"/>
+            </a:schemeClr>
+          </a:solidFill>
+          <a:ln>
+            <a:noFill/>
+          </a:ln>
+        </p:spPr>
+        <p:style>
+          <a:lnRef idx="2">
+            <a:schemeClr val="accent1">
+              <a:shade val="50000"/>
+            </a:schemeClr>
+          </a:lnRef>
+          <a:fillRef idx="1">
+            <a:schemeClr val="accent1"/>
+          </a:fillRef>
+          <a:effectRef idx="0">
+            <a:schemeClr val="accent1"/>
+          </a:effectRef>
+          <a:fontRef idx="minor">
+            <a:schemeClr val="lt1"/>
+          </a:fontRef>
+        </p:style>
+      </p:sp>
+      <p:sp>
+        <p:nvSpPr>
+          <p:cNvPr id="15" name="Rectangle 14"/>
+          <p:cNvSpPr/>
+          <p:nvPr/>
+        </p:nvSpPr>
+        <p:spPr>
+          <a:xfrm>
+            <a:off x="10585827" y="4567988"/>
+            <a:ext cx="1602997" cy="1368198"/>
+          </a:xfrm>
+          <a:prstGeom prst="rect">
+            <a:avLst/>
+          </a:prstGeom>
+          <a:solidFill>
+            <a:schemeClr val="accent1"/>
+          </a:solidFill>
+          <a:ln>
+            <a:noFill/>
+          </a:ln>
+        </p:spPr>
+        <p:style>
+          <a:lnRef idx="2">
+            <a:schemeClr val="accent1">
+              <a:shade val="50000"/>
+            </a:schemeClr>
+          </a:lnRef>
+          <a:fillRef idx="1">
+            <a:schemeClr val="accent1"/>
+          </a:fillRef>
+          <a:effectRef idx="0">
+            <a:schemeClr val="accent1"/>
+          </a:effectRef>
+          <a:fontRef idx="minor">
+            <a:schemeClr val="lt1"/>
+          </a:fontRef>
+        </p:style>
+      </p:sp>
+      <p:sp>
+        <p:nvSpPr>
+          <p:cNvPr id="2" name="Title 1"/>
+          <p:cNvSpPr>
+            <a:spLocks noGrp="1"/>
+          </p:cNvSpPr>
+          <p:nvPr>
+            <p:ph type="title"/>
+          </p:nvPr>
+        </p:nvSpPr>
+        <p:spPr>
+          <a:xfrm>
+            <a:off x="1127856" y="609598"/>
+            <a:ext cx="8718877" cy="3036061"/>
+          </a:xfrm>
+        </p:spPr>
+        <p:txBody>
+          <a:bodyPr anchor="ctr"/>
+          <a:lstStyle>
+            <a:lvl1pPr>
+              <a:defRPr sz="3200"/>
+            </a:lvl1pPr>
+          </a:lstStyle>
+          <a:p>
+            <a:r>
+              <a:rPr lang="en-US"/>
+              <a:t>Click to edit Master title style</a:t>
+            </a:r>
+            <a:endParaRPr lang="en-US" dirty="0"/>
+          </a:p>
+        </p:txBody>
+      </p:sp>
+      <p:sp>
+        <p:nvSpPr>
+          <p:cNvPr id="12" name="Text Placeholder 3"/>
+          <p:cNvSpPr>
+            <a:spLocks noGrp="1"/>
+          </p:cNvSpPr>
+          <p:nvPr>
+            <p:ph type="body" sz="half" idx="13"/>
+          </p:nvPr>
+        </p:nvSpPr>
+        <p:spPr>
+          <a:xfrm>
+            <a:off x="1402288" y="3653379"/>
+            <a:ext cx="8156579" cy="548968"/>
+          </a:xfrm>
+        </p:spPr>
+        <p:txBody>
+          <a:bodyPr anchor="t">
+            <a:normAutofit/>
+          </a:bodyPr>
+          <a:lstStyle>
+            <a:lvl1pPr marL="0" indent="0">
+              <a:buNone/>
+              <a:defRPr sz="1400"/>
+            </a:lvl1pPr>
+            <a:lvl2pPr marL="457200" indent="0">
+              <a:buNone/>
+              <a:defRPr sz="1400"/>
+            </a:lvl2pPr>
+            <a:lvl3pPr marL="914400" indent="0">
+              <a:buNone/>
+              <a:defRPr sz="1200"/>
+            </a:lvl3pPr>
+            <a:lvl4pPr marL="1371600" indent="0">
+              <a:buNone/>
+              <a:defRPr sz="1000"/>
+            </a:lvl4pPr>
+            <a:lvl5pPr marL="1828800" indent="0">
+              <a:buNone/>
+              <a:defRPr sz="1000"/>
+            </a:lvl5pPr>
+            <a:lvl6pPr marL="2286000" indent="0">
+              <a:buNone/>
+              <a:defRPr sz="1000"/>
+            </a:lvl6pPr>
+            <a:lvl7pPr marL="2743200" indent="0">
+              <a:buNone/>
+              <a:defRPr sz="1000"/>
+            </a:lvl7pPr>
+            <a:lvl8pPr marL="3200400" indent="0">
+              <a:buNone/>
+              <a:defRPr sz="1000"/>
+            </a:lvl8pPr>
+            <a:lvl9pPr marL="3657600" indent="0">
+              <a:buNone/>
+              <a:defRPr sz="1000"/>
+            </a:lvl9pPr>
+          </a:lstStyle>
+          <a:p>
+            <a:pPr lvl="0"/>
+            <a:r>
+              <a:rPr lang="en-US"/>
+              <a:t>Click to edit Master text styles</a:t>
+            </a:r>
+          </a:p>
+        </p:txBody>
+      </p:sp>
+      <p:sp>
+        <p:nvSpPr>
+          <p:cNvPr id="4" name="Text Placeholder 3"/>
+          <p:cNvSpPr>
+            <a:spLocks noGrp="1"/>
+          </p:cNvSpPr>
+          <p:nvPr>
+            <p:ph type="body" sz="half" idx="2"/>
+          </p:nvPr>
+        </p:nvSpPr>
+        <p:spPr>
+          <a:xfrm>
+            <a:off x="680322" y="4711615"/>
+            <a:ext cx="9613859" cy="1090789"/>
+          </a:xfrm>
+        </p:spPr>
+        <p:txBody>
+          <a:bodyPr anchor="ctr">
+            <a:normAutofit/>
+          </a:bodyPr>
+          <a:lstStyle>
+            <a:lvl1pPr marL="0" indent="0">
+              <a:buNone/>
+              <a:defRPr sz="1600"/>
+            </a:lvl1pPr>
+            <a:lvl2pPr marL="457200" indent="0">
+              <a:buNone/>
+              <a:defRPr sz="1400"/>
+            </a:lvl2pPr>
+            <a:lvl3pPr marL="914400" indent="0">
+              <a:buNone/>
+              <a:defRPr sz="1200"/>
+            </a:lvl3pPr>
+            <a:lvl4pPr marL="1371600" indent="0">
+              <a:buNone/>
+              <a:defRPr sz="1000"/>
+            </a:lvl4pPr>
+            <a:lvl5pPr marL="1828800" indent="0">
+              <a:buNone/>
+              <a:defRPr sz="1000"/>
+            </a:lvl5pPr>
+            <a:lvl6pPr marL="2286000" indent="0">
+              <a:buNone/>
+              <a:defRPr sz="1000"/>
+            </a:lvl6pPr>
+            <a:lvl7pPr marL="2743200" indent="0">
+              <a:buNone/>
+              <a:defRPr sz="1000"/>
+            </a:lvl7pPr>
+            <a:lvl8pPr marL="3200400" indent="0">
+              <a:buNone/>
+              <a:defRPr sz="1000"/>
+            </a:lvl8pPr>
+            <a:lvl9pPr marL="3657600" indent="0">
+              <a:buNone/>
+              <a:defRPr sz="1000"/>
+            </a:lvl9pPr>
+          </a:lstStyle>
+          <a:p>
+            <a:pPr lvl="0"/>
+            <a:r>
+              <a:rPr lang="en-US"/>
+              <a:t>Click to edit Master text styles</a:t>
+            </a:r>
+          </a:p>
+        </p:txBody>
+      </p:sp>
+      <p:sp>
+        <p:nvSpPr>
+          <p:cNvPr id="5" name="Date Placeholder 4"/>
+          <p:cNvSpPr>
+            <a:spLocks noGrp="1"/>
+          </p:cNvSpPr>
+          <p:nvPr>
+            <p:ph type="dt" sz="half" idx="10"/>
+          </p:nvPr>
+        </p:nvSpPr>
+        <p:spPr/>
+        <p:txBody>
+          <a:bodyPr/>
+          <a:lstStyle/>
+          <a:p>
+            <a:fld id="{5EFEF8D7-FC42-4093-B868-45CA60192777}" type="datetimeFigureOut">
+              <a:rPr lang="en-US" smtClean="0"/>
+              <a:t>12/9/2020</a:t>
+            </a:fld>
+            <a:endParaRPr lang="en-US"/>
+          </a:p>
+        </p:txBody>
+      </p:sp>
+      <p:sp>
+        <p:nvSpPr>
+          <p:cNvPr id="6" name="Footer Placeholder 5"/>
+          <p:cNvSpPr>
+            <a:spLocks noGrp="1"/>
+          </p:cNvSpPr>
+          <p:nvPr>
+            <p:ph type="ftr" sz="quarter" idx="11"/>
+          </p:nvPr>
+        </p:nvSpPr>
+        <p:spPr/>
+        <p:txBody>
+          <a:bodyPr/>
+          <a:lstStyle/>
+          <a:p>
+            <a:endParaRPr lang="en-US"/>
+          </a:p>
+        </p:txBody>
+      </p:sp>
+      <p:sp>
+        <p:nvSpPr>
+          <p:cNvPr id="7" name="Slide Number Placeholder 6"/>
+          <p:cNvSpPr>
+            <a:spLocks noGrp="1"/>
+          </p:cNvSpPr>
+          <p:nvPr>
+            <p:ph type="sldNum" sz="quarter" idx="12"/>
+          </p:nvPr>
+        </p:nvSpPr>
+        <p:spPr>
+          <a:xfrm>
+            <a:off x="10729455" y="4709925"/>
+            <a:ext cx="1154151" cy="1090789"/>
+          </a:xfrm>
+        </p:spPr>
+        <p:txBody>
+          <a:bodyPr/>
+          <a:lstStyle/>
+          <a:p>
+            <a:fld id="{413C2698-04FF-4115-B8AA-E2D55FB09CB1}" type="slidenum">
+              <a:rPr lang="en-US" smtClean="0"/>
+              <a:t>‹#›</a:t>
+            </a:fld>
+            <a:endParaRPr lang="en-US"/>
+          </a:p>
+        </p:txBody>
+      </p:sp>
+      <p:sp>
+        <p:nvSpPr>
+          <p:cNvPr id="16" name="TextBox 15"/>
+          <p:cNvSpPr txBox="1"/>
+          <p:nvPr/>
+        </p:nvSpPr>
+        <p:spPr>
+          <a:xfrm>
+            <a:off x="583572" y="748116"/>
+            <a:ext cx="609600" cy="584776"/>
+          </a:xfrm>
+          <a:prstGeom prst="rect">
+            <a:avLst/>
+          </a:prstGeom>
+        </p:spPr>
+        <p:txBody>
+          <a:bodyPr vert="horz" lIns="91440" tIns="45720" rIns="91440" bIns="45720" rtlCol="0" anchor="ctr">
+            <a:noAutofit/>
+          </a:bodyPr>
+          <a:lstStyle>
+            <a:lvl1pPr>
+              <a:spcBef>
+                <a:spcPct val="0"/>
+              </a:spcBef>
+              <a:buNone/>
+              <a:defRPr sz="3200" b="0" cap="all">
+                <a:ln w="3175" cmpd="sng">
+                  <a:noFill/>
+                </a:ln>
+                <a:effectLst>
+                  <a:glow rad="38100">
+                    <a:schemeClr val="bg1">
+                      <a:lumMod val="65000"/>
+                      <a:lumOff val="35000"/>
+                      <a:alpha val="40000"/>
+                    </a:schemeClr>
+                  </a:glow>
+                  <a:outerShdw blurRad="28575" dist="38100" dir="14040000" algn="tl" rotWithShape="0">
+                    <a:srgbClr val="000000">
+                      <a:alpha val="25000"/>
+                    </a:srgbClr>
+                  </a:outerShdw>
+                </a:effectLst>
+              </a:defRPr>
+            </a:lvl1pPr>
+            <a:lvl2pPr>
+              <a:defRPr>
+                <a:solidFill>
+                  <a:schemeClr val="tx2"/>
+                </a:solidFill>
+              </a:defRPr>
+            </a:lvl2pPr>
+            <a:lvl3pPr>
+              <a:defRPr>
+                <a:solidFill>
+                  <a:schemeClr val="tx2"/>
+                </a:solidFill>
+              </a:defRPr>
+            </a:lvl3pPr>
+            <a:lvl4pPr>
+              <a:defRPr>
+                <a:solidFill>
+                  <a:schemeClr val="tx2"/>
+                </a:solidFill>
+              </a:defRPr>
+            </a:lvl4pPr>
+            <a:lvl5pPr>
+              <a:defRPr>
+                <a:solidFill>
+                  <a:schemeClr val="tx2"/>
+                </a:solidFill>
+              </a:defRPr>
+            </a:lvl5pPr>
+            <a:lvl6pPr>
+              <a:defRPr>
+                <a:solidFill>
+                  <a:schemeClr val="tx2"/>
+                </a:solidFill>
+              </a:defRPr>
+            </a:lvl6pPr>
+            <a:lvl7pPr>
+              <a:defRPr>
+                <a:solidFill>
+                  <a:schemeClr val="tx2"/>
+                </a:solidFill>
+              </a:defRPr>
+            </a:lvl7pPr>
+            <a:lvl8pPr>
+              <a:defRPr>
+                <a:solidFill>
+                  <a:schemeClr val="tx2"/>
+                </a:solidFill>
+              </a:defRPr>
+            </a:lvl8pPr>
+            <a:lvl9pPr>
+              <a:defRPr>
+                <a:solidFill>
+                  <a:schemeClr val="tx2"/>
+                </a:solidFill>
+              </a:defRPr>
+            </a:lvl9pPr>
+          </a:lstStyle>
+          <a:p>
+            <a:pPr lvl="0"/>
+            <a:r>
+              <a:rPr lang="en-US" sz="7200" dirty="0">
+                <a:solidFill>
+                  <a:schemeClr val="tx1"/>
+                </a:solidFill>
+                <a:effectLst/>
+              </a:rPr>
+              <a:t>“</a:t>
+            </a:r>
+          </a:p>
+        </p:txBody>
+      </p:sp>
+      <p:sp>
+        <p:nvSpPr>
+          <p:cNvPr id="17" name="TextBox 16"/>
+          <p:cNvSpPr txBox="1"/>
+          <p:nvPr/>
+        </p:nvSpPr>
+        <p:spPr>
+          <a:xfrm>
+            <a:off x="9662809" y="3033524"/>
+            <a:ext cx="609600" cy="584776"/>
+          </a:xfrm>
+          <a:prstGeom prst="rect">
+            <a:avLst/>
+          </a:prstGeom>
+        </p:spPr>
+        <p:txBody>
+          <a:bodyPr vert="horz" lIns="91440" tIns="45720" rIns="91440" bIns="45720" rtlCol="0" anchor="ctr">
+            <a:noAutofit/>
+          </a:bodyPr>
+          <a:lstStyle>
+            <a:lvl1pPr>
+              <a:spcBef>
+                <a:spcPct val="0"/>
+              </a:spcBef>
+              <a:buNone/>
+              <a:defRPr sz="3200" b="0" cap="all">
+                <a:ln w="3175" cmpd="sng">
+                  <a:noFill/>
+                </a:ln>
+                <a:effectLst>
+                  <a:glow rad="38100">
+                    <a:schemeClr val="bg1">
+                      <a:lumMod val="65000"/>
+                      <a:lumOff val="35000"/>
+                      <a:alpha val="40000"/>
+                    </a:schemeClr>
+                  </a:glow>
+                  <a:outerShdw blurRad="28575" dist="38100" dir="14040000" algn="tl" rotWithShape="0">
+                    <a:srgbClr val="000000">
+                      <a:alpha val="25000"/>
+                    </a:srgbClr>
+                  </a:outerShdw>
+                </a:effectLst>
+              </a:defRPr>
+            </a:lvl1pPr>
+            <a:lvl2pPr>
+              <a:defRPr>
+                <a:solidFill>
+                  <a:schemeClr val="tx2"/>
+                </a:solidFill>
+              </a:defRPr>
+            </a:lvl2pPr>
+            <a:lvl3pPr>
+              <a:defRPr>
+                <a:solidFill>
+                  <a:schemeClr val="tx2"/>
+                </a:solidFill>
+              </a:defRPr>
+            </a:lvl3pPr>
+            <a:lvl4pPr>
+              <a:defRPr>
+                <a:solidFill>
+                  <a:schemeClr val="tx2"/>
+                </a:solidFill>
+              </a:defRPr>
+            </a:lvl4pPr>
+            <a:lvl5pPr>
+              <a:defRPr>
+                <a:solidFill>
+                  <a:schemeClr val="tx2"/>
+                </a:solidFill>
+              </a:defRPr>
+            </a:lvl5pPr>
+            <a:lvl6pPr>
+              <a:defRPr>
+                <a:solidFill>
+                  <a:schemeClr val="tx2"/>
+                </a:solidFill>
+              </a:defRPr>
+            </a:lvl6pPr>
+            <a:lvl7pPr>
+              <a:defRPr>
+                <a:solidFill>
+                  <a:schemeClr val="tx2"/>
+                </a:solidFill>
+              </a:defRPr>
+            </a:lvl7pPr>
+            <a:lvl8pPr>
+              <a:defRPr>
+                <a:solidFill>
+                  <a:schemeClr val="tx2"/>
+                </a:solidFill>
+              </a:defRPr>
+            </a:lvl8pPr>
+            <a:lvl9pPr>
+              <a:defRPr>
+                <a:solidFill>
+                  <a:schemeClr val="tx2"/>
+                </a:solidFill>
+              </a:defRPr>
+            </a:lvl9pPr>
+          </a:lstStyle>
+          <a:p>
+            <a:pPr lvl="0" algn="r"/>
+            <a:r>
+              <a:rPr lang="en-US" sz="7200" dirty="0">
+                <a:solidFill>
+                  <a:schemeClr val="tx1"/>
+                </a:solidFill>
+                <a:effectLst/>
+              </a:rPr>
+              <a:t>”</a:t>
+            </a:r>
+          </a:p>
+        </p:txBody>
+      </p:sp>
+    </p:spTree>
+    <p:extLst>
+      <p:ext uri="{BB962C8B-B14F-4D97-AF65-F5344CB8AC3E}">
+        <p14:creationId xmlns:p14="http://schemas.microsoft.com/office/powerpoint/2010/main" val="1520864158"/>
+      </p:ext>
+    </p:extLst>
+  </p:cSld>
+  <p:clrMapOvr>
+    <a:masterClrMapping/>
+  </p:clrMapOvr>
+</p:sldLayout>
+</file>
+
+<file path=ppt/slideLayouts/slideLayout13.xml><?xml version="1.0" encoding="utf-8"?>
+<p:sldLayout xmlns:a="http://schemas.openxmlformats.org/drawingml/2006/main" xmlns:r="http://schemas.openxmlformats.org/officeDocument/2006/relationships" xmlns:p="http://schemas.openxmlformats.org/presentationml/2006/main" preserve="1">
+  <p:cSld name="Name Card">
+    <p:spTree>
+      <p:nvGrpSpPr>
+        <p:cNvPr id="1" name=""/>
+        <p:cNvGrpSpPr/>
+        <p:nvPr/>
+      </p:nvGrpSpPr>
+      <p:grpSpPr>
+        <a:xfrm>
+          <a:off x="0" y="0"/>
+          <a:ext cx="0" cy="0"/>
+          <a:chOff x="0" y="0"/>
+          <a:chExt cx="0" cy="0"/>
+        </a:xfrm>
+      </p:grpSpPr>
+      <p:pic>
+        <p:nvPicPr>
+          <p:cNvPr id="9" name="Picture 8" descr="HD-ShadowLong.png"/>
+          <p:cNvPicPr>
+            <a:picLocks noChangeAspect="1"/>
+          </p:cNvPicPr>
+          <p:nvPr/>
+        </p:nvPicPr>
+        <p:blipFill>
+          <a:blip r:embed="rId2">
+            <a:extLst>
+              <a:ext uri="{28A0092B-C50C-407E-A947-70E740481C1C}">
+                <a14:useLocalDpi xmlns:a14="http://schemas.microsoft.com/office/drawing/2010/main" val="0"/>
+              </a:ext>
+            </a:extLst>
+          </a:blip>
+          <a:stretch>
+            <a:fillRect/>
+          </a:stretch>
+        </p:blipFill>
+        <p:spPr>
+          <a:xfrm>
+            <a:off x="1" y="5928628"/>
+            <a:ext cx="10437812" cy="321164"/>
+          </a:xfrm>
+          <a:prstGeom prst="rect">
+            <a:avLst/>
+          </a:prstGeom>
+        </p:spPr>
+      </p:pic>
+      <p:pic>
+        <p:nvPicPr>
+          <p:cNvPr id="10" name="Picture 9" descr="HD-ShadowShort.png"/>
+          <p:cNvPicPr>
+            <a:picLocks noChangeAspect="1"/>
+          </p:cNvPicPr>
+          <p:nvPr/>
+        </p:nvPicPr>
+        <p:blipFill>
+          <a:blip r:embed="rId3">
+            <a:extLst>
+              <a:ext uri="{28A0092B-C50C-407E-A947-70E740481C1C}">
+                <a14:useLocalDpi xmlns:a14="http://schemas.microsoft.com/office/drawing/2010/main" val="0"/>
+              </a:ext>
+            </a:extLst>
+          </a:blip>
+          <a:stretch>
+            <a:fillRect/>
+          </a:stretch>
+        </p:blipFill>
+        <p:spPr>
+          <a:xfrm>
+            <a:off x="10585826" y="5929622"/>
+            <a:ext cx="1602997" cy="144270"/>
+          </a:xfrm>
+          <a:prstGeom prst="rect">
+            <a:avLst/>
+          </a:prstGeom>
+        </p:spPr>
+      </p:pic>
+      <p:sp>
+        <p:nvSpPr>
+          <p:cNvPr id="11" name="Rectangle 10"/>
+          <p:cNvSpPr/>
+          <p:nvPr/>
+        </p:nvSpPr>
+        <p:spPr bwMode="ltGray">
+          <a:xfrm>
+            <a:off x="0" y="4567988"/>
+            <a:ext cx="10437812" cy="1368198"/>
+          </a:xfrm>
+          <a:prstGeom prst="rect">
+            <a:avLst/>
+          </a:prstGeom>
+          <a:solidFill>
+            <a:schemeClr val="bg1">
+              <a:lumMod val="85000"/>
+              <a:lumOff val="15000"/>
+            </a:schemeClr>
+          </a:solidFill>
+          <a:ln>
+            <a:noFill/>
+          </a:ln>
+        </p:spPr>
+        <p:style>
+          <a:lnRef idx="2">
+            <a:schemeClr val="accent1">
+              <a:shade val="50000"/>
+            </a:schemeClr>
+          </a:lnRef>
+          <a:fillRef idx="1">
+            <a:schemeClr val="accent1"/>
+          </a:fillRef>
+          <a:effectRef idx="0">
+            <a:schemeClr val="accent1"/>
+          </a:effectRef>
+          <a:fontRef idx="minor">
+            <a:schemeClr val="lt1"/>
+          </a:fontRef>
+        </p:style>
+      </p:sp>
+      <p:sp>
+        <p:nvSpPr>
+          <p:cNvPr id="12" name="Rectangle 11"/>
+          <p:cNvSpPr/>
+          <p:nvPr/>
+        </p:nvSpPr>
+        <p:spPr>
+          <a:xfrm>
+            <a:off x="10585827" y="4567988"/>
+            <a:ext cx="1602997" cy="1368198"/>
+          </a:xfrm>
+          <a:prstGeom prst="rect">
+            <a:avLst/>
+          </a:prstGeom>
+          <a:solidFill>
+            <a:schemeClr val="accent1"/>
+          </a:solidFill>
+          <a:ln>
+            <a:noFill/>
+          </a:ln>
+        </p:spPr>
+        <p:style>
+          <a:lnRef idx="2">
+            <a:schemeClr val="accent1">
+              <a:shade val="50000"/>
+            </a:schemeClr>
+          </a:lnRef>
+          <a:fillRef idx="1">
+            <a:schemeClr val="accent1"/>
+          </a:fillRef>
+          <a:effectRef idx="0">
+            <a:schemeClr val="accent1"/>
+          </a:effectRef>
+          <a:fontRef idx="minor">
+            <a:schemeClr val="lt1"/>
+          </a:fontRef>
+        </p:style>
+      </p:sp>
+      <p:sp>
+        <p:nvSpPr>
+          <p:cNvPr id="2" name="Title 1"/>
+          <p:cNvSpPr>
+            <a:spLocks noGrp="1"/>
+          </p:cNvSpPr>
+          <p:nvPr>
+            <p:ph type="title"/>
+          </p:nvPr>
+        </p:nvSpPr>
+        <p:spPr>
+          <a:xfrm>
+            <a:off x="680319" y="4711615"/>
+            <a:ext cx="9613862" cy="588535"/>
+          </a:xfrm>
+        </p:spPr>
+        <p:txBody>
+          <a:bodyPr anchor="b"/>
+          <a:lstStyle>
+            <a:lvl1pPr>
+              <a:defRPr sz="3200"/>
+            </a:lvl1pPr>
+          </a:lstStyle>
+          <a:p>
+            <a:r>
+              <a:rPr lang="en-US"/>
+              <a:t>Click to edit Master title style</a:t>
+            </a:r>
+            <a:endParaRPr lang="en-US" dirty="0"/>
+          </a:p>
+        </p:txBody>
+      </p:sp>
+      <p:sp>
+        <p:nvSpPr>
+          <p:cNvPr id="4" name="Text Placeholder 3"/>
+          <p:cNvSpPr>
+            <a:spLocks noGrp="1"/>
+          </p:cNvSpPr>
+          <p:nvPr>
+            <p:ph type="body" sz="half" idx="2"/>
+          </p:nvPr>
+        </p:nvSpPr>
+        <p:spPr>
+          <a:xfrm>
+            <a:off x="680320" y="5300149"/>
+            <a:ext cx="9613862" cy="502255"/>
+          </a:xfrm>
+        </p:spPr>
+        <p:txBody>
+          <a:bodyPr anchor="t"/>
+          <a:lstStyle>
+            <a:lvl1pPr marL="0" indent="0">
+              <a:buNone/>
+              <a:defRPr sz="1600"/>
+            </a:lvl1pPr>
+            <a:lvl2pPr marL="457200" indent="0">
+              <a:buNone/>
+              <a:defRPr sz="1400"/>
+            </a:lvl2pPr>
+            <a:lvl3pPr marL="914400" indent="0">
+              <a:buNone/>
+              <a:defRPr sz="1200"/>
+            </a:lvl3pPr>
+            <a:lvl4pPr marL="1371600" indent="0">
+              <a:buNone/>
+              <a:defRPr sz="1000"/>
+            </a:lvl4pPr>
+            <a:lvl5pPr marL="1828800" indent="0">
+              <a:buNone/>
+              <a:defRPr sz="1000"/>
+            </a:lvl5pPr>
+            <a:lvl6pPr marL="2286000" indent="0">
+              <a:buNone/>
+              <a:defRPr sz="1000"/>
+            </a:lvl6pPr>
+            <a:lvl7pPr marL="2743200" indent="0">
+              <a:buNone/>
+              <a:defRPr sz="1000"/>
+            </a:lvl7pPr>
+            <a:lvl8pPr marL="3200400" indent="0">
+              <a:buNone/>
+              <a:defRPr sz="1000"/>
+            </a:lvl8pPr>
+            <a:lvl9pPr marL="3657600" indent="0">
+              <a:buNone/>
+              <a:defRPr sz="1000"/>
+            </a:lvl9pPr>
+          </a:lstStyle>
+          <a:p>
+            <a:pPr lvl="0"/>
+            <a:r>
+              <a:rPr lang="en-US"/>
+              <a:t>Click to edit Master text styles</a:t>
+            </a:r>
+          </a:p>
+        </p:txBody>
+      </p:sp>
+      <p:sp>
+        <p:nvSpPr>
+          <p:cNvPr id="5" name="Date Placeholder 4"/>
+          <p:cNvSpPr>
+            <a:spLocks noGrp="1"/>
+          </p:cNvSpPr>
+          <p:nvPr>
+            <p:ph type="dt" sz="half" idx="10"/>
+          </p:nvPr>
+        </p:nvSpPr>
+        <p:spPr/>
+        <p:txBody>
+          <a:bodyPr/>
+          <a:lstStyle/>
+          <a:p>
+            <a:fld id="{5EFEF8D7-FC42-4093-B868-45CA60192777}" type="datetimeFigureOut">
+              <a:rPr lang="en-US" smtClean="0"/>
+              <a:t>12/9/2020</a:t>
+            </a:fld>
+            <a:endParaRPr lang="en-US"/>
+          </a:p>
+        </p:txBody>
+      </p:sp>
+      <p:sp>
+        <p:nvSpPr>
+          <p:cNvPr id="6" name="Footer Placeholder 5"/>
+          <p:cNvSpPr>
+            <a:spLocks noGrp="1"/>
+          </p:cNvSpPr>
+          <p:nvPr>
+            <p:ph type="ftr" sz="quarter" idx="11"/>
+          </p:nvPr>
+        </p:nvSpPr>
+        <p:spPr/>
+        <p:txBody>
+          <a:bodyPr/>
+          <a:lstStyle/>
+          <a:p>
+            <a:endParaRPr lang="en-US"/>
+          </a:p>
+        </p:txBody>
+      </p:sp>
+      <p:sp>
+        <p:nvSpPr>
+          <p:cNvPr id="7" name="Slide Number Placeholder 6"/>
+          <p:cNvSpPr>
+            <a:spLocks noGrp="1"/>
+          </p:cNvSpPr>
+          <p:nvPr>
+            <p:ph type="sldNum" sz="quarter" idx="12"/>
+          </p:nvPr>
+        </p:nvSpPr>
+        <p:spPr>
+          <a:xfrm>
+            <a:off x="10729455" y="4709925"/>
+            <a:ext cx="1154151" cy="1090789"/>
+          </a:xfrm>
+        </p:spPr>
+        <p:txBody>
+          <a:bodyPr/>
+          <a:lstStyle/>
+          <a:p>
+            <a:fld id="{413C2698-04FF-4115-B8AA-E2D55FB09CB1}" type="slidenum">
+              <a:rPr lang="en-US" smtClean="0"/>
+              <a:t>‹#›</a:t>
+            </a:fld>
+            <a:endParaRPr lang="en-US"/>
+          </a:p>
+        </p:txBody>
+      </p:sp>
+    </p:spTree>
+    <p:extLst>
+      <p:ext uri="{BB962C8B-B14F-4D97-AF65-F5344CB8AC3E}">
+        <p14:creationId xmlns:p14="http://schemas.microsoft.com/office/powerpoint/2010/main" val="3954437112"/>
+      </p:ext>
+    </p:extLst>
+  </p:cSld>
+  <p:clrMapOvr>
+    <a:masterClrMapping/>
+  </p:clrMapOvr>
+</p:sldLayout>
+</file>
+
+<file path=ppt/slideLayouts/slideLayout14.xml><?xml version="1.0" encoding="utf-8"?>
+<p:sldLayout xmlns:a="http://schemas.openxmlformats.org/drawingml/2006/main" xmlns:r="http://schemas.openxmlformats.org/officeDocument/2006/relationships" xmlns:p="http://schemas.openxmlformats.org/presentationml/2006/main" preserve="1">
+  <p:cSld name="3 Column">
+    <p:spTree>
+      <p:nvGrpSpPr>
+        <p:cNvPr id="1" name=""/>
+        <p:cNvGrpSpPr/>
+        <p:nvPr/>
+      </p:nvGrpSpPr>
+      <p:grpSpPr>
+        <a:xfrm>
+          <a:off x="0" y="0"/>
+          <a:ext cx="0" cy="0"/>
+          <a:chOff x="0" y="0"/>
+          <a:chExt cx="0" cy="0"/>
+        </a:xfrm>
+      </p:grpSpPr>
+      <p:pic>
+        <p:nvPicPr>
+          <p:cNvPr id="13" name="Picture 12" descr="HD-ShadowLong.png"/>
+          <p:cNvPicPr>
+            <a:picLocks noChangeAspect="1"/>
+          </p:cNvPicPr>
+          <p:nvPr/>
+        </p:nvPicPr>
+        <p:blipFill>
+          <a:blip r:embed="rId2">
+            <a:extLst>
+              <a:ext uri="{28A0092B-C50C-407E-A947-70E740481C1C}">
+                <a14:useLocalDpi xmlns:a14="http://schemas.microsoft.com/office/drawing/2010/main" val="0"/>
+              </a:ext>
+            </a:extLst>
+          </a:blip>
+          <a:stretch>
+            <a:fillRect/>
+          </a:stretch>
+        </p:blipFill>
+        <p:spPr>
+          <a:xfrm>
+            <a:off x="1" y="1970240"/>
+            <a:ext cx="10437812" cy="321164"/>
+          </a:xfrm>
+          <a:prstGeom prst="rect">
+            <a:avLst/>
+          </a:prstGeom>
+        </p:spPr>
+      </p:pic>
+      <p:pic>
+        <p:nvPicPr>
+          <p:cNvPr id="14" name="Picture 13" descr="HD-ShadowShort.png"/>
+          <p:cNvPicPr>
+            <a:picLocks noChangeAspect="1"/>
+          </p:cNvPicPr>
+          <p:nvPr/>
+        </p:nvPicPr>
+        <p:blipFill>
+          <a:blip r:embed="rId3">
+            <a:extLst>
+              <a:ext uri="{28A0092B-C50C-407E-A947-70E740481C1C}">
+                <a14:useLocalDpi xmlns:a14="http://schemas.microsoft.com/office/drawing/2010/main" val="0"/>
+              </a:ext>
+            </a:extLst>
+          </a:blip>
+          <a:stretch>
+            <a:fillRect/>
+          </a:stretch>
+        </p:blipFill>
+        <p:spPr>
+          <a:xfrm>
+            <a:off x="10585826" y="1971234"/>
+            <a:ext cx="1602997" cy="144270"/>
+          </a:xfrm>
+          <a:prstGeom prst="rect">
+            <a:avLst/>
+          </a:prstGeom>
+        </p:spPr>
+      </p:pic>
+      <p:sp>
+        <p:nvSpPr>
+          <p:cNvPr id="16" name="Rectangle 15"/>
+          <p:cNvSpPr/>
+          <p:nvPr/>
+        </p:nvSpPr>
+        <p:spPr bwMode="ltGray">
+          <a:xfrm>
+            <a:off x="0" y="609600"/>
+            <a:ext cx="10437812" cy="1368198"/>
+          </a:xfrm>
+          <a:prstGeom prst="rect">
+            <a:avLst/>
+          </a:prstGeom>
+          <a:solidFill>
+            <a:schemeClr val="bg1">
+              <a:lumMod val="85000"/>
+              <a:lumOff val="15000"/>
+            </a:schemeClr>
+          </a:solidFill>
+          <a:ln>
+            <a:noFill/>
+          </a:ln>
+        </p:spPr>
+        <p:style>
+          <a:lnRef idx="2">
+            <a:schemeClr val="accent1">
+              <a:shade val="50000"/>
+            </a:schemeClr>
+          </a:lnRef>
+          <a:fillRef idx="1">
+            <a:schemeClr val="accent1"/>
+          </a:fillRef>
+          <a:effectRef idx="0">
+            <a:schemeClr val="accent1"/>
+          </a:effectRef>
+          <a:fontRef idx="minor">
+            <a:schemeClr val="lt1"/>
+          </a:fontRef>
+        </p:style>
+      </p:sp>
+      <p:sp>
+        <p:nvSpPr>
+          <p:cNvPr id="17" name="Rectangle 16"/>
+          <p:cNvSpPr/>
+          <p:nvPr/>
+        </p:nvSpPr>
+        <p:spPr>
+          <a:xfrm>
+            <a:off x="10585827" y="609600"/>
+            <a:ext cx="1602997" cy="1368198"/>
+          </a:xfrm>
+          <a:prstGeom prst="rect">
+            <a:avLst/>
+          </a:prstGeom>
+          <a:solidFill>
+            <a:schemeClr val="accent1"/>
+          </a:solidFill>
+          <a:ln>
+            <a:noFill/>
+          </a:ln>
+        </p:spPr>
+        <p:style>
+          <a:lnRef idx="2">
+            <a:schemeClr val="accent1">
+              <a:shade val="50000"/>
+            </a:schemeClr>
+          </a:lnRef>
+          <a:fillRef idx="1">
+            <a:schemeClr val="accent1"/>
+          </a:fillRef>
+          <a:effectRef idx="0">
+            <a:schemeClr val="accent1"/>
+          </a:effectRef>
+          <a:fontRef idx="minor">
+            <a:schemeClr val="lt1"/>
+          </a:fontRef>
+        </p:style>
+      </p:sp>
+      <p:sp>
+        <p:nvSpPr>
+          <p:cNvPr id="15" name="Title 1"/>
+          <p:cNvSpPr>
+            <a:spLocks noGrp="1"/>
+          </p:cNvSpPr>
+          <p:nvPr>
+            <p:ph type="title"/>
+          </p:nvPr>
+        </p:nvSpPr>
+        <p:spPr>
+          <a:xfrm>
+            <a:off x="669222" y="753228"/>
+            <a:ext cx="9624960" cy="1080938"/>
+          </a:xfrm>
+        </p:spPr>
+        <p:txBody>
+          <a:bodyPr/>
+          <a:lstStyle/>
+          <a:p>
+            <a:r>
+              <a:rPr lang="en-US"/>
+              <a:t>Click to edit Master title style</a:t>
+            </a:r>
+            <a:endParaRPr lang="en-US" dirty="0"/>
+          </a:p>
+        </p:txBody>
+      </p:sp>
+      <p:sp>
+        <p:nvSpPr>
+          <p:cNvPr id="7" name="Text Placeholder 2"/>
+          <p:cNvSpPr>
+            <a:spLocks noGrp="1"/>
+          </p:cNvSpPr>
+          <p:nvPr>
+            <p:ph type="body" idx="1"/>
+          </p:nvPr>
+        </p:nvSpPr>
+        <p:spPr>
+          <a:xfrm>
+            <a:off x="660946" y="2336873"/>
+            <a:ext cx="3070034" cy="576262"/>
+          </a:xfrm>
+        </p:spPr>
+        <p:txBody>
+          <a:bodyPr anchor="b">
+            <a:noAutofit/>
+          </a:bodyPr>
+          <a:lstStyle>
+            <a:lvl1pPr marL="0" indent="0">
+              <a:buNone/>
+              <a:defRPr sz="2400" b="0">
+                <a:solidFill>
+                  <a:schemeClr val="tx1"/>
+                </a:solidFill>
+              </a:defRPr>
+            </a:lvl1pPr>
+            <a:lvl2pPr marL="457200" indent="0">
+              <a:buNone/>
+              <a:defRPr sz="2000" b="1"/>
+            </a:lvl2pPr>
+            <a:lvl3pPr marL="914400" indent="0">
+              <a:buNone/>
+              <a:defRPr sz="1800" b="1"/>
+            </a:lvl3pPr>
+            <a:lvl4pPr marL="1371600" indent="0">
+              <a:buNone/>
+              <a:defRPr sz="1600" b="1"/>
+            </a:lvl4pPr>
+            <a:lvl5pPr marL="1828800" indent="0">
+              <a:buNone/>
+              <a:defRPr sz="1600" b="1"/>
+            </a:lvl5pPr>
+            <a:lvl6pPr marL="2286000" indent="0">
+              <a:buNone/>
+              <a:defRPr sz="1600" b="1"/>
+            </a:lvl6pPr>
+            <a:lvl7pPr marL="2743200" indent="0">
+              <a:buNone/>
+              <a:defRPr sz="1600" b="1"/>
+            </a:lvl7pPr>
+            <a:lvl8pPr marL="3200400" indent="0">
+              <a:buNone/>
+              <a:defRPr sz="1600" b="1"/>
+            </a:lvl8pPr>
+            <a:lvl9pPr marL="3657600" indent="0">
+              <a:buNone/>
+              <a:defRPr sz="1600" b="1"/>
+            </a:lvl9pPr>
+          </a:lstStyle>
+          <a:p>
+            <a:pPr lvl="0"/>
+            <a:r>
+              <a:rPr lang="en-US"/>
+              <a:t>Click to edit Master text styles</a:t>
+            </a:r>
+          </a:p>
+        </p:txBody>
+      </p:sp>
+      <p:sp>
+        <p:nvSpPr>
+          <p:cNvPr id="8" name="Text Placeholder 3"/>
+          <p:cNvSpPr>
+            <a:spLocks noGrp="1"/>
+          </p:cNvSpPr>
+          <p:nvPr>
+            <p:ph type="body" sz="half" idx="15"/>
+          </p:nvPr>
+        </p:nvSpPr>
+        <p:spPr>
+          <a:xfrm>
+            <a:off x="680322" y="3022673"/>
+            <a:ext cx="3049702" cy="2913513"/>
+          </a:xfrm>
+        </p:spPr>
+        <p:txBody>
+          <a:bodyPr anchor="t">
+            <a:normAutofit/>
+          </a:bodyPr>
+          <a:lstStyle>
+            <a:lvl1pPr marL="0" indent="0">
+              <a:buNone/>
+              <a:defRPr sz="1400"/>
+            </a:lvl1pPr>
+            <a:lvl2pPr marL="457200" indent="0">
+              <a:buNone/>
+              <a:defRPr sz="1200"/>
+            </a:lvl2pPr>
+            <a:lvl3pPr marL="914400" indent="0">
+              <a:buNone/>
+              <a:defRPr sz="1000"/>
+            </a:lvl3pPr>
+            <a:lvl4pPr marL="1371600" indent="0">
+              <a:buNone/>
+              <a:defRPr sz="900"/>
+            </a:lvl4pPr>
+            <a:lvl5pPr marL="1828800" indent="0">
+              <a:buNone/>
+              <a:defRPr sz="900"/>
+            </a:lvl5pPr>
+            <a:lvl6pPr marL="2286000" indent="0">
+              <a:buNone/>
+              <a:defRPr sz="900"/>
+            </a:lvl6pPr>
+            <a:lvl7pPr marL="2743200" indent="0">
+              <a:buNone/>
+              <a:defRPr sz="900"/>
+            </a:lvl7pPr>
+            <a:lvl8pPr marL="3200400" indent="0">
+              <a:buNone/>
+              <a:defRPr sz="900"/>
+            </a:lvl8pPr>
+            <a:lvl9pPr marL="3657600" indent="0">
+              <a:buNone/>
+              <a:defRPr sz="900"/>
+            </a:lvl9pPr>
+          </a:lstStyle>
+          <a:p>
+            <a:pPr lvl="0"/>
+            <a:r>
+              <a:rPr lang="en-US"/>
+              <a:t>Click to edit Master text styles</a:t>
+            </a:r>
+          </a:p>
+        </p:txBody>
+      </p:sp>
+      <p:sp>
+        <p:nvSpPr>
+          <p:cNvPr id="9" name="Text Placeholder 4"/>
+          <p:cNvSpPr>
+            <a:spLocks noGrp="1"/>
+          </p:cNvSpPr>
+          <p:nvPr>
+            <p:ph type="body" sz="quarter" idx="3"/>
+          </p:nvPr>
+        </p:nvSpPr>
+        <p:spPr>
+          <a:xfrm>
+            <a:off x="3956025" y="2336873"/>
+            <a:ext cx="3063240" cy="576262"/>
+          </a:xfrm>
+        </p:spPr>
+        <p:txBody>
+          <a:bodyPr anchor="b">
+            <a:noAutofit/>
+          </a:bodyPr>
+          <a:lstStyle>
+            <a:lvl1pPr marL="0" indent="0">
+              <a:buNone/>
+              <a:defRPr sz="2400" b="0">
+                <a:solidFill>
+                  <a:schemeClr val="tx1"/>
+                </a:solidFill>
+              </a:defRPr>
+            </a:lvl1pPr>
+            <a:lvl2pPr marL="457200" indent="0">
+              <a:buNone/>
+              <a:defRPr sz="2000" b="1"/>
+            </a:lvl2pPr>
+            <a:lvl3pPr marL="914400" indent="0">
+              <a:buNone/>
+              <a:defRPr sz="1800" b="1"/>
+            </a:lvl3pPr>
+            <a:lvl4pPr marL="1371600" indent="0">
+              <a:buNone/>
+              <a:defRPr sz="1600" b="1"/>
+            </a:lvl4pPr>
+            <a:lvl5pPr marL="1828800" indent="0">
+              <a:buNone/>
+              <a:defRPr sz="1600" b="1"/>
+            </a:lvl5pPr>
+            <a:lvl6pPr marL="2286000" indent="0">
+              <a:buNone/>
+              <a:defRPr sz="1600" b="1"/>
+            </a:lvl6pPr>
+            <a:lvl7pPr marL="2743200" indent="0">
+              <a:buNone/>
+              <a:defRPr sz="1600" b="1"/>
+            </a:lvl7pPr>
+            <a:lvl8pPr marL="3200400" indent="0">
+              <a:buNone/>
+              <a:defRPr sz="1600" b="1"/>
+            </a:lvl8pPr>
+            <a:lvl9pPr marL="3657600" indent="0">
+              <a:buNone/>
+              <a:defRPr sz="1600" b="1"/>
+            </a:lvl9pPr>
+          </a:lstStyle>
+          <a:p>
+            <a:pPr lvl="0"/>
+            <a:r>
+              <a:rPr lang="en-US"/>
+              <a:t>Click to edit Master text styles</a:t>
+            </a:r>
+          </a:p>
+        </p:txBody>
+      </p:sp>
+      <p:sp>
+        <p:nvSpPr>
+          <p:cNvPr id="10" name="Text Placeholder 3"/>
+          <p:cNvSpPr>
+            <a:spLocks noGrp="1"/>
+          </p:cNvSpPr>
+          <p:nvPr>
+            <p:ph type="body" sz="half" idx="16"/>
+          </p:nvPr>
+        </p:nvSpPr>
+        <p:spPr>
+          <a:xfrm>
+            <a:off x="3945470" y="3022673"/>
+            <a:ext cx="3063240" cy="2913513"/>
+          </a:xfrm>
+        </p:spPr>
+        <p:txBody>
+          <a:bodyPr anchor="t">
+            <a:normAutofit/>
+          </a:bodyPr>
+          <a:lstStyle>
+            <a:lvl1pPr marL="0" indent="0">
+              <a:buNone/>
+              <a:defRPr sz="1400"/>
+            </a:lvl1pPr>
+            <a:lvl2pPr marL="457200" indent="0">
+              <a:buNone/>
+              <a:defRPr sz="1200"/>
+            </a:lvl2pPr>
+            <a:lvl3pPr marL="914400" indent="0">
+              <a:buNone/>
+              <a:defRPr sz="1000"/>
+            </a:lvl3pPr>
+            <a:lvl4pPr marL="1371600" indent="0">
+              <a:buNone/>
+              <a:defRPr sz="900"/>
+            </a:lvl4pPr>
+            <a:lvl5pPr marL="1828800" indent="0">
+              <a:buNone/>
+              <a:defRPr sz="900"/>
+            </a:lvl5pPr>
+            <a:lvl6pPr marL="2286000" indent="0">
+              <a:buNone/>
+              <a:defRPr sz="900"/>
+            </a:lvl6pPr>
+            <a:lvl7pPr marL="2743200" indent="0">
+              <a:buNone/>
+              <a:defRPr sz="900"/>
+            </a:lvl7pPr>
+            <a:lvl8pPr marL="3200400" indent="0">
+              <a:buNone/>
+              <a:defRPr sz="900"/>
+            </a:lvl8pPr>
+            <a:lvl9pPr marL="3657600" indent="0">
+              <a:buNone/>
+              <a:defRPr sz="900"/>
+            </a:lvl9pPr>
+          </a:lstStyle>
+          <a:p>
+            <a:pPr lvl="0"/>
+            <a:r>
+              <a:rPr lang="en-US"/>
+              <a:t>Click to edit Master text styles</a:t>
+            </a:r>
+          </a:p>
+        </p:txBody>
+      </p:sp>
+      <p:sp>
+        <p:nvSpPr>
+          <p:cNvPr id="11" name="Text Placeholder 4"/>
+          <p:cNvSpPr>
+            <a:spLocks noGrp="1"/>
+          </p:cNvSpPr>
+          <p:nvPr>
+            <p:ph type="body" sz="quarter" idx="13"/>
+          </p:nvPr>
+        </p:nvSpPr>
+        <p:spPr>
+          <a:xfrm>
+            <a:off x="7224156" y="2336873"/>
+            <a:ext cx="3070025" cy="576262"/>
+          </a:xfrm>
+        </p:spPr>
+        <p:txBody>
+          <a:bodyPr anchor="b">
+            <a:noAutofit/>
+          </a:bodyPr>
+          <a:lstStyle>
+            <a:lvl1pPr marL="0" indent="0">
+              <a:buNone/>
+              <a:defRPr sz="2400" b="0">
+                <a:solidFill>
+                  <a:schemeClr val="tx1"/>
+                </a:solidFill>
+              </a:defRPr>
+            </a:lvl1pPr>
+            <a:lvl2pPr marL="457200" indent="0">
+              <a:buNone/>
+              <a:defRPr sz="2000" b="1"/>
+            </a:lvl2pPr>
+            <a:lvl3pPr marL="914400" indent="0">
+              <a:buNone/>
+              <a:defRPr sz="1800" b="1"/>
+            </a:lvl3pPr>
+            <a:lvl4pPr marL="1371600" indent="0">
+              <a:buNone/>
+              <a:defRPr sz="1600" b="1"/>
+            </a:lvl4pPr>
+            <a:lvl5pPr marL="1828800" indent="0">
+              <a:buNone/>
+              <a:defRPr sz="1600" b="1"/>
+            </a:lvl5pPr>
+            <a:lvl6pPr marL="2286000" indent="0">
+              <a:buNone/>
+              <a:defRPr sz="1600" b="1"/>
+            </a:lvl6pPr>
+            <a:lvl7pPr marL="2743200" indent="0">
+              <a:buNone/>
+              <a:defRPr sz="1600" b="1"/>
+            </a:lvl7pPr>
+            <a:lvl8pPr marL="3200400" indent="0">
+              <a:buNone/>
+              <a:defRPr sz="1600" b="1"/>
+            </a:lvl8pPr>
+            <a:lvl9pPr marL="3657600" indent="0">
+              <a:buNone/>
+              <a:defRPr sz="1600" b="1"/>
+            </a:lvl9pPr>
+          </a:lstStyle>
+          <a:p>
+            <a:pPr lvl="0"/>
+            <a:r>
+              <a:rPr lang="en-US"/>
+              <a:t>Click to edit Master text styles</a:t>
+            </a:r>
+          </a:p>
+        </p:txBody>
+      </p:sp>
+      <p:sp>
+        <p:nvSpPr>
+          <p:cNvPr id="12" name="Text Placeholder 3"/>
+          <p:cNvSpPr>
+            <a:spLocks noGrp="1"/>
+          </p:cNvSpPr>
+          <p:nvPr>
+            <p:ph type="body" sz="half" idx="17"/>
+          </p:nvPr>
+        </p:nvSpPr>
+        <p:spPr>
+          <a:xfrm>
+            <a:off x="7224156" y="3022673"/>
+            <a:ext cx="3070025" cy="2913513"/>
+          </a:xfrm>
+        </p:spPr>
+        <p:txBody>
+          <a:bodyPr anchor="t">
+            <a:normAutofit/>
+          </a:bodyPr>
+          <a:lstStyle>
+            <a:lvl1pPr marL="0" indent="0">
+              <a:buNone/>
+              <a:defRPr sz="1400"/>
+            </a:lvl1pPr>
+            <a:lvl2pPr marL="457200" indent="0">
+              <a:buNone/>
+              <a:defRPr sz="1200"/>
+            </a:lvl2pPr>
+            <a:lvl3pPr marL="914400" indent="0">
+              <a:buNone/>
+              <a:defRPr sz="1000"/>
+            </a:lvl3pPr>
+            <a:lvl4pPr marL="1371600" indent="0">
+              <a:buNone/>
+              <a:defRPr sz="900"/>
+            </a:lvl4pPr>
+            <a:lvl5pPr marL="1828800" indent="0">
+              <a:buNone/>
+              <a:defRPr sz="900"/>
+            </a:lvl5pPr>
+            <a:lvl6pPr marL="2286000" indent="0">
+              <a:buNone/>
+              <a:defRPr sz="900"/>
+            </a:lvl6pPr>
+            <a:lvl7pPr marL="2743200" indent="0">
+              <a:buNone/>
+              <a:defRPr sz="900"/>
+            </a:lvl7pPr>
+            <a:lvl8pPr marL="3200400" indent="0">
+              <a:buNone/>
+              <a:defRPr sz="900"/>
+            </a:lvl8pPr>
+            <a:lvl9pPr marL="3657600" indent="0">
+              <a:buNone/>
+              <a:defRPr sz="900"/>
+            </a:lvl9pPr>
+          </a:lstStyle>
+          <a:p>
+            <a:pPr lvl="0"/>
+            <a:r>
+              <a:rPr lang="en-US"/>
+              <a:t>Click to edit Master text styles</a:t>
+            </a:r>
+          </a:p>
+        </p:txBody>
+      </p:sp>
+      <p:sp>
+        <p:nvSpPr>
+          <p:cNvPr id="3" name="Date Placeholder 2"/>
+          <p:cNvSpPr>
+            <a:spLocks noGrp="1"/>
+          </p:cNvSpPr>
+          <p:nvPr>
+            <p:ph type="dt" sz="half" idx="10"/>
+          </p:nvPr>
+        </p:nvSpPr>
+        <p:spPr/>
+        <p:txBody>
+          <a:bodyPr/>
+          <a:lstStyle/>
+          <a:p>
+            <a:fld id="{5EFEF8D7-FC42-4093-B868-45CA60192777}" type="datetimeFigureOut">
+              <a:rPr lang="en-US" smtClean="0"/>
+              <a:t>12/9/2020</a:t>
+            </a:fld>
+            <a:endParaRPr lang="en-US"/>
+          </a:p>
+        </p:txBody>
+      </p:sp>
+      <p:sp>
+        <p:nvSpPr>
+          <p:cNvPr id="4" name="Footer Placeholder 3"/>
+          <p:cNvSpPr>
+            <a:spLocks noGrp="1"/>
+          </p:cNvSpPr>
+          <p:nvPr>
+            <p:ph type="ftr" sz="quarter" idx="11"/>
+          </p:nvPr>
+        </p:nvSpPr>
+        <p:spPr/>
+        <p:txBody>
+          <a:bodyPr/>
+          <a:lstStyle/>
+          <a:p>
+            <a:endParaRPr lang="en-US"/>
+          </a:p>
+        </p:txBody>
+      </p:sp>
+      <p:sp>
+        <p:nvSpPr>
+          <p:cNvPr id="5" name="Slide Number Placeholder 4"/>
+          <p:cNvSpPr>
+            <a:spLocks noGrp="1"/>
+          </p:cNvSpPr>
+          <p:nvPr>
+            <p:ph type="sldNum" sz="quarter" idx="12"/>
+          </p:nvPr>
+        </p:nvSpPr>
+        <p:spPr/>
+        <p:txBody>
+          <a:bodyPr/>
+          <a:lstStyle/>
+          <a:p>
+            <a:fld id="{413C2698-04FF-4115-B8AA-E2D55FB09CB1}" type="slidenum">
+              <a:rPr lang="en-US" smtClean="0"/>
+              <a:t>‹#›</a:t>
+            </a:fld>
+            <a:endParaRPr lang="en-US"/>
+          </a:p>
+        </p:txBody>
+      </p:sp>
+    </p:spTree>
+    <p:extLst>
+      <p:ext uri="{BB962C8B-B14F-4D97-AF65-F5344CB8AC3E}">
+        <p14:creationId xmlns:p14="http://schemas.microsoft.com/office/powerpoint/2010/main" val="1936483760"/>
+      </p:ext>
+    </p:extLst>
+  </p:cSld>
+  <p:clrMapOvr>
+    <a:masterClrMapping/>
+  </p:clrMapOvr>
+</p:sldLayout>
+</file>
+
+<file path=ppt/slideLayouts/slideLayout15.xml><?xml version="1.0" encoding="utf-8"?>
+<p:sldLayout xmlns:a="http://schemas.openxmlformats.org/drawingml/2006/main" xmlns:r="http://schemas.openxmlformats.org/officeDocument/2006/relationships" xmlns:p="http://schemas.openxmlformats.org/presentationml/2006/main" preserve="1">
+  <p:cSld name="3 Picture Column">
+    <p:spTree>
+      <p:nvGrpSpPr>
+        <p:cNvPr id="1" name=""/>
+        <p:cNvGrpSpPr/>
+        <p:nvPr/>
+      </p:nvGrpSpPr>
+      <p:grpSpPr>
+        <a:xfrm>
+          <a:off x="0" y="0"/>
+          <a:ext cx="0" cy="0"/>
+          <a:chOff x="0" y="0"/>
+          <a:chExt cx="0" cy="0"/>
+        </a:xfrm>
+      </p:grpSpPr>
+      <p:pic>
+        <p:nvPicPr>
+          <p:cNvPr id="15" name="Picture 14" descr="HD-ShadowLong.png"/>
+          <p:cNvPicPr>
+            <a:picLocks noChangeAspect="1"/>
+          </p:cNvPicPr>
+          <p:nvPr/>
+        </p:nvPicPr>
+        <p:blipFill>
+          <a:blip r:embed="rId2">
+            <a:extLst>
+              <a:ext uri="{28A0092B-C50C-407E-A947-70E740481C1C}">
+                <a14:useLocalDpi xmlns:a14="http://schemas.microsoft.com/office/drawing/2010/main" val="0"/>
+              </a:ext>
+            </a:extLst>
+          </a:blip>
+          <a:stretch>
+            <a:fillRect/>
+          </a:stretch>
+        </p:blipFill>
+        <p:spPr>
+          <a:xfrm>
+            <a:off x="1" y="1970240"/>
+            <a:ext cx="10437812" cy="321164"/>
+          </a:xfrm>
+          <a:prstGeom prst="rect">
+            <a:avLst/>
+          </a:prstGeom>
+        </p:spPr>
+      </p:pic>
+      <p:pic>
+        <p:nvPicPr>
+          <p:cNvPr id="16" name="Picture 15" descr="HD-ShadowShort.png"/>
+          <p:cNvPicPr>
+            <a:picLocks noChangeAspect="1"/>
+          </p:cNvPicPr>
+          <p:nvPr/>
+        </p:nvPicPr>
+        <p:blipFill>
+          <a:blip r:embed="rId3">
+            <a:extLst>
+              <a:ext uri="{28A0092B-C50C-407E-A947-70E740481C1C}">
+                <a14:useLocalDpi xmlns:a14="http://schemas.microsoft.com/office/drawing/2010/main" val="0"/>
+              </a:ext>
+            </a:extLst>
+          </a:blip>
+          <a:stretch>
+            <a:fillRect/>
+          </a:stretch>
+        </p:blipFill>
+        <p:spPr>
+          <a:xfrm>
+            <a:off x="10585826" y="1971234"/>
+            <a:ext cx="1602997" cy="144270"/>
+          </a:xfrm>
+          <a:prstGeom prst="rect">
+            <a:avLst/>
+          </a:prstGeom>
+        </p:spPr>
+      </p:pic>
+      <p:sp>
+        <p:nvSpPr>
+          <p:cNvPr id="17" name="Rectangle 16"/>
+          <p:cNvSpPr/>
+          <p:nvPr/>
+        </p:nvSpPr>
+        <p:spPr bwMode="ltGray">
+          <a:xfrm>
+            <a:off x="0" y="609600"/>
+            <a:ext cx="10437812" cy="1368198"/>
+          </a:xfrm>
+          <a:prstGeom prst="rect">
+            <a:avLst/>
+          </a:prstGeom>
+          <a:solidFill>
+            <a:schemeClr val="bg1">
+              <a:lumMod val="85000"/>
+              <a:lumOff val="15000"/>
+            </a:schemeClr>
+          </a:solidFill>
+          <a:ln>
+            <a:noFill/>
+          </a:ln>
+        </p:spPr>
+        <p:style>
+          <a:lnRef idx="2">
+            <a:schemeClr val="accent1">
+              <a:shade val="50000"/>
+            </a:schemeClr>
+          </a:lnRef>
+          <a:fillRef idx="1">
+            <a:schemeClr val="accent1"/>
+          </a:fillRef>
+          <a:effectRef idx="0">
+            <a:schemeClr val="accent1"/>
+          </a:effectRef>
+          <a:fontRef idx="minor">
+            <a:schemeClr val="lt1"/>
+          </a:fontRef>
+        </p:style>
+      </p:sp>
+      <p:sp>
+        <p:nvSpPr>
+          <p:cNvPr id="18" name="Rectangle 17"/>
+          <p:cNvSpPr/>
+          <p:nvPr/>
+        </p:nvSpPr>
+        <p:spPr>
+          <a:xfrm>
+            <a:off x="10585827" y="609600"/>
+            <a:ext cx="1602997" cy="1368198"/>
+          </a:xfrm>
+          <a:prstGeom prst="rect">
+            <a:avLst/>
+          </a:prstGeom>
+          <a:solidFill>
+            <a:schemeClr val="accent1"/>
+          </a:solidFill>
+          <a:ln>
+            <a:noFill/>
+          </a:ln>
+        </p:spPr>
+        <p:style>
+          <a:lnRef idx="2">
+            <a:schemeClr val="accent1">
+              <a:shade val="50000"/>
+            </a:schemeClr>
+          </a:lnRef>
+          <a:fillRef idx="1">
+            <a:schemeClr val="accent1"/>
+          </a:fillRef>
+          <a:effectRef idx="0">
+            <a:schemeClr val="accent1"/>
+          </a:effectRef>
+          <a:fontRef idx="minor">
+            <a:schemeClr val="lt1"/>
+          </a:fontRef>
+        </p:style>
+      </p:sp>
+      <p:sp>
+        <p:nvSpPr>
+          <p:cNvPr id="30" name="Title 1"/>
+          <p:cNvSpPr>
+            <a:spLocks noGrp="1"/>
+          </p:cNvSpPr>
+          <p:nvPr>
+            <p:ph type="title"/>
+          </p:nvPr>
+        </p:nvSpPr>
+        <p:spPr>
+          <a:xfrm>
+            <a:off x="680322" y="753228"/>
+            <a:ext cx="9613860" cy="1080938"/>
+          </a:xfrm>
+        </p:spPr>
+        <p:txBody>
+          <a:bodyPr/>
+          <a:lstStyle/>
+          <a:p>
+            <a:r>
+              <a:rPr lang="en-US"/>
+              <a:t>Click to edit Master title style</a:t>
+            </a:r>
+            <a:endParaRPr lang="en-US" dirty="0"/>
+          </a:p>
+        </p:txBody>
+      </p:sp>
+      <p:sp>
+        <p:nvSpPr>
+          <p:cNvPr id="19" name="Text Placeholder 2"/>
+          <p:cNvSpPr>
+            <a:spLocks noGrp="1"/>
+          </p:cNvSpPr>
+          <p:nvPr>
+            <p:ph type="body" idx="1"/>
+          </p:nvPr>
+        </p:nvSpPr>
+        <p:spPr>
+          <a:xfrm>
+            <a:off x="680318" y="4297503"/>
+            <a:ext cx="3049705" cy="576262"/>
+          </a:xfrm>
+        </p:spPr>
+        <p:txBody>
+          <a:bodyPr anchor="b">
+            <a:noAutofit/>
+          </a:bodyPr>
+          <a:lstStyle>
+            <a:lvl1pPr marL="0" indent="0">
+              <a:buNone/>
+              <a:defRPr sz="2400" b="0">
+                <a:solidFill>
+                  <a:schemeClr val="tx1"/>
+                </a:solidFill>
+              </a:defRPr>
+            </a:lvl1pPr>
+            <a:lvl2pPr marL="457200" indent="0">
+              <a:buNone/>
+              <a:defRPr sz="2000" b="1"/>
+            </a:lvl2pPr>
+            <a:lvl3pPr marL="914400" indent="0">
+              <a:buNone/>
+              <a:defRPr sz="1800" b="1"/>
+            </a:lvl3pPr>
+            <a:lvl4pPr marL="1371600" indent="0">
+              <a:buNone/>
+              <a:defRPr sz="1600" b="1"/>
+            </a:lvl4pPr>
+            <a:lvl5pPr marL="1828800" indent="0">
+              <a:buNone/>
+              <a:defRPr sz="1600" b="1"/>
+            </a:lvl5pPr>
+            <a:lvl6pPr marL="2286000" indent="0">
+              <a:buNone/>
+              <a:defRPr sz="1600" b="1"/>
+            </a:lvl6pPr>
+            <a:lvl7pPr marL="2743200" indent="0">
+              <a:buNone/>
+              <a:defRPr sz="1600" b="1"/>
+            </a:lvl7pPr>
+            <a:lvl8pPr marL="3200400" indent="0">
+              <a:buNone/>
+              <a:defRPr sz="1600" b="1"/>
+            </a:lvl8pPr>
+            <a:lvl9pPr marL="3657600" indent="0">
+              <a:buNone/>
+              <a:defRPr sz="1600" b="1"/>
+            </a:lvl9pPr>
+          </a:lstStyle>
+          <a:p>
+            <a:pPr lvl="0"/>
+            <a:r>
+              <a:rPr lang="en-US"/>
+              <a:t>Click to edit Master text styles</a:t>
+            </a:r>
+          </a:p>
+        </p:txBody>
+      </p:sp>
+      <p:sp>
+        <p:nvSpPr>
+          <p:cNvPr id="20" name="Picture Placeholder 2"/>
+          <p:cNvSpPr>
+            <a:spLocks noGrp="1" noChangeAspect="1"/>
+          </p:cNvSpPr>
+          <p:nvPr>
+            <p:ph type="pic" idx="15"/>
+          </p:nvPr>
+        </p:nvSpPr>
+        <p:spPr>
+          <a:xfrm>
+            <a:off x="680318" y="2336873"/>
+            <a:ext cx="3049705" cy="1524000"/>
+          </a:xfrm>
+          <a:prstGeom prst="roundRect">
+            <a:avLst>
+              <a:gd name="adj" fmla="val 0"/>
+            </a:avLst>
+          </a:prstGeom>
+          <a:effectLst>
+            <a:outerShdw blurRad="50800" dist="50800" dir="5400000" algn="tl" rotWithShape="0">
+              <a:srgbClr val="000000">
+                <a:alpha val="43000"/>
+              </a:srgbClr>
+            </a:outerShdw>
+          </a:effectLst>
+        </p:spPr>
+        <p:txBody>
+          <a:bodyPr anchor="t">
+            <a:normAutofit/>
+          </a:bodyPr>
+          <a:lstStyle>
+            <a:lvl1pPr marL="0" indent="0" algn="ctr">
+              <a:buNone/>
+              <a:defRPr sz="1600"/>
+            </a:lvl1pPr>
+            <a:lvl2pPr marL="457200" indent="0">
+              <a:buNone/>
+              <a:defRPr sz="1600"/>
+            </a:lvl2pPr>
+            <a:lvl3pPr marL="914400" indent="0">
+              <a:buNone/>
+              <a:defRPr sz="1600"/>
+            </a:lvl3pPr>
+            <a:lvl4pPr marL="1371600" indent="0">
+              <a:buNone/>
+              <a:defRPr sz="1600"/>
+            </a:lvl4pPr>
+            <a:lvl5pPr marL="1828800" indent="0">
+              <a:buNone/>
+              <a:defRPr sz="1600"/>
+            </a:lvl5pPr>
+            <a:lvl6pPr marL="2286000" indent="0">
+              <a:buNone/>
+              <a:defRPr sz="1600"/>
+            </a:lvl6pPr>
+            <a:lvl7pPr marL="2743200" indent="0">
+              <a:buNone/>
+              <a:defRPr sz="1600"/>
+            </a:lvl7pPr>
+            <a:lvl8pPr marL="3200400" indent="0">
+              <a:buNone/>
+              <a:defRPr sz="1600"/>
+            </a:lvl8pPr>
+            <a:lvl9pPr marL="3657600" indent="0">
+              <a:buNone/>
+              <a:defRPr sz="1600"/>
+            </a:lvl9pPr>
+          </a:lstStyle>
+          <a:p>
+            <a:r>
+              <a:rPr lang="en-US"/>
+              <a:t>Click icon to add picture</a:t>
+            </a:r>
+            <a:endParaRPr lang="en-US" dirty="0"/>
+          </a:p>
+        </p:txBody>
+      </p:sp>
+      <p:sp>
+        <p:nvSpPr>
+          <p:cNvPr id="21" name="Text Placeholder 3"/>
+          <p:cNvSpPr>
+            <a:spLocks noGrp="1"/>
+          </p:cNvSpPr>
+          <p:nvPr>
+            <p:ph type="body" sz="half" idx="18"/>
+          </p:nvPr>
+        </p:nvSpPr>
+        <p:spPr>
+          <a:xfrm>
+            <a:off x="680318" y="4873765"/>
+            <a:ext cx="3049705" cy="1062422"/>
+          </a:xfrm>
+        </p:spPr>
+        <p:txBody>
+          <a:bodyPr anchor="t">
+            <a:normAutofit/>
+          </a:bodyPr>
+          <a:lstStyle>
+            <a:lvl1pPr marL="0" indent="0">
+              <a:buNone/>
+              <a:defRPr sz="1400"/>
+            </a:lvl1pPr>
+            <a:lvl2pPr marL="457200" indent="0">
+              <a:buNone/>
+              <a:defRPr sz="1200"/>
+            </a:lvl2pPr>
+            <a:lvl3pPr marL="914400" indent="0">
+              <a:buNone/>
+              <a:defRPr sz="1000"/>
+            </a:lvl3pPr>
+            <a:lvl4pPr marL="1371600" indent="0">
+              <a:buNone/>
+              <a:defRPr sz="900"/>
+            </a:lvl4pPr>
+            <a:lvl5pPr marL="1828800" indent="0">
+              <a:buNone/>
+              <a:defRPr sz="900"/>
+            </a:lvl5pPr>
+            <a:lvl6pPr marL="2286000" indent="0">
+              <a:buNone/>
+              <a:defRPr sz="900"/>
+            </a:lvl6pPr>
+            <a:lvl7pPr marL="2743200" indent="0">
+              <a:buNone/>
+              <a:defRPr sz="900"/>
+            </a:lvl7pPr>
+            <a:lvl8pPr marL="3200400" indent="0">
+              <a:buNone/>
+              <a:defRPr sz="900"/>
+            </a:lvl8pPr>
+            <a:lvl9pPr marL="3657600" indent="0">
+              <a:buNone/>
+              <a:defRPr sz="900"/>
+            </a:lvl9pPr>
+          </a:lstStyle>
+          <a:p>
+            <a:pPr lvl="0"/>
+            <a:r>
+              <a:rPr lang="en-US"/>
+              <a:t>Click to edit Master text styles</a:t>
+            </a:r>
+          </a:p>
+        </p:txBody>
+      </p:sp>
+      <p:sp>
+        <p:nvSpPr>
+          <p:cNvPr id="22" name="Text Placeholder 4"/>
+          <p:cNvSpPr>
+            <a:spLocks noGrp="1"/>
+          </p:cNvSpPr>
+          <p:nvPr>
+            <p:ph type="body" sz="quarter" idx="3"/>
+          </p:nvPr>
+        </p:nvSpPr>
+        <p:spPr>
+          <a:xfrm>
+            <a:off x="3945471" y="4297503"/>
+            <a:ext cx="3063240" cy="576262"/>
+          </a:xfrm>
+        </p:spPr>
+        <p:txBody>
+          <a:bodyPr anchor="b">
+            <a:noAutofit/>
+          </a:bodyPr>
+          <a:lstStyle>
+            <a:lvl1pPr marL="0" indent="0">
+              <a:buNone/>
+              <a:defRPr sz="2400" b="0">
+                <a:solidFill>
+                  <a:schemeClr val="tx1"/>
+                </a:solidFill>
+              </a:defRPr>
+            </a:lvl1pPr>
+            <a:lvl2pPr marL="457200" indent="0">
+              <a:buNone/>
+              <a:defRPr sz="2000" b="1"/>
+            </a:lvl2pPr>
+            <a:lvl3pPr marL="914400" indent="0">
+              <a:buNone/>
+              <a:defRPr sz="1800" b="1"/>
+            </a:lvl3pPr>
+            <a:lvl4pPr marL="1371600" indent="0">
+              <a:buNone/>
+              <a:defRPr sz="1600" b="1"/>
+            </a:lvl4pPr>
+            <a:lvl5pPr marL="1828800" indent="0">
+              <a:buNone/>
+              <a:defRPr sz="1600" b="1"/>
+            </a:lvl5pPr>
+            <a:lvl6pPr marL="2286000" indent="0">
+              <a:buNone/>
+              <a:defRPr sz="1600" b="1"/>
+            </a:lvl6pPr>
+            <a:lvl7pPr marL="2743200" indent="0">
+              <a:buNone/>
+              <a:defRPr sz="1600" b="1"/>
+            </a:lvl7pPr>
+            <a:lvl8pPr marL="3200400" indent="0">
+              <a:buNone/>
+              <a:defRPr sz="1600" b="1"/>
+            </a:lvl8pPr>
+            <a:lvl9pPr marL="3657600" indent="0">
+              <a:buNone/>
+              <a:defRPr sz="1600" b="1"/>
+            </a:lvl9pPr>
+          </a:lstStyle>
+          <a:p>
+            <a:pPr lvl="0"/>
+            <a:r>
+              <a:rPr lang="en-US"/>
+              <a:t>Click to edit Master text styles</a:t>
+            </a:r>
+          </a:p>
+        </p:txBody>
+      </p:sp>
+      <p:sp>
+        <p:nvSpPr>
+          <p:cNvPr id="23" name="Picture Placeholder 2"/>
+          <p:cNvSpPr>
+            <a:spLocks noGrp="1" noChangeAspect="1"/>
+          </p:cNvSpPr>
+          <p:nvPr>
+            <p:ph type="pic" idx="21"/>
+          </p:nvPr>
+        </p:nvSpPr>
+        <p:spPr>
+          <a:xfrm>
+            <a:off x="3945470" y="2336873"/>
+            <a:ext cx="3063240" cy="1524000"/>
+          </a:xfrm>
+          <a:prstGeom prst="roundRect">
+            <a:avLst>
+              <a:gd name="adj" fmla="val 0"/>
+            </a:avLst>
+          </a:prstGeom>
+          <a:effectLst>
+            <a:outerShdw blurRad="50800" dist="50800" dir="5400000" algn="tl" rotWithShape="0">
+              <a:srgbClr val="000000">
+                <a:alpha val="43000"/>
+              </a:srgbClr>
+            </a:outerShdw>
+          </a:effectLst>
+        </p:spPr>
+        <p:txBody>
+          <a:bodyPr anchor="t">
+            <a:normAutofit/>
+          </a:bodyPr>
+          <a:lstStyle>
+            <a:lvl1pPr marL="0" indent="0" algn="ctr">
+              <a:buNone/>
+              <a:defRPr sz="1600"/>
+            </a:lvl1pPr>
+            <a:lvl2pPr marL="457200" indent="0">
+              <a:buNone/>
+              <a:defRPr sz="1600"/>
+            </a:lvl2pPr>
+            <a:lvl3pPr marL="914400" indent="0">
+              <a:buNone/>
+              <a:defRPr sz="1600"/>
+            </a:lvl3pPr>
+            <a:lvl4pPr marL="1371600" indent="0">
+              <a:buNone/>
+              <a:defRPr sz="1600"/>
+            </a:lvl4pPr>
+            <a:lvl5pPr marL="1828800" indent="0">
+              <a:buNone/>
+              <a:defRPr sz="1600"/>
+            </a:lvl5pPr>
+            <a:lvl6pPr marL="2286000" indent="0">
+              <a:buNone/>
+              <a:defRPr sz="1600"/>
+            </a:lvl6pPr>
+            <a:lvl7pPr marL="2743200" indent="0">
+              <a:buNone/>
+              <a:defRPr sz="1600"/>
+            </a:lvl7pPr>
+            <a:lvl8pPr marL="3200400" indent="0">
+              <a:buNone/>
+              <a:defRPr sz="1600"/>
+            </a:lvl8pPr>
+            <a:lvl9pPr marL="3657600" indent="0">
+              <a:buNone/>
+              <a:defRPr sz="1600"/>
+            </a:lvl9pPr>
+          </a:lstStyle>
+          <a:p>
+            <a:r>
+              <a:rPr lang="en-US"/>
+              <a:t>Click icon to add picture</a:t>
+            </a:r>
+            <a:endParaRPr lang="en-US" dirty="0"/>
+          </a:p>
+        </p:txBody>
+      </p:sp>
+      <p:sp>
+        <p:nvSpPr>
+          <p:cNvPr id="24" name="Text Placeholder 3"/>
+          <p:cNvSpPr>
+            <a:spLocks noGrp="1"/>
+          </p:cNvSpPr>
+          <p:nvPr>
+            <p:ph type="body" sz="half" idx="19"/>
+          </p:nvPr>
+        </p:nvSpPr>
+        <p:spPr>
+          <a:xfrm>
+            <a:off x="3944117" y="4873764"/>
+            <a:ext cx="3067297" cy="1062422"/>
+          </a:xfrm>
+        </p:spPr>
+        <p:txBody>
+          <a:bodyPr anchor="t">
+            <a:normAutofit/>
+          </a:bodyPr>
+          <a:lstStyle>
+            <a:lvl1pPr marL="0" indent="0">
+              <a:buNone/>
+              <a:defRPr sz="1400"/>
+            </a:lvl1pPr>
+            <a:lvl2pPr marL="457200" indent="0">
+              <a:buNone/>
+              <a:defRPr sz="1200"/>
+            </a:lvl2pPr>
+            <a:lvl3pPr marL="914400" indent="0">
+              <a:buNone/>
+              <a:defRPr sz="1000"/>
+            </a:lvl3pPr>
+            <a:lvl4pPr marL="1371600" indent="0">
+              <a:buNone/>
+              <a:defRPr sz="900"/>
+            </a:lvl4pPr>
+            <a:lvl5pPr marL="1828800" indent="0">
+              <a:buNone/>
+              <a:defRPr sz="900"/>
+            </a:lvl5pPr>
+            <a:lvl6pPr marL="2286000" indent="0">
+              <a:buNone/>
+              <a:defRPr sz="900"/>
+            </a:lvl6pPr>
+            <a:lvl7pPr marL="2743200" indent="0">
+              <a:buNone/>
+              <a:defRPr sz="900"/>
+            </a:lvl7pPr>
+            <a:lvl8pPr marL="3200400" indent="0">
+              <a:buNone/>
+              <a:defRPr sz="900"/>
+            </a:lvl8pPr>
+            <a:lvl9pPr marL="3657600" indent="0">
+              <a:buNone/>
+              <a:defRPr sz="900"/>
+            </a:lvl9pPr>
+          </a:lstStyle>
+          <a:p>
+            <a:pPr lvl="0"/>
+            <a:r>
+              <a:rPr lang="en-US"/>
+              <a:t>Click to edit Master text styles</a:t>
+            </a:r>
+          </a:p>
+        </p:txBody>
+      </p:sp>
+      <p:sp>
+        <p:nvSpPr>
+          <p:cNvPr id="25" name="Text Placeholder 4"/>
+          <p:cNvSpPr>
+            <a:spLocks noGrp="1"/>
+          </p:cNvSpPr>
+          <p:nvPr>
+            <p:ph type="body" sz="quarter" idx="13"/>
+          </p:nvPr>
+        </p:nvSpPr>
+        <p:spPr>
+          <a:xfrm>
+            <a:off x="7230678" y="4297503"/>
+            <a:ext cx="3063505" cy="576262"/>
+          </a:xfrm>
+        </p:spPr>
+        <p:txBody>
+          <a:bodyPr anchor="b">
+            <a:noAutofit/>
+          </a:bodyPr>
+          <a:lstStyle>
+            <a:lvl1pPr marL="0" indent="0">
+              <a:buNone/>
+              <a:defRPr sz="2400" b="0">
+                <a:solidFill>
+                  <a:schemeClr val="tx1"/>
+                </a:solidFill>
+              </a:defRPr>
+            </a:lvl1pPr>
+            <a:lvl2pPr marL="457200" indent="0">
+              <a:buNone/>
+              <a:defRPr sz="2000" b="1"/>
+            </a:lvl2pPr>
+            <a:lvl3pPr marL="914400" indent="0">
+              <a:buNone/>
+              <a:defRPr sz="1800" b="1"/>
+            </a:lvl3pPr>
+            <a:lvl4pPr marL="1371600" indent="0">
+              <a:buNone/>
+              <a:defRPr sz="1600" b="1"/>
+            </a:lvl4pPr>
+            <a:lvl5pPr marL="1828800" indent="0">
+              <a:buNone/>
+              <a:defRPr sz="1600" b="1"/>
+            </a:lvl5pPr>
+            <a:lvl6pPr marL="2286000" indent="0">
+              <a:buNone/>
+              <a:defRPr sz="1600" b="1"/>
+            </a:lvl6pPr>
+            <a:lvl7pPr marL="2743200" indent="0">
+              <a:buNone/>
+              <a:defRPr sz="1600" b="1"/>
+            </a:lvl7pPr>
+            <a:lvl8pPr marL="3200400" indent="0">
+              <a:buNone/>
+              <a:defRPr sz="1600" b="1"/>
+            </a:lvl8pPr>
+            <a:lvl9pPr marL="3657600" indent="0">
+              <a:buNone/>
+              <a:defRPr sz="1600" b="1"/>
+            </a:lvl9pPr>
+          </a:lstStyle>
+          <a:p>
+            <a:pPr lvl="0"/>
+            <a:r>
+              <a:rPr lang="en-US"/>
+              <a:t>Click to edit Master text styles</a:t>
+            </a:r>
+          </a:p>
+        </p:txBody>
+      </p:sp>
+      <p:sp>
+        <p:nvSpPr>
+          <p:cNvPr id="26" name="Picture Placeholder 2"/>
+          <p:cNvSpPr>
+            <a:spLocks noGrp="1" noChangeAspect="1"/>
+          </p:cNvSpPr>
+          <p:nvPr>
+            <p:ph type="pic" idx="22"/>
+          </p:nvPr>
+        </p:nvSpPr>
+        <p:spPr>
+          <a:xfrm>
+            <a:off x="7230677" y="2336873"/>
+            <a:ext cx="3063505" cy="1524000"/>
+          </a:xfrm>
+          <a:prstGeom prst="roundRect">
+            <a:avLst>
+              <a:gd name="adj" fmla="val 0"/>
+            </a:avLst>
+          </a:prstGeom>
+          <a:effectLst>
+            <a:outerShdw blurRad="50800" dist="50800" dir="5400000" algn="tl" rotWithShape="0">
+              <a:srgbClr val="000000">
+                <a:alpha val="43000"/>
+              </a:srgbClr>
+            </a:outerShdw>
+          </a:effectLst>
+        </p:spPr>
+        <p:txBody>
+          <a:bodyPr anchor="t">
+            <a:normAutofit/>
+          </a:bodyPr>
+          <a:lstStyle>
+            <a:lvl1pPr marL="0" indent="0" algn="ctr">
+              <a:buNone/>
+              <a:defRPr sz="1600"/>
+            </a:lvl1pPr>
+            <a:lvl2pPr marL="457200" indent="0">
+              <a:buNone/>
+              <a:defRPr sz="1600"/>
+            </a:lvl2pPr>
+            <a:lvl3pPr marL="914400" indent="0">
+              <a:buNone/>
+              <a:defRPr sz="1600"/>
+            </a:lvl3pPr>
+            <a:lvl4pPr marL="1371600" indent="0">
+              <a:buNone/>
+              <a:defRPr sz="1600"/>
+            </a:lvl4pPr>
+            <a:lvl5pPr marL="1828800" indent="0">
+              <a:buNone/>
+              <a:defRPr sz="1600"/>
+            </a:lvl5pPr>
+            <a:lvl6pPr marL="2286000" indent="0">
+              <a:buNone/>
+              <a:defRPr sz="1600"/>
+            </a:lvl6pPr>
+            <a:lvl7pPr marL="2743200" indent="0">
+              <a:buNone/>
+              <a:defRPr sz="1600"/>
+            </a:lvl7pPr>
+            <a:lvl8pPr marL="3200400" indent="0">
+              <a:buNone/>
+              <a:defRPr sz="1600"/>
+            </a:lvl8pPr>
+            <a:lvl9pPr marL="3657600" indent="0">
+              <a:buNone/>
+              <a:defRPr sz="1600"/>
+            </a:lvl9pPr>
+          </a:lstStyle>
+          <a:p>
+            <a:r>
+              <a:rPr lang="en-US"/>
+              <a:t>Click icon to add picture</a:t>
+            </a:r>
+            <a:endParaRPr lang="en-US" dirty="0"/>
+          </a:p>
+        </p:txBody>
+      </p:sp>
+      <p:sp>
+        <p:nvSpPr>
+          <p:cNvPr id="27" name="Text Placeholder 3"/>
+          <p:cNvSpPr>
+            <a:spLocks noGrp="1"/>
+          </p:cNvSpPr>
+          <p:nvPr>
+            <p:ph type="body" sz="half" idx="20"/>
+          </p:nvPr>
+        </p:nvSpPr>
+        <p:spPr>
+          <a:xfrm>
+            <a:off x="7230553" y="4873762"/>
+            <a:ext cx="3067563" cy="1062422"/>
+          </a:xfrm>
+        </p:spPr>
+        <p:txBody>
+          <a:bodyPr anchor="t">
+            <a:normAutofit/>
+          </a:bodyPr>
+          <a:lstStyle>
+            <a:lvl1pPr marL="0" indent="0">
+              <a:buNone/>
+              <a:defRPr sz="1400"/>
+            </a:lvl1pPr>
+            <a:lvl2pPr marL="457200" indent="0">
+              <a:buNone/>
+              <a:defRPr sz="1200"/>
+            </a:lvl2pPr>
+            <a:lvl3pPr marL="914400" indent="0">
+              <a:buNone/>
+              <a:defRPr sz="1000"/>
+            </a:lvl3pPr>
+            <a:lvl4pPr marL="1371600" indent="0">
+              <a:buNone/>
+              <a:defRPr sz="900"/>
+            </a:lvl4pPr>
+            <a:lvl5pPr marL="1828800" indent="0">
+              <a:buNone/>
+              <a:defRPr sz="900"/>
+            </a:lvl5pPr>
+            <a:lvl6pPr marL="2286000" indent="0">
+              <a:buNone/>
+              <a:defRPr sz="900"/>
+            </a:lvl6pPr>
+            <a:lvl7pPr marL="2743200" indent="0">
+              <a:buNone/>
+              <a:defRPr sz="900"/>
+            </a:lvl7pPr>
+            <a:lvl8pPr marL="3200400" indent="0">
+              <a:buNone/>
+              <a:defRPr sz="900"/>
+            </a:lvl8pPr>
+            <a:lvl9pPr marL="3657600" indent="0">
+              <a:buNone/>
+              <a:defRPr sz="900"/>
+            </a:lvl9pPr>
+          </a:lstStyle>
+          <a:p>
+            <a:pPr lvl="0"/>
+            <a:r>
+              <a:rPr lang="en-US"/>
+              <a:t>Click to edit Master text styles</a:t>
+            </a:r>
+          </a:p>
+        </p:txBody>
+      </p:sp>
+      <p:sp>
+        <p:nvSpPr>
+          <p:cNvPr id="3" name="Date Placeholder 2"/>
+          <p:cNvSpPr>
+            <a:spLocks noGrp="1"/>
+          </p:cNvSpPr>
+          <p:nvPr>
+            <p:ph type="dt" sz="half" idx="10"/>
+          </p:nvPr>
+        </p:nvSpPr>
+        <p:spPr/>
+        <p:txBody>
+          <a:bodyPr/>
+          <a:lstStyle/>
+          <a:p>
+            <a:fld id="{5EFEF8D7-FC42-4093-B868-45CA60192777}" type="datetimeFigureOut">
+              <a:rPr lang="en-US" smtClean="0"/>
+              <a:t>12/9/2020</a:t>
+            </a:fld>
+            <a:endParaRPr lang="en-US"/>
+          </a:p>
+        </p:txBody>
+      </p:sp>
+      <p:sp>
+        <p:nvSpPr>
+          <p:cNvPr id="4" name="Footer Placeholder 3"/>
+          <p:cNvSpPr>
+            <a:spLocks noGrp="1"/>
+          </p:cNvSpPr>
+          <p:nvPr>
+            <p:ph type="ftr" sz="quarter" idx="11"/>
+          </p:nvPr>
+        </p:nvSpPr>
+        <p:spPr/>
+        <p:txBody>
+          <a:bodyPr/>
+          <a:lstStyle/>
+          <a:p>
+            <a:endParaRPr lang="en-US"/>
+          </a:p>
+        </p:txBody>
+      </p:sp>
+      <p:sp>
+        <p:nvSpPr>
+          <p:cNvPr id="5" name="Slide Number Placeholder 4"/>
+          <p:cNvSpPr>
+            <a:spLocks noGrp="1"/>
+          </p:cNvSpPr>
+          <p:nvPr>
+            <p:ph type="sldNum" sz="quarter" idx="12"/>
+          </p:nvPr>
+        </p:nvSpPr>
+        <p:spPr/>
+        <p:txBody>
+          <a:bodyPr/>
+          <a:lstStyle/>
+          <a:p>
+            <a:fld id="{413C2698-04FF-4115-B8AA-E2D55FB09CB1}" type="slidenum">
+              <a:rPr lang="en-US" smtClean="0"/>
+              <a:t>‹#›</a:t>
+            </a:fld>
+            <a:endParaRPr lang="en-US"/>
+          </a:p>
+        </p:txBody>
+      </p:sp>
+    </p:spTree>
+    <p:extLst>
+      <p:ext uri="{BB962C8B-B14F-4D97-AF65-F5344CB8AC3E}">
+        <p14:creationId xmlns:p14="http://schemas.microsoft.com/office/powerpoint/2010/main" val="3814975815"/>
+      </p:ext>
+    </p:extLst>
+  </p:cSld>
+  <p:clrMapOvr>
+    <a:masterClrMapping/>
+  </p:clrMapOvr>
+</p:sldLayout>
+</file>
+
+<file path=ppt/slideLayouts/slideLayout16.xml><?xml version="1.0" encoding="utf-8"?>
 <p:sldLayout xmlns:a="http://schemas.openxmlformats.org/drawingml/2006/main" xmlns:r="http://schemas.openxmlformats.org/officeDocument/2006/relationships" xmlns:p="http://schemas.openxmlformats.org/presentationml/2006/main" type="vertTx" preserve="1">
   <p:cSld name="Title and Vertical Text">
     <p:spTree>
@@ -357,15 +3790,148 @@
           <a:chExt cx="0" cy="0"/>
         </a:xfrm>
       </p:grpSpPr>
-      <p:sp>
-        <p:nvSpPr>
-          <p:cNvPr id="2" name="Title 1">
+      <p:pic>
+        <p:nvPicPr>
+          <p:cNvPr id="7" name="Picture 6" descr="HD-ShadowLong.png"/>
+          <p:cNvPicPr>
+            <a:picLocks noChangeAspect="1"/>
+          </p:cNvPicPr>
+          <p:nvPr/>
+        </p:nvPicPr>
+        <p:blipFill>
+          <a:blip r:embed="rId2">
             <a:extLst>
-              <a:ext uri="{FF2B5EF4-FFF2-40B4-BE49-F238E27FC236}">
-                <a16:creationId xmlns:a16="http://schemas.microsoft.com/office/drawing/2014/main" id="{598211F4-171E-46DC-AF53-40CFDB23724B}"/>
+              <a:ext uri="{28A0092B-C50C-407E-A947-70E740481C1C}">
+                <a14:useLocalDpi xmlns:a14="http://schemas.microsoft.com/office/drawing/2010/main" val="0"/>
               </a:ext>
             </a:extLst>
-          </p:cNvPr>
+          </a:blip>
+          <a:stretch>
+            <a:fillRect/>
+          </a:stretch>
+        </p:blipFill>
+        <p:spPr>
+          <a:xfrm>
+            <a:off x="1" y="1970240"/>
+            <a:ext cx="10437812" cy="321164"/>
+          </a:xfrm>
+          <a:prstGeom prst="rect">
+            <a:avLst/>
+          </a:prstGeom>
+        </p:spPr>
+      </p:pic>
+      <p:pic>
+        <p:nvPicPr>
+          <p:cNvPr id="8" name="Picture 7" descr="HD-ShadowShort.png"/>
+          <p:cNvPicPr>
+            <a:picLocks noChangeAspect="1"/>
+          </p:cNvPicPr>
+          <p:nvPr/>
+        </p:nvPicPr>
+        <p:blipFill>
+          <a:blip r:embed="rId3">
+            <a:extLst>
+              <a:ext uri="{28A0092B-C50C-407E-A947-70E740481C1C}">
+                <a14:useLocalDpi xmlns:a14="http://schemas.microsoft.com/office/drawing/2010/main" val="0"/>
+              </a:ext>
+            </a:extLst>
+          </a:blip>
+          <a:stretch>
+            <a:fillRect/>
+          </a:stretch>
+        </p:blipFill>
+        <p:spPr>
+          <a:xfrm>
+            <a:off x="10585826" y="1971234"/>
+            <a:ext cx="1602997" cy="144270"/>
+          </a:xfrm>
+          <a:prstGeom prst="rect">
+            <a:avLst/>
+          </a:prstGeom>
+        </p:spPr>
+      </p:pic>
+      <p:sp>
+        <p:nvSpPr>
+          <p:cNvPr id="9" name="Rectangle 8"/>
+          <p:cNvSpPr/>
+          <p:nvPr/>
+        </p:nvSpPr>
+        <p:spPr bwMode="ltGray">
+          <a:xfrm>
+            <a:off x="0" y="609600"/>
+            <a:ext cx="10437812" cy="1368198"/>
+          </a:xfrm>
+          <a:prstGeom prst="rect">
+            <a:avLst/>
+          </a:prstGeom>
+          <a:solidFill>
+            <a:schemeClr val="bg1">
+              <a:lumMod val="85000"/>
+              <a:lumOff val="15000"/>
+            </a:schemeClr>
+          </a:solidFill>
+          <a:ln>
+            <a:noFill/>
+          </a:ln>
+        </p:spPr>
+        <p:style>
+          <a:lnRef idx="2">
+            <a:schemeClr val="accent1">
+              <a:shade val="50000"/>
+            </a:schemeClr>
+          </a:lnRef>
+          <a:fillRef idx="1">
+            <a:schemeClr val="accent1"/>
+          </a:fillRef>
+          <a:effectRef idx="0">
+            <a:schemeClr val="accent1"/>
+          </a:effectRef>
+          <a:fontRef idx="minor">
+            <a:schemeClr val="lt1"/>
+          </a:fontRef>
+        </p:style>
+      </p:sp>
+      <p:sp>
+        <p:nvSpPr>
+          <p:cNvPr id="10" name="Rectangle 9"/>
+          <p:cNvSpPr/>
+          <p:nvPr/>
+        </p:nvSpPr>
+        <p:spPr>
+          <a:xfrm>
+            <a:off x="10585827" y="609600"/>
+            <a:ext cx="1602997" cy="1368198"/>
+          </a:xfrm>
+          <a:prstGeom prst="rect">
+            <a:avLst/>
+          </a:prstGeom>
+          <a:solidFill>
+            <a:schemeClr val="accent1"/>
+          </a:solidFill>
+          <a:ln>
+            <a:noFill/>
+          </a:ln>
+        </p:spPr>
+        <p:style>
+          <a:lnRef idx="2">
+            <a:schemeClr val="accent1">
+              <a:shade val="50000"/>
+            </a:schemeClr>
+          </a:lnRef>
+          <a:fillRef idx="1">
+            <a:schemeClr val="accent1"/>
+          </a:fillRef>
+          <a:effectRef idx="0">
+            <a:schemeClr val="accent1"/>
+          </a:effectRef>
+          <a:fontRef idx="minor">
+            <a:schemeClr val="lt1"/>
+          </a:fontRef>
+        </p:style>
+      </p:sp>
+      <p:sp>
+        <p:nvSpPr>
+          <p:cNvPr id="2" name="Title 1"/>
           <p:cNvSpPr>
             <a:spLocks noGrp="1"/>
           </p:cNvSpPr>
@@ -376,24 +3942,23 @@
         <p:spPr/>
         <p:txBody>
           <a:bodyPr/>
-          <a:lstStyle/>
+          <a:lstStyle>
+            <a:lvl1pPr algn="r">
+              <a:defRPr/>
+            </a:lvl1pPr>
+          </a:lstStyle>
           <a:p>
             <a:r>
               <a:rPr lang="en-US"/>
               <a:t>Click to edit Master title style</a:t>
             </a:r>
-          </a:p>
-        </p:txBody>
-      </p:sp>
-      <p:sp>
-        <p:nvSpPr>
-          <p:cNvPr id="3" name="Vertical Text Placeholder 2">
-            <a:extLst>
-              <a:ext uri="{FF2B5EF4-FFF2-40B4-BE49-F238E27FC236}">
-                <a16:creationId xmlns:a16="http://schemas.microsoft.com/office/drawing/2014/main" id="{09834DB4-349B-4F2F-841D-A4C746E5592F}"/>
-              </a:ext>
-            </a:extLst>
-          </p:cNvPr>
+            <a:endParaRPr lang="en-US" dirty="0"/>
+          </a:p>
+        </p:txBody>
+      </p:sp>
+      <p:sp>
+        <p:nvSpPr>
+          <p:cNvPr id="3" name="Vertical Text Placeholder 2"/>
           <p:cNvSpPr>
             <a:spLocks noGrp="1"/>
           </p:cNvSpPr>
@@ -439,18 +4004,13 @@
               <a:rPr lang="en-US"/>
               <a:t>Fifth level</a:t>
             </a:r>
-          </a:p>
-        </p:txBody>
-      </p:sp>
-      <p:sp>
-        <p:nvSpPr>
-          <p:cNvPr id="4" name="Date Placeholder 3">
-            <a:extLst>
-              <a:ext uri="{FF2B5EF4-FFF2-40B4-BE49-F238E27FC236}">
-                <a16:creationId xmlns:a16="http://schemas.microsoft.com/office/drawing/2014/main" id="{C57F35D8-6AD0-4641-AB64-8F40054EFF02}"/>
-              </a:ext>
-            </a:extLst>
-          </p:cNvPr>
+            <a:endParaRPr lang="en-US" dirty="0"/>
+          </a:p>
+        </p:txBody>
+      </p:sp>
+      <p:sp>
+        <p:nvSpPr>
+          <p:cNvPr id="4" name="Date Placeholder 3"/>
           <p:cNvSpPr>
             <a:spLocks noGrp="1"/>
           </p:cNvSpPr>
@@ -473,13 +4033,7 @@
       </p:sp>
       <p:sp>
         <p:nvSpPr>
-          <p:cNvPr id="5" name="Footer Placeholder 4">
-            <a:extLst>
-              <a:ext uri="{FF2B5EF4-FFF2-40B4-BE49-F238E27FC236}">
-                <a16:creationId xmlns:a16="http://schemas.microsoft.com/office/drawing/2014/main" id="{73AA3AF7-EC08-4121-94D6-12FA4073D92D}"/>
-              </a:ext>
-            </a:extLst>
-          </p:cNvPr>
+          <p:cNvPr id="5" name="Footer Placeholder 4"/>
           <p:cNvSpPr>
             <a:spLocks noGrp="1"/>
           </p:cNvSpPr>
@@ -498,13 +4052,7 @@
       </p:sp>
       <p:sp>
         <p:nvSpPr>
-          <p:cNvPr id="6" name="Slide Number Placeholder 5">
-            <a:extLst>
-              <a:ext uri="{FF2B5EF4-FFF2-40B4-BE49-F238E27FC236}">
-                <a16:creationId xmlns:a16="http://schemas.microsoft.com/office/drawing/2014/main" id="{00C56D9B-D4B7-46ED-A4E4-B24C1D3BBE75}"/>
-              </a:ext>
-            </a:extLst>
-          </p:cNvPr>
+          <p:cNvPr id="6" name="Slide Number Placeholder 5"/>
           <p:cNvSpPr>
             <a:spLocks noGrp="1"/>
           </p:cNvSpPr>
@@ -528,7 +4076,7 @@
     </p:spTree>
     <p:extLst>
       <p:ext uri="{BB962C8B-B14F-4D97-AF65-F5344CB8AC3E}">
-        <p14:creationId xmlns:p14="http://schemas.microsoft.com/office/powerpoint/2010/main" val="1727442960"/>
+        <p14:creationId xmlns:p14="http://schemas.microsoft.com/office/powerpoint/2010/main" val="907383424"/>
       </p:ext>
     </p:extLst>
   </p:cSld>
@@ -538,7 +4086,7 @@
 </p:sldLayout>
 </file>
 
-<file path=ppt/slideLayouts/slideLayout11.xml><?xml version="1.0" encoding="utf-8"?>
+<file path=ppt/slideLayouts/slideLayout17.xml><?xml version="1.0" encoding="utf-8"?>
 <p:sldLayout xmlns:a="http://schemas.openxmlformats.org/drawingml/2006/main" xmlns:r="http://schemas.openxmlformats.org/officeDocument/2006/relationships" xmlns:p="http://schemas.openxmlformats.org/presentationml/2006/main" type="vertTitleAndTx" preserve="1">
   <p:cSld name="Vertical Title and Text">
     <p:spTree>
@@ -557,13 +4105,86 @@
       </p:grpSpPr>
       <p:sp>
         <p:nvSpPr>
-          <p:cNvPr id="2" name="Vertical Title 1">
-            <a:extLst>
-              <a:ext uri="{FF2B5EF4-FFF2-40B4-BE49-F238E27FC236}">
-                <a16:creationId xmlns:a16="http://schemas.microsoft.com/office/drawing/2014/main" id="{7A8E943B-B9E5-4EF0-870F-CD071B64EAE5}"/>
-              </a:ext>
-            </a:extLst>
-          </p:cNvPr>
+          <p:cNvPr id="7" name="Rectangle 6"/>
+          <p:cNvSpPr/>
+          <p:nvPr/>
+        </p:nvSpPr>
+        <p:spPr bwMode="ltGray">
+          <a:xfrm rot="5400000">
+            <a:off x="8116207" y="1869395"/>
+            <a:ext cx="5106988" cy="1368198"/>
+          </a:xfrm>
+          <a:prstGeom prst="rect">
+            <a:avLst/>
+          </a:prstGeom>
+          <a:solidFill>
+            <a:schemeClr val="bg1">
+              <a:lumMod val="85000"/>
+              <a:lumOff val="15000"/>
+            </a:schemeClr>
+          </a:solidFill>
+          <a:ln>
+            <a:noFill/>
+          </a:ln>
+        </p:spPr>
+        <p:style>
+          <a:lnRef idx="2">
+            <a:schemeClr val="accent1">
+              <a:shade val="50000"/>
+            </a:schemeClr>
+          </a:lnRef>
+          <a:fillRef idx="1">
+            <a:schemeClr val="accent1"/>
+          </a:fillRef>
+          <a:effectRef idx="0">
+            <a:schemeClr val="accent1"/>
+          </a:effectRef>
+          <a:fontRef idx="minor">
+            <a:schemeClr val="lt1"/>
+          </a:fontRef>
+        </p:style>
+      </p:sp>
+      <p:sp>
+        <p:nvSpPr>
+          <p:cNvPr id="8" name="Rectangle 7"/>
+          <p:cNvSpPr/>
+          <p:nvPr/>
+        </p:nvSpPr>
+        <p:spPr>
+          <a:xfrm rot="5400000">
+            <a:off x="9868202" y="5372403"/>
+            <a:ext cx="1602997" cy="1368198"/>
+          </a:xfrm>
+          <a:prstGeom prst="rect">
+            <a:avLst/>
+          </a:prstGeom>
+          <a:solidFill>
+            <a:schemeClr val="accent1"/>
+          </a:solidFill>
+          <a:ln>
+            <a:noFill/>
+          </a:ln>
+        </p:spPr>
+        <p:style>
+          <a:lnRef idx="2">
+            <a:schemeClr val="accent1">
+              <a:shade val="50000"/>
+            </a:schemeClr>
+          </a:lnRef>
+          <a:fillRef idx="1">
+            <a:schemeClr val="accent1"/>
+          </a:fillRef>
+          <a:effectRef idx="0">
+            <a:schemeClr val="accent1"/>
+          </a:effectRef>
+          <a:fontRef idx="minor">
+            <a:schemeClr val="lt1"/>
+          </a:fontRef>
+        </p:style>
+      </p:sp>
+      <p:sp>
+        <p:nvSpPr>
+          <p:cNvPr id="2" name="Vertical Title 1"/>
           <p:cNvSpPr>
             <a:spLocks noGrp="1"/>
           </p:cNvSpPr>
@@ -573,8 +4194,8 @@
         </p:nvSpPr>
         <p:spPr>
           <a:xfrm>
-            <a:off x="8724900" y="365125"/>
-            <a:ext cx="2628900" cy="5811838"/>
+            <a:off x="10129231" y="609597"/>
+            <a:ext cx="1073802" cy="4353760"/>
           </a:xfrm>
         </p:spPr>
         <p:txBody>
@@ -585,18 +4206,13 @@
               <a:rPr lang="en-US"/>
               <a:t>Click to edit Master title style</a:t>
             </a:r>
-          </a:p>
-        </p:txBody>
-      </p:sp>
-      <p:sp>
-        <p:nvSpPr>
-          <p:cNvPr id="3" name="Vertical Text Placeholder 2">
-            <a:extLst>
-              <a:ext uri="{FF2B5EF4-FFF2-40B4-BE49-F238E27FC236}">
-                <a16:creationId xmlns:a16="http://schemas.microsoft.com/office/drawing/2014/main" id="{4B70D9E4-9D53-49F8-A972-8F77E513ADF8}"/>
-              </a:ext>
-            </a:extLst>
-          </p:cNvPr>
+            <a:endParaRPr lang="en-US" dirty="0"/>
+          </a:p>
+        </p:txBody>
+      </p:sp>
+      <p:sp>
+        <p:nvSpPr>
+          <p:cNvPr id="3" name="Vertical Text Placeholder 2"/>
           <p:cNvSpPr>
             <a:spLocks noGrp="1"/>
           </p:cNvSpPr>
@@ -606,8 +4222,8 @@
         </p:nvSpPr>
         <p:spPr>
           <a:xfrm>
-            <a:off x="838200" y="365125"/>
-            <a:ext cx="7734300" cy="5811838"/>
+            <a:off x="680322" y="609597"/>
+            <a:ext cx="8870004" cy="5326589"/>
           </a:xfrm>
         </p:spPr>
         <p:txBody>
@@ -647,18 +4263,13 @@
               <a:rPr lang="en-US"/>
               <a:t>Fifth level</a:t>
             </a:r>
-          </a:p>
-        </p:txBody>
-      </p:sp>
-      <p:sp>
-        <p:nvSpPr>
-          <p:cNvPr id="4" name="Date Placeholder 3">
-            <a:extLst>
-              <a:ext uri="{FF2B5EF4-FFF2-40B4-BE49-F238E27FC236}">
-                <a16:creationId xmlns:a16="http://schemas.microsoft.com/office/drawing/2014/main" id="{3BE7BE50-EE14-46A5-AB6A-C56DB98C3959}"/>
-              </a:ext>
-            </a:extLst>
-          </p:cNvPr>
+            <a:endParaRPr lang="en-US" dirty="0"/>
+          </a:p>
+        </p:txBody>
+      </p:sp>
+      <p:sp>
+        <p:nvSpPr>
+          <p:cNvPr id="4" name="Date Placeholder 3"/>
           <p:cNvSpPr>
             <a:spLocks noGrp="1"/>
           </p:cNvSpPr>
@@ -666,7 +4277,12 @@
             <p:ph type="dt" sz="half" idx="10"/>
           </p:nvPr>
         </p:nvSpPr>
-        <p:spPr/>
+        <p:spPr>
+          <a:xfrm>
+            <a:off x="6807126" y="5936187"/>
+            <a:ext cx="2743200" cy="365125"/>
+          </a:xfrm>
+        </p:spPr>
         <p:txBody>
           <a:bodyPr/>
           <a:lstStyle/>
@@ -681,13 +4297,7 @@
       </p:sp>
       <p:sp>
         <p:nvSpPr>
-          <p:cNvPr id="5" name="Footer Placeholder 4">
-            <a:extLst>
-              <a:ext uri="{FF2B5EF4-FFF2-40B4-BE49-F238E27FC236}">
-                <a16:creationId xmlns:a16="http://schemas.microsoft.com/office/drawing/2014/main" id="{E970AFFB-981A-4B96-B539-796CDF00759D}"/>
-              </a:ext>
-            </a:extLst>
-          </p:cNvPr>
+          <p:cNvPr id="5" name="Footer Placeholder 4"/>
           <p:cNvSpPr>
             <a:spLocks noGrp="1"/>
           </p:cNvSpPr>
@@ -695,7 +4305,12 @@
             <p:ph type="ftr" sz="quarter" idx="11"/>
           </p:nvPr>
         </p:nvSpPr>
-        <p:spPr/>
+        <p:spPr>
+          <a:xfrm>
+            <a:off x="680321" y="5936188"/>
+            <a:ext cx="6126805" cy="365125"/>
+          </a:xfrm>
+        </p:spPr>
         <p:txBody>
           <a:bodyPr/>
           <a:lstStyle/>
@@ -706,13 +4321,7 @@
       </p:sp>
       <p:sp>
         <p:nvSpPr>
-          <p:cNvPr id="6" name="Slide Number Placeholder 5">
-            <a:extLst>
-              <a:ext uri="{FF2B5EF4-FFF2-40B4-BE49-F238E27FC236}">
-                <a16:creationId xmlns:a16="http://schemas.microsoft.com/office/drawing/2014/main" id="{22389584-0F2C-486D-93B3-7F258C6A6DFC}"/>
-              </a:ext>
-            </a:extLst>
-          </p:cNvPr>
+          <p:cNvPr id="6" name="Slide Number Placeholder 5"/>
           <p:cNvSpPr>
             <a:spLocks noGrp="1"/>
           </p:cNvSpPr>
@@ -720,10 +4329,19 @@
             <p:ph type="sldNum" sz="quarter" idx="12"/>
           </p:nvPr>
         </p:nvSpPr>
-        <p:spPr/>
-        <p:txBody>
-          <a:bodyPr/>
-          <a:lstStyle/>
+        <p:spPr>
+          <a:xfrm>
+            <a:off x="10097550" y="5398633"/>
+            <a:ext cx="1154151" cy="1090789"/>
+          </a:xfrm>
+        </p:spPr>
+        <p:txBody>
+          <a:bodyPr anchor="t"/>
+          <a:lstStyle>
+            <a:lvl1pPr algn="ctr">
+              <a:defRPr/>
+            </a:lvl1pPr>
+          </a:lstStyle>
           <a:p>
             <a:fld id="{413C2698-04FF-4115-B8AA-E2D55FB09CB1}" type="slidenum">
               <a:rPr lang="en-US" smtClean="0"/>
@@ -736,7 +4354,7 @@
     </p:spTree>
     <p:extLst>
       <p:ext uri="{BB962C8B-B14F-4D97-AF65-F5344CB8AC3E}">
-        <p14:creationId xmlns:p14="http://schemas.microsoft.com/office/powerpoint/2010/main" val="2470196432"/>
+        <p14:creationId xmlns:p14="http://schemas.microsoft.com/office/powerpoint/2010/main" val="2988915129"/>
       </p:ext>
     </p:extLst>
   </p:cSld>
@@ -763,15 +4381,148 @@
           <a:chExt cx="0" cy="0"/>
         </a:xfrm>
       </p:grpSpPr>
-      <p:sp>
-        <p:nvSpPr>
-          <p:cNvPr id="2" name="Title 1">
+      <p:pic>
+        <p:nvPicPr>
+          <p:cNvPr id="15" name="Picture 14" descr="HD-ShadowLong.png"/>
+          <p:cNvPicPr>
+            <a:picLocks noChangeAspect="1"/>
+          </p:cNvPicPr>
+          <p:nvPr/>
+        </p:nvPicPr>
+        <p:blipFill>
+          <a:blip r:embed="rId2">
             <a:extLst>
-              <a:ext uri="{FF2B5EF4-FFF2-40B4-BE49-F238E27FC236}">
-                <a16:creationId xmlns:a16="http://schemas.microsoft.com/office/drawing/2014/main" id="{01EC968E-6D1D-42B5-B821-601FBC941CC0}"/>
+              <a:ext uri="{28A0092B-C50C-407E-A947-70E740481C1C}">
+                <a14:useLocalDpi xmlns:a14="http://schemas.microsoft.com/office/drawing/2010/main" val="0"/>
               </a:ext>
             </a:extLst>
-          </p:cNvPr>
+          </a:blip>
+          <a:stretch>
+            <a:fillRect/>
+          </a:stretch>
+        </p:blipFill>
+        <p:spPr>
+          <a:xfrm>
+            <a:off x="1" y="1970240"/>
+            <a:ext cx="10437812" cy="321164"/>
+          </a:xfrm>
+          <a:prstGeom prst="rect">
+            <a:avLst/>
+          </a:prstGeom>
+        </p:spPr>
+      </p:pic>
+      <p:pic>
+        <p:nvPicPr>
+          <p:cNvPr id="16" name="Picture 15" descr="HD-ShadowShort.png"/>
+          <p:cNvPicPr>
+            <a:picLocks noChangeAspect="1"/>
+          </p:cNvPicPr>
+          <p:nvPr/>
+        </p:nvPicPr>
+        <p:blipFill>
+          <a:blip r:embed="rId3">
+            <a:extLst>
+              <a:ext uri="{28A0092B-C50C-407E-A947-70E740481C1C}">
+                <a14:useLocalDpi xmlns:a14="http://schemas.microsoft.com/office/drawing/2010/main" val="0"/>
+              </a:ext>
+            </a:extLst>
+          </a:blip>
+          <a:stretch>
+            <a:fillRect/>
+          </a:stretch>
+        </p:blipFill>
+        <p:spPr>
+          <a:xfrm>
+            <a:off x="10585826" y="1971234"/>
+            <a:ext cx="1602997" cy="144270"/>
+          </a:xfrm>
+          <a:prstGeom prst="rect">
+            <a:avLst/>
+          </a:prstGeom>
+        </p:spPr>
+      </p:pic>
+      <p:sp>
+        <p:nvSpPr>
+          <p:cNvPr id="17" name="Rectangle 16"/>
+          <p:cNvSpPr/>
+          <p:nvPr/>
+        </p:nvSpPr>
+        <p:spPr bwMode="ltGray">
+          <a:xfrm>
+            <a:off x="0" y="609600"/>
+            <a:ext cx="10437812" cy="1368198"/>
+          </a:xfrm>
+          <a:prstGeom prst="rect">
+            <a:avLst/>
+          </a:prstGeom>
+          <a:solidFill>
+            <a:schemeClr val="bg1">
+              <a:lumMod val="85000"/>
+              <a:lumOff val="15000"/>
+            </a:schemeClr>
+          </a:solidFill>
+          <a:ln>
+            <a:noFill/>
+          </a:ln>
+        </p:spPr>
+        <p:style>
+          <a:lnRef idx="2">
+            <a:schemeClr val="accent1">
+              <a:shade val="50000"/>
+            </a:schemeClr>
+          </a:lnRef>
+          <a:fillRef idx="1">
+            <a:schemeClr val="accent1"/>
+          </a:fillRef>
+          <a:effectRef idx="0">
+            <a:schemeClr val="accent1"/>
+          </a:effectRef>
+          <a:fontRef idx="minor">
+            <a:schemeClr val="lt1"/>
+          </a:fontRef>
+        </p:style>
+      </p:sp>
+      <p:sp>
+        <p:nvSpPr>
+          <p:cNvPr id="18" name="Rectangle 17"/>
+          <p:cNvSpPr/>
+          <p:nvPr/>
+        </p:nvSpPr>
+        <p:spPr>
+          <a:xfrm>
+            <a:off x="10585827" y="609600"/>
+            <a:ext cx="1602997" cy="1368198"/>
+          </a:xfrm>
+          <a:prstGeom prst="rect">
+            <a:avLst/>
+          </a:prstGeom>
+          <a:solidFill>
+            <a:schemeClr val="accent1"/>
+          </a:solidFill>
+          <a:ln>
+            <a:noFill/>
+          </a:ln>
+        </p:spPr>
+        <p:style>
+          <a:lnRef idx="2">
+            <a:schemeClr val="accent1">
+              <a:shade val="50000"/>
+            </a:schemeClr>
+          </a:lnRef>
+          <a:fillRef idx="1">
+            <a:schemeClr val="accent1"/>
+          </a:fillRef>
+          <a:effectRef idx="0">
+            <a:schemeClr val="accent1"/>
+          </a:effectRef>
+          <a:fontRef idx="minor">
+            <a:schemeClr val="lt1"/>
+          </a:fontRef>
+        </p:style>
+      </p:sp>
+      <p:sp>
+        <p:nvSpPr>
+          <p:cNvPr id="2" name="Title 1"/>
           <p:cNvSpPr>
             <a:spLocks noGrp="1"/>
           </p:cNvSpPr>
@@ -788,18 +4539,13 @@
               <a:rPr lang="en-US"/>
               <a:t>Click to edit Master title style</a:t>
             </a:r>
-          </a:p>
-        </p:txBody>
-      </p:sp>
-      <p:sp>
-        <p:nvSpPr>
-          <p:cNvPr id="3" name="Content Placeholder 2">
-            <a:extLst>
-              <a:ext uri="{FF2B5EF4-FFF2-40B4-BE49-F238E27FC236}">
-                <a16:creationId xmlns:a16="http://schemas.microsoft.com/office/drawing/2014/main" id="{6E356916-0A6F-4E25-A9E0-9981D5D93E52}"/>
-              </a:ext>
-            </a:extLst>
-          </p:cNvPr>
+            <a:endParaRPr lang="en-US" dirty="0"/>
+          </a:p>
+        </p:txBody>
+      </p:sp>
+      <p:sp>
+        <p:nvSpPr>
+          <p:cNvPr id="3" name="Content Placeholder 2"/>
           <p:cNvSpPr>
             <a:spLocks noGrp="1"/>
           </p:cNvSpPr>
@@ -845,18 +4591,13 @@
               <a:rPr lang="en-US"/>
               <a:t>Fifth level</a:t>
             </a:r>
-          </a:p>
-        </p:txBody>
-      </p:sp>
-      <p:sp>
-        <p:nvSpPr>
-          <p:cNvPr id="4" name="Date Placeholder 3">
-            <a:extLst>
-              <a:ext uri="{FF2B5EF4-FFF2-40B4-BE49-F238E27FC236}">
-                <a16:creationId xmlns:a16="http://schemas.microsoft.com/office/drawing/2014/main" id="{05CA9530-E6DC-4073-9997-EC34C4B8666C}"/>
-              </a:ext>
-            </a:extLst>
-          </p:cNvPr>
+            <a:endParaRPr lang="en-US" dirty="0"/>
+          </a:p>
+        </p:txBody>
+      </p:sp>
+      <p:sp>
+        <p:nvSpPr>
+          <p:cNvPr id="4" name="Date Placeholder 3"/>
           <p:cNvSpPr>
             <a:spLocks noGrp="1"/>
           </p:cNvSpPr>
@@ -879,13 +4620,7 @@
       </p:sp>
       <p:sp>
         <p:nvSpPr>
-          <p:cNvPr id="5" name="Footer Placeholder 4">
-            <a:extLst>
-              <a:ext uri="{FF2B5EF4-FFF2-40B4-BE49-F238E27FC236}">
-                <a16:creationId xmlns:a16="http://schemas.microsoft.com/office/drawing/2014/main" id="{07089976-E6E3-46C2-81EC-F92FB2043592}"/>
-              </a:ext>
-            </a:extLst>
-          </p:cNvPr>
+          <p:cNvPr id="5" name="Footer Placeholder 4"/>
           <p:cNvSpPr>
             <a:spLocks noGrp="1"/>
           </p:cNvSpPr>
@@ -904,13 +4639,7 @@
       </p:sp>
       <p:sp>
         <p:nvSpPr>
-          <p:cNvPr id="6" name="Slide Number Placeholder 5">
-            <a:extLst>
-              <a:ext uri="{FF2B5EF4-FFF2-40B4-BE49-F238E27FC236}">
-                <a16:creationId xmlns:a16="http://schemas.microsoft.com/office/drawing/2014/main" id="{983BC0C8-82BE-4F58-BF48-92AA5C87FC99}"/>
-              </a:ext>
-            </a:extLst>
-          </p:cNvPr>
+          <p:cNvPr id="6" name="Slide Number Placeholder 5"/>
           <p:cNvSpPr>
             <a:spLocks noGrp="1"/>
           </p:cNvSpPr>
@@ -934,7 +4663,7 @@
     </p:spTree>
     <p:extLst>
       <p:ext uri="{BB962C8B-B14F-4D97-AF65-F5344CB8AC3E}">
-        <p14:creationId xmlns:p14="http://schemas.microsoft.com/office/powerpoint/2010/main" val="836660"/>
+        <p14:creationId xmlns:p14="http://schemas.microsoft.com/office/powerpoint/2010/main" val="4072875923"/>
       </p:ext>
     </p:extLst>
   </p:cSld>
@@ -961,15 +4690,148 @@
           <a:chExt cx="0" cy="0"/>
         </a:xfrm>
       </p:grpSpPr>
-      <p:sp>
-        <p:nvSpPr>
-          <p:cNvPr id="2" name="Title 1">
+      <p:pic>
+        <p:nvPicPr>
+          <p:cNvPr id="7" name="Picture 6" descr="HD-ShadowLong.png"/>
+          <p:cNvPicPr>
+            <a:picLocks noChangeAspect="1"/>
+          </p:cNvPicPr>
+          <p:nvPr/>
+        </p:nvPicPr>
+        <p:blipFill>
+          <a:blip r:embed="rId2">
             <a:extLst>
-              <a:ext uri="{FF2B5EF4-FFF2-40B4-BE49-F238E27FC236}">
-                <a16:creationId xmlns:a16="http://schemas.microsoft.com/office/drawing/2014/main" id="{D155EBA8-2B22-46EB-9E28-88D7C4D53882}"/>
+              <a:ext uri="{28A0092B-C50C-407E-A947-70E740481C1C}">
+                <a14:useLocalDpi xmlns:a14="http://schemas.microsoft.com/office/drawing/2010/main" val="0"/>
               </a:ext>
             </a:extLst>
-          </p:cNvPr>
+          </a:blip>
+          <a:stretch>
+            <a:fillRect/>
+          </a:stretch>
+        </p:blipFill>
+        <p:spPr>
+          <a:xfrm>
+            <a:off x="-1" y="4086907"/>
+            <a:ext cx="10437812" cy="321164"/>
+          </a:xfrm>
+          <a:prstGeom prst="rect">
+            <a:avLst/>
+          </a:prstGeom>
+        </p:spPr>
+      </p:pic>
+      <p:pic>
+        <p:nvPicPr>
+          <p:cNvPr id="8" name="Picture 7" descr="HD-ShadowShort.png"/>
+          <p:cNvPicPr>
+            <a:picLocks noChangeAspect="1"/>
+          </p:cNvPicPr>
+          <p:nvPr/>
+        </p:nvPicPr>
+        <p:blipFill>
+          <a:blip r:embed="rId3">
+            <a:extLst>
+              <a:ext uri="{28A0092B-C50C-407E-A947-70E740481C1C}">
+                <a14:useLocalDpi xmlns:a14="http://schemas.microsoft.com/office/drawing/2010/main" val="0"/>
+              </a:ext>
+            </a:extLst>
+          </a:blip>
+          <a:stretch>
+            <a:fillRect/>
+          </a:stretch>
+        </p:blipFill>
+        <p:spPr>
+          <a:xfrm>
+            <a:off x="10585824" y="4087901"/>
+            <a:ext cx="1602997" cy="144270"/>
+          </a:xfrm>
+          <a:prstGeom prst="rect">
+            <a:avLst/>
+          </a:prstGeom>
+        </p:spPr>
+      </p:pic>
+      <p:sp>
+        <p:nvSpPr>
+          <p:cNvPr id="9" name="Rectangle 8"/>
+          <p:cNvSpPr/>
+          <p:nvPr/>
+        </p:nvSpPr>
+        <p:spPr bwMode="ltGray">
+          <a:xfrm>
+            <a:off x="-2" y="2726267"/>
+            <a:ext cx="10437812" cy="1368198"/>
+          </a:xfrm>
+          <a:prstGeom prst="rect">
+            <a:avLst/>
+          </a:prstGeom>
+          <a:solidFill>
+            <a:schemeClr val="bg1">
+              <a:lumMod val="85000"/>
+              <a:lumOff val="15000"/>
+            </a:schemeClr>
+          </a:solidFill>
+          <a:ln>
+            <a:noFill/>
+          </a:ln>
+        </p:spPr>
+        <p:style>
+          <a:lnRef idx="2">
+            <a:schemeClr val="accent1">
+              <a:shade val="50000"/>
+            </a:schemeClr>
+          </a:lnRef>
+          <a:fillRef idx="1">
+            <a:schemeClr val="accent1"/>
+          </a:fillRef>
+          <a:effectRef idx="0">
+            <a:schemeClr val="accent1"/>
+          </a:effectRef>
+          <a:fontRef idx="minor">
+            <a:schemeClr val="lt1"/>
+          </a:fontRef>
+        </p:style>
+      </p:sp>
+      <p:sp>
+        <p:nvSpPr>
+          <p:cNvPr id="10" name="Rectangle 9"/>
+          <p:cNvSpPr/>
+          <p:nvPr/>
+        </p:nvSpPr>
+        <p:spPr>
+          <a:xfrm>
+            <a:off x="10585825" y="2726267"/>
+            <a:ext cx="1602997" cy="1368198"/>
+          </a:xfrm>
+          <a:prstGeom prst="rect">
+            <a:avLst/>
+          </a:prstGeom>
+          <a:solidFill>
+            <a:schemeClr val="accent1"/>
+          </a:solidFill>
+          <a:ln>
+            <a:noFill/>
+          </a:ln>
+        </p:spPr>
+        <p:style>
+          <a:lnRef idx="2">
+            <a:schemeClr val="accent1">
+              <a:shade val="50000"/>
+            </a:schemeClr>
+          </a:lnRef>
+          <a:fillRef idx="1">
+            <a:schemeClr val="accent1"/>
+          </a:fillRef>
+          <a:effectRef idx="0">
+            <a:schemeClr val="accent1"/>
+          </a:effectRef>
+          <a:fontRef idx="minor">
+            <a:schemeClr val="lt1"/>
+          </a:fontRef>
+        </p:style>
+      </p:sp>
+      <p:sp>
+        <p:nvSpPr>
+          <p:cNvPr id="2" name="Title 1"/>
           <p:cNvSpPr>
             <a:spLocks noGrp="1"/>
           </p:cNvSpPr>
@@ -979,15 +4841,17 @@
         </p:nvSpPr>
         <p:spPr>
           <a:xfrm>
-            <a:off x="831850" y="1709738"/>
-            <a:ext cx="10515600" cy="2852737"/>
-          </a:xfrm>
-        </p:spPr>
-        <p:txBody>
-          <a:bodyPr anchor="b"/>
+            <a:off x="680322" y="2869895"/>
+            <a:ext cx="9613860" cy="1090788"/>
+          </a:xfrm>
+        </p:spPr>
+        <p:txBody>
+          <a:bodyPr anchor="ctr">
+            <a:normAutofit/>
+          </a:bodyPr>
           <a:lstStyle>
-            <a:lvl1pPr>
-              <a:defRPr sz="6000"/>
+            <a:lvl1pPr algn="r">
+              <a:defRPr sz="3600"/>
             </a:lvl1pPr>
           </a:lstStyle>
           <a:p>
@@ -995,18 +4859,13 @@
               <a:rPr lang="en-US"/>
               <a:t>Click to edit Master title style</a:t>
             </a:r>
-          </a:p>
-        </p:txBody>
-      </p:sp>
-      <p:sp>
-        <p:nvSpPr>
-          <p:cNvPr id="3" name="Text Placeholder 2">
-            <a:extLst>
-              <a:ext uri="{FF2B5EF4-FFF2-40B4-BE49-F238E27FC236}">
-                <a16:creationId xmlns:a16="http://schemas.microsoft.com/office/drawing/2014/main" id="{DE6A9ACA-3D39-458E-ACAF-AD289FCBFE62}"/>
-              </a:ext>
-            </a:extLst>
-          </p:cNvPr>
+            <a:endParaRPr lang="en-US" dirty="0"/>
+          </a:p>
+        </p:txBody>
+      </p:sp>
+      <p:sp>
+        <p:nvSpPr>
+          <p:cNvPr id="3" name="Text Placeholder 2"/>
           <p:cNvSpPr>
             <a:spLocks noGrp="1"/>
           </p:cNvSpPr>
@@ -1016,16 +4875,18 @@
         </p:nvSpPr>
         <p:spPr>
           <a:xfrm>
-            <a:off x="831850" y="4589463"/>
-            <a:ext cx="10515600" cy="1500187"/>
-          </a:xfrm>
-        </p:spPr>
-        <p:txBody>
-          <a:bodyPr/>
+            <a:off x="680322" y="4232171"/>
+            <a:ext cx="9613860" cy="1704017"/>
+          </a:xfrm>
+        </p:spPr>
+        <p:txBody>
+          <a:bodyPr>
+            <a:normAutofit/>
+          </a:bodyPr>
           <a:lstStyle>
-            <a:lvl1pPr marL="0" indent="0">
-              <a:buNone/>
-              <a:defRPr sz="2400">
+            <a:lvl1pPr marL="0" indent="0" algn="r">
+              <a:buNone/>
+              <a:defRPr sz="2000">
                 <a:solidFill>
                   <a:schemeClr val="tx1">
                     <a:tint val="75000"/>
@@ -1125,13 +4986,7 @@
       </p:sp>
       <p:sp>
         <p:nvSpPr>
-          <p:cNvPr id="4" name="Date Placeholder 3">
-            <a:extLst>
-              <a:ext uri="{FF2B5EF4-FFF2-40B4-BE49-F238E27FC236}">
-                <a16:creationId xmlns:a16="http://schemas.microsoft.com/office/drawing/2014/main" id="{4AE4ACD3-1819-47F4-A278-1E30C8659928}"/>
-              </a:ext>
-            </a:extLst>
-          </p:cNvPr>
+          <p:cNvPr id="4" name="Date Placeholder 3"/>
           <p:cNvSpPr>
             <a:spLocks noGrp="1"/>
           </p:cNvSpPr>
@@ -1154,13 +5009,7 @@
       </p:sp>
       <p:sp>
         <p:nvSpPr>
-          <p:cNvPr id="5" name="Footer Placeholder 4">
-            <a:extLst>
-              <a:ext uri="{FF2B5EF4-FFF2-40B4-BE49-F238E27FC236}">
-                <a16:creationId xmlns:a16="http://schemas.microsoft.com/office/drawing/2014/main" id="{45736AC1-3361-4F2F-92CA-1DEE8CBFF2A5}"/>
-              </a:ext>
-            </a:extLst>
-          </p:cNvPr>
+          <p:cNvPr id="5" name="Footer Placeholder 4"/>
           <p:cNvSpPr>
             <a:spLocks noGrp="1"/>
           </p:cNvSpPr>
@@ -1179,13 +5028,7 @@
       </p:sp>
       <p:sp>
         <p:nvSpPr>
-          <p:cNvPr id="6" name="Slide Number Placeholder 5">
-            <a:extLst>
-              <a:ext uri="{FF2B5EF4-FFF2-40B4-BE49-F238E27FC236}">
-                <a16:creationId xmlns:a16="http://schemas.microsoft.com/office/drawing/2014/main" id="{921F3B16-DE43-4659-9D12-BEC2EFBDC459}"/>
-              </a:ext>
-            </a:extLst>
-          </p:cNvPr>
+          <p:cNvPr id="6" name="Slide Number Placeholder 5"/>
           <p:cNvSpPr>
             <a:spLocks noGrp="1"/>
           </p:cNvSpPr>
@@ -1193,7 +5036,12 @@
             <p:ph type="sldNum" sz="quarter" idx="12"/>
           </p:nvPr>
         </p:nvSpPr>
-        <p:spPr/>
+        <p:spPr>
+          <a:xfrm>
+            <a:off x="10729455" y="2869895"/>
+            <a:ext cx="1154151" cy="1090789"/>
+          </a:xfrm>
+        </p:spPr>
         <p:txBody>
           <a:bodyPr/>
           <a:lstStyle/>
@@ -1209,7 +5057,7 @@
     </p:spTree>
     <p:extLst>
       <p:ext uri="{BB962C8B-B14F-4D97-AF65-F5344CB8AC3E}">
-        <p14:creationId xmlns:p14="http://schemas.microsoft.com/office/powerpoint/2010/main" val="565924923"/>
+        <p14:creationId xmlns:p14="http://schemas.microsoft.com/office/powerpoint/2010/main" val="3172133553"/>
       </p:ext>
     </p:extLst>
   </p:cSld>
@@ -1236,15 +5084,148 @@
           <a:chExt cx="0" cy="0"/>
         </a:xfrm>
       </p:grpSpPr>
-      <p:sp>
-        <p:nvSpPr>
-          <p:cNvPr id="2" name="Title 1">
+      <p:pic>
+        <p:nvPicPr>
+          <p:cNvPr id="8" name="Picture 7" descr="HD-ShadowLong.png"/>
+          <p:cNvPicPr>
+            <a:picLocks noChangeAspect="1"/>
+          </p:cNvPicPr>
+          <p:nvPr/>
+        </p:nvPicPr>
+        <p:blipFill>
+          <a:blip r:embed="rId2">
             <a:extLst>
-              <a:ext uri="{FF2B5EF4-FFF2-40B4-BE49-F238E27FC236}">
-                <a16:creationId xmlns:a16="http://schemas.microsoft.com/office/drawing/2014/main" id="{952B3F0F-DB0B-4C76-8BC6-5C4E73141C2D}"/>
+              <a:ext uri="{28A0092B-C50C-407E-A947-70E740481C1C}">
+                <a14:useLocalDpi xmlns:a14="http://schemas.microsoft.com/office/drawing/2010/main" val="0"/>
               </a:ext>
             </a:extLst>
-          </p:cNvPr>
+          </a:blip>
+          <a:stretch>
+            <a:fillRect/>
+          </a:stretch>
+        </p:blipFill>
+        <p:spPr>
+          <a:xfrm>
+            <a:off x="1" y="1970240"/>
+            <a:ext cx="10437812" cy="321164"/>
+          </a:xfrm>
+          <a:prstGeom prst="rect">
+            <a:avLst/>
+          </a:prstGeom>
+        </p:spPr>
+      </p:pic>
+      <p:pic>
+        <p:nvPicPr>
+          <p:cNvPr id="9" name="Picture 8" descr="HD-ShadowShort.png"/>
+          <p:cNvPicPr>
+            <a:picLocks noChangeAspect="1"/>
+          </p:cNvPicPr>
+          <p:nvPr/>
+        </p:nvPicPr>
+        <p:blipFill>
+          <a:blip r:embed="rId3">
+            <a:extLst>
+              <a:ext uri="{28A0092B-C50C-407E-A947-70E740481C1C}">
+                <a14:useLocalDpi xmlns:a14="http://schemas.microsoft.com/office/drawing/2010/main" val="0"/>
+              </a:ext>
+            </a:extLst>
+          </a:blip>
+          <a:stretch>
+            <a:fillRect/>
+          </a:stretch>
+        </p:blipFill>
+        <p:spPr>
+          <a:xfrm>
+            <a:off x="10585826" y="1971234"/>
+            <a:ext cx="1602997" cy="144270"/>
+          </a:xfrm>
+          <a:prstGeom prst="rect">
+            <a:avLst/>
+          </a:prstGeom>
+        </p:spPr>
+      </p:pic>
+      <p:sp>
+        <p:nvSpPr>
+          <p:cNvPr id="10" name="Rectangle 9"/>
+          <p:cNvSpPr/>
+          <p:nvPr/>
+        </p:nvSpPr>
+        <p:spPr bwMode="ltGray">
+          <a:xfrm>
+            <a:off x="0" y="609600"/>
+            <a:ext cx="10437812" cy="1368198"/>
+          </a:xfrm>
+          <a:prstGeom prst="rect">
+            <a:avLst/>
+          </a:prstGeom>
+          <a:solidFill>
+            <a:schemeClr val="bg1">
+              <a:lumMod val="85000"/>
+              <a:lumOff val="15000"/>
+            </a:schemeClr>
+          </a:solidFill>
+          <a:ln>
+            <a:noFill/>
+          </a:ln>
+        </p:spPr>
+        <p:style>
+          <a:lnRef idx="2">
+            <a:schemeClr val="accent1">
+              <a:shade val="50000"/>
+            </a:schemeClr>
+          </a:lnRef>
+          <a:fillRef idx="1">
+            <a:schemeClr val="accent1"/>
+          </a:fillRef>
+          <a:effectRef idx="0">
+            <a:schemeClr val="accent1"/>
+          </a:effectRef>
+          <a:fontRef idx="minor">
+            <a:schemeClr val="lt1"/>
+          </a:fontRef>
+        </p:style>
+      </p:sp>
+      <p:sp>
+        <p:nvSpPr>
+          <p:cNvPr id="11" name="Rectangle 10"/>
+          <p:cNvSpPr/>
+          <p:nvPr/>
+        </p:nvSpPr>
+        <p:spPr>
+          <a:xfrm>
+            <a:off x="10585827" y="609600"/>
+            <a:ext cx="1602997" cy="1368198"/>
+          </a:xfrm>
+          <a:prstGeom prst="rect">
+            <a:avLst/>
+          </a:prstGeom>
+          <a:solidFill>
+            <a:schemeClr val="accent1"/>
+          </a:solidFill>
+          <a:ln>
+            <a:noFill/>
+          </a:ln>
+        </p:spPr>
+        <p:style>
+          <a:lnRef idx="2">
+            <a:schemeClr val="accent1">
+              <a:shade val="50000"/>
+            </a:schemeClr>
+          </a:lnRef>
+          <a:fillRef idx="1">
+            <a:schemeClr val="accent1"/>
+          </a:fillRef>
+          <a:effectRef idx="0">
+            <a:schemeClr val="accent1"/>
+          </a:effectRef>
+          <a:fontRef idx="minor">
+            <a:schemeClr val="lt1"/>
+          </a:fontRef>
+        </p:style>
+      </p:sp>
+      <p:sp>
+        <p:nvSpPr>
+          <p:cNvPr id="2" name="Title 1"/>
           <p:cNvSpPr>
             <a:spLocks noGrp="1"/>
           </p:cNvSpPr>
@@ -1261,18 +5242,13 @@
               <a:rPr lang="en-US"/>
               <a:t>Click to edit Master title style</a:t>
             </a:r>
-          </a:p>
-        </p:txBody>
-      </p:sp>
-      <p:sp>
-        <p:nvSpPr>
-          <p:cNvPr id="3" name="Content Placeholder 2">
-            <a:extLst>
-              <a:ext uri="{FF2B5EF4-FFF2-40B4-BE49-F238E27FC236}">
-                <a16:creationId xmlns:a16="http://schemas.microsoft.com/office/drawing/2014/main" id="{4E3AC402-0891-41E3-A1F9-DF1C4AECB6E6}"/>
-              </a:ext>
-            </a:extLst>
-          </p:cNvPr>
+            <a:endParaRPr lang="en-US" dirty="0"/>
+          </a:p>
+        </p:txBody>
+      </p:sp>
+      <p:sp>
+        <p:nvSpPr>
+          <p:cNvPr id="3" name="Content Placeholder 2"/>
           <p:cNvSpPr>
             <a:spLocks noGrp="1"/>
           </p:cNvSpPr>
@@ -1282,8 +5258,8 @@
         </p:nvSpPr>
         <p:spPr>
           <a:xfrm>
-            <a:off x="838200" y="1825625"/>
-            <a:ext cx="5181600" cy="4351338"/>
+            <a:off x="680320" y="2336873"/>
+            <a:ext cx="4698358" cy="3599316"/>
           </a:xfrm>
         </p:spPr>
         <p:txBody>
@@ -1323,18 +5299,13 @@
               <a:rPr lang="en-US"/>
               <a:t>Fifth level</a:t>
             </a:r>
-          </a:p>
-        </p:txBody>
-      </p:sp>
-      <p:sp>
-        <p:nvSpPr>
-          <p:cNvPr id="4" name="Content Placeholder 3">
-            <a:extLst>
-              <a:ext uri="{FF2B5EF4-FFF2-40B4-BE49-F238E27FC236}">
-                <a16:creationId xmlns:a16="http://schemas.microsoft.com/office/drawing/2014/main" id="{13075C59-A800-4B73-BDC6-1C6D05A4BDD7}"/>
-              </a:ext>
-            </a:extLst>
-          </p:cNvPr>
+            <a:endParaRPr lang="en-US" dirty="0"/>
+          </a:p>
+        </p:txBody>
+      </p:sp>
+      <p:sp>
+        <p:nvSpPr>
+          <p:cNvPr id="4" name="Content Placeholder 3"/>
           <p:cNvSpPr>
             <a:spLocks noGrp="1"/>
           </p:cNvSpPr>
@@ -1344,8 +5315,8 @@
         </p:nvSpPr>
         <p:spPr>
           <a:xfrm>
-            <a:off x="6172200" y="1825625"/>
-            <a:ext cx="5181600" cy="4351338"/>
+            <a:off x="5594123" y="2336873"/>
+            <a:ext cx="4700058" cy="3599316"/>
           </a:xfrm>
         </p:spPr>
         <p:txBody>
@@ -1385,18 +5356,13 @@
               <a:rPr lang="en-US"/>
               <a:t>Fifth level</a:t>
             </a:r>
-          </a:p>
-        </p:txBody>
-      </p:sp>
-      <p:sp>
-        <p:nvSpPr>
-          <p:cNvPr id="5" name="Date Placeholder 4">
-            <a:extLst>
-              <a:ext uri="{FF2B5EF4-FFF2-40B4-BE49-F238E27FC236}">
-                <a16:creationId xmlns:a16="http://schemas.microsoft.com/office/drawing/2014/main" id="{B94315F9-B44D-4961-A366-CFB3A89E64A1}"/>
-              </a:ext>
-            </a:extLst>
-          </p:cNvPr>
+            <a:endParaRPr lang="en-US" dirty="0"/>
+          </a:p>
+        </p:txBody>
+      </p:sp>
+      <p:sp>
+        <p:nvSpPr>
+          <p:cNvPr id="5" name="Date Placeholder 4"/>
           <p:cNvSpPr>
             <a:spLocks noGrp="1"/>
           </p:cNvSpPr>
@@ -1419,13 +5385,7 @@
       </p:sp>
       <p:sp>
         <p:nvSpPr>
-          <p:cNvPr id="6" name="Footer Placeholder 5">
-            <a:extLst>
-              <a:ext uri="{FF2B5EF4-FFF2-40B4-BE49-F238E27FC236}">
-                <a16:creationId xmlns:a16="http://schemas.microsoft.com/office/drawing/2014/main" id="{3A6C9E00-8C91-4BBC-A439-512B273851C0}"/>
-              </a:ext>
-            </a:extLst>
-          </p:cNvPr>
+          <p:cNvPr id="6" name="Footer Placeholder 5"/>
           <p:cNvSpPr>
             <a:spLocks noGrp="1"/>
           </p:cNvSpPr>
@@ -1444,13 +5404,7 @@
       </p:sp>
       <p:sp>
         <p:nvSpPr>
-          <p:cNvPr id="7" name="Slide Number Placeholder 6">
-            <a:extLst>
-              <a:ext uri="{FF2B5EF4-FFF2-40B4-BE49-F238E27FC236}">
-                <a16:creationId xmlns:a16="http://schemas.microsoft.com/office/drawing/2014/main" id="{9A747A5F-E975-440E-A779-CF8F70A9DD06}"/>
-              </a:ext>
-            </a:extLst>
-          </p:cNvPr>
+          <p:cNvPr id="7" name="Slide Number Placeholder 6"/>
           <p:cNvSpPr>
             <a:spLocks noGrp="1"/>
           </p:cNvSpPr>
@@ -1474,7 +5428,7 @@
     </p:spTree>
     <p:extLst>
       <p:ext uri="{BB962C8B-B14F-4D97-AF65-F5344CB8AC3E}">
-        <p14:creationId xmlns:p14="http://schemas.microsoft.com/office/powerpoint/2010/main" val="3848408234"/>
+        <p14:creationId xmlns:p14="http://schemas.microsoft.com/office/powerpoint/2010/main" val="1897795101"/>
       </p:ext>
     </p:extLst>
   </p:cSld>
@@ -1501,15 +5455,148 @@
           <a:chExt cx="0" cy="0"/>
         </a:xfrm>
       </p:grpSpPr>
-      <p:sp>
-        <p:nvSpPr>
-          <p:cNvPr id="2" name="Title 1">
+      <p:pic>
+        <p:nvPicPr>
+          <p:cNvPr id="10" name="Picture 9" descr="HD-ShadowLong.png"/>
+          <p:cNvPicPr>
+            <a:picLocks noChangeAspect="1"/>
+          </p:cNvPicPr>
+          <p:nvPr/>
+        </p:nvPicPr>
+        <p:blipFill>
+          <a:blip r:embed="rId2">
             <a:extLst>
-              <a:ext uri="{FF2B5EF4-FFF2-40B4-BE49-F238E27FC236}">
-                <a16:creationId xmlns:a16="http://schemas.microsoft.com/office/drawing/2014/main" id="{6CADB49D-6AE5-4C31-97A3-004112BFC892}"/>
+              <a:ext uri="{28A0092B-C50C-407E-A947-70E740481C1C}">
+                <a14:useLocalDpi xmlns:a14="http://schemas.microsoft.com/office/drawing/2010/main" val="0"/>
               </a:ext>
             </a:extLst>
-          </p:cNvPr>
+          </a:blip>
+          <a:stretch>
+            <a:fillRect/>
+          </a:stretch>
+        </p:blipFill>
+        <p:spPr>
+          <a:xfrm>
+            <a:off x="1" y="1970240"/>
+            <a:ext cx="10437812" cy="321164"/>
+          </a:xfrm>
+          <a:prstGeom prst="rect">
+            <a:avLst/>
+          </a:prstGeom>
+        </p:spPr>
+      </p:pic>
+      <p:pic>
+        <p:nvPicPr>
+          <p:cNvPr id="11" name="Picture 10" descr="HD-ShadowShort.png"/>
+          <p:cNvPicPr>
+            <a:picLocks noChangeAspect="1"/>
+          </p:cNvPicPr>
+          <p:nvPr/>
+        </p:nvPicPr>
+        <p:blipFill>
+          <a:blip r:embed="rId3">
+            <a:extLst>
+              <a:ext uri="{28A0092B-C50C-407E-A947-70E740481C1C}">
+                <a14:useLocalDpi xmlns:a14="http://schemas.microsoft.com/office/drawing/2010/main" val="0"/>
+              </a:ext>
+            </a:extLst>
+          </a:blip>
+          <a:stretch>
+            <a:fillRect/>
+          </a:stretch>
+        </p:blipFill>
+        <p:spPr>
+          <a:xfrm>
+            <a:off x="10585826" y="1971234"/>
+            <a:ext cx="1602997" cy="144270"/>
+          </a:xfrm>
+          <a:prstGeom prst="rect">
+            <a:avLst/>
+          </a:prstGeom>
+        </p:spPr>
+      </p:pic>
+      <p:sp>
+        <p:nvSpPr>
+          <p:cNvPr id="12" name="Rectangle 11"/>
+          <p:cNvSpPr/>
+          <p:nvPr/>
+        </p:nvSpPr>
+        <p:spPr bwMode="ltGray">
+          <a:xfrm>
+            <a:off x="0" y="609600"/>
+            <a:ext cx="10437812" cy="1368198"/>
+          </a:xfrm>
+          <a:prstGeom prst="rect">
+            <a:avLst/>
+          </a:prstGeom>
+          <a:solidFill>
+            <a:schemeClr val="bg1">
+              <a:lumMod val="85000"/>
+              <a:lumOff val="15000"/>
+            </a:schemeClr>
+          </a:solidFill>
+          <a:ln>
+            <a:noFill/>
+          </a:ln>
+        </p:spPr>
+        <p:style>
+          <a:lnRef idx="2">
+            <a:schemeClr val="accent1">
+              <a:shade val="50000"/>
+            </a:schemeClr>
+          </a:lnRef>
+          <a:fillRef idx="1">
+            <a:schemeClr val="accent1"/>
+          </a:fillRef>
+          <a:effectRef idx="0">
+            <a:schemeClr val="accent1"/>
+          </a:effectRef>
+          <a:fontRef idx="minor">
+            <a:schemeClr val="lt1"/>
+          </a:fontRef>
+        </p:style>
+      </p:sp>
+      <p:sp>
+        <p:nvSpPr>
+          <p:cNvPr id="13" name="Rectangle 12"/>
+          <p:cNvSpPr/>
+          <p:nvPr/>
+        </p:nvSpPr>
+        <p:spPr>
+          <a:xfrm>
+            <a:off x="10585827" y="609600"/>
+            <a:ext cx="1602997" cy="1368198"/>
+          </a:xfrm>
+          <a:prstGeom prst="rect">
+            <a:avLst/>
+          </a:prstGeom>
+          <a:solidFill>
+            <a:schemeClr val="accent1"/>
+          </a:solidFill>
+          <a:ln>
+            <a:noFill/>
+          </a:ln>
+        </p:spPr>
+        <p:style>
+          <a:lnRef idx="2">
+            <a:schemeClr val="accent1">
+              <a:shade val="50000"/>
+            </a:schemeClr>
+          </a:lnRef>
+          <a:fillRef idx="1">
+            <a:schemeClr val="accent1"/>
+          </a:fillRef>
+          <a:effectRef idx="0">
+            <a:schemeClr val="accent1"/>
+          </a:effectRef>
+          <a:fontRef idx="minor">
+            <a:schemeClr val="lt1"/>
+          </a:fontRef>
+        </p:style>
+      </p:sp>
+      <p:sp>
+        <p:nvSpPr>
+          <p:cNvPr id="2" name="Title 1"/>
           <p:cNvSpPr>
             <a:spLocks noGrp="1"/>
           </p:cNvSpPr>
@@ -1519,8 +5606,8 @@
         </p:nvSpPr>
         <p:spPr>
           <a:xfrm>
-            <a:off x="839788" y="365125"/>
-            <a:ext cx="10515600" cy="1325563"/>
+            <a:off x="680319" y="753229"/>
+            <a:ext cx="9613863" cy="1080937"/>
           </a:xfrm>
         </p:spPr>
         <p:txBody>
@@ -1531,18 +5618,13 @@
               <a:rPr lang="en-US"/>
               <a:t>Click to edit Master title style</a:t>
             </a:r>
-          </a:p>
-        </p:txBody>
-      </p:sp>
-      <p:sp>
-        <p:nvSpPr>
-          <p:cNvPr id="3" name="Text Placeholder 2">
-            <a:extLst>
-              <a:ext uri="{FF2B5EF4-FFF2-40B4-BE49-F238E27FC236}">
-                <a16:creationId xmlns:a16="http://schemas.microsoft.com/office/drawing/2014/main" id="{E169909D-85DA-4C54-9E81-93FA3E2FFB24}"/>
-              </a:ext>
-            </a:extLst>
-          </p:cNvPr>
+            <a:endParaRPr lang="en-US" dirty="0"/>
+          </a:p>
+        </p:txBody>
+      </p:sp>
+      <p:sp>
+        <p:nvSpPr>
+          <p:cNvPr id="3" name="Text Placeholder 2"/>
           <p:cNvSpPr>
             <a:spLocks noGrp="1"/>
           </p:cNvSpPr>
@@ -1552,8 +5634,8 @@
         </p:nvSpPr>
         <p:spPr>
           <a:xfrm>
-            <a:off x="839788" y="1681163"/>
-            <a:ext cx="5157787" cy="823912"/>
+            <a:off x="906350" y="2336873"/>
+            <a:ext cx="4472327" cy="693135"/>
           </a:xfrm>
         </p:spPr>
         <p:txBody>
@@ -1607,13 +5689,7 @@
       </p:sp>
       <p:sp>
         <p:nvSpPr>
-          <p:cNvPr id="4" name="Content Placeholder 3">
-            <a:extLst>
-              <a:ext uri="{FF2B5EF4-FFF2-40B4-BE49-F238E27FC236}">
-                <a16:creationId xmlns:a16="http://schemas.microsoft.com/office/drawing/2014/main" id="{033A5722-0A6C-461D-AF1C-5AD7196F9BAC}"/>
-              </a:ext>
-            </a:extLst>
-          </p:cNvPr>
+          <p:cNvPr id="4" name="Content Placeholder 3"/>
           <p:cNvSpPr>
             <a:spLocks noGrp="1"/>
           </p:cNvSpPr>
@@ -1623,8 +5699,8 @@
         </p:nvSpPr>
         <p:spPr>
           <a:xfrm>
-            <a:off x="839788" y="2505075"/>
-            <a:ext cx="5157787" cy="3684588"/>
+            <a:off x="680322" y="3030008"/>
+            <a:ext cx="4698355" cy="2906179"/>
           </a:xfrm>
         </p:spPr>
         <p:txBody>
@@ -1664,18 +5740,13 @@
               <a:rPr lang="en-US"/>
               <a:t>Fifth level</a:t>
             </a:r>
-          </a:p>
-        </p:txBody>
-      </p:sp>
-      <p:sp>
-        <p:nvSpPr>
-          <p:cNvPr id="5" name="Text Placeholder 4">
-            <a:extLst>
-              <a:ext uri="{FF2B5EF4-FFF2-40B4-BE49-F238E27FC236}">
-                <a16:creationId xmlns:a16="http://schemas.microsoft.com/office/drawing/2014/main" id="{469C87DD-6BE0-42AA-A232-AB92B30B42DE}"/>
-              </a:ext>
-            </a:extLst>
-          </p:cNvPr>
+            <a:endParaRPr lang="en-US" dirty="0"/>
+          </a:p>
+        </p:txBody>
+      </p:sp>
+      <p:sp>
+        <p:nvSpPr>
+          <p:cNvPr id="5" name="Text Placeholder 4"/>
           <p:cNvSpPr>
             <a:spLocks noGrp="1"/>
           </p:cNvSpPr>
@@ -1685,8 +5756,8 @@
         </p:nvSpPr>
         <p:spPr>
           <a:xfrm>
-            <a:off x="6172200" y="1681163"/>
-            <a:ext cx="5183188" cy="823912"/>
+            <a:off x="5820154" y="2336873"/>
+            <a:ext cx="4474028" cy="692076"/>
           </a:xfrm>
         </p:spPr>
         <p:txBody>
@@ -1740,13 +5811,7 @@
       </p:sp>
       <p:sp>
         <p:nvSpPr>
-          <p:cNvPr id="6" name="Content Placeholder 5">
-            <a:extLst>
-              <a:ext uri="{FF2B5EF4-FFF2-40B4-BE49-F238E27FC236}">
-                <a16:creationId xmlns:a16="http://schemas.microsoft.com/office/drawing/2014/main" id="{3639E5E1-A41E-441B-8E0D-328F1D9CAF78}"/>
-              </a:ext>
-            </a:extLst>
-          </p:cNvPr>
+          <p:cNvPr id="6" name="Content Placeholder 5"/>
           <p:cNvSpPr>
             <a:spLocks noGrp="1"/>
           </p:cNvSpPr>
@@ -1756,8 +5821,8 @@
         </p:nvSpPr>
         <p:spPr>
           <a:xfrm>
-            <a:off x="6172200" y="2505075"/>
-            <a:ext cx="5183188" cy="3684588"/>
+            <a:off x="5594123" y="3030008"/>
+            <a:ext cx="4700059" cy="2906179"/>
           </a:xfrm>
         </p:spPr>
         <p:txBody>
@@ -1797,18 +5862,13 @@
               <a:rPr lang="en-US"/>
               <a:t>Fifth level</a:t>
             </a:r>
-          </a:p>
-        </p:txBody>
-      </p:sp>
-      <p:sp>
-        <p:nvSpPr>
-          <p:cNvPr id="7" name="Date Placeholder 6">
-            <a:extLst>
-              <a:ext uri="{FF2B5EF4-FFF2-40B4-BE49-F238E27FC236}">
-                <a16:creationId xmlns:a16="http://schemas.microsoft.com/office/drawing/2014/main" id="{4810F263-5104-4B3D-8E6B-283DADCCDE42}"/>
-              </a:ext>
-            </a:extLst>
-          </p:cNvPr>
+            <a:endParaRPr lang="en-US" dirty="0"/>
+          </a:p>
+        </p:txBody>
+      </p:sp>
+      <p:sp>
+        <p:nvSpPr>
+          <p:cNvPr id="7" name="Date Placeholder 6"/>
           <p:cNvSpPr>
             <a:spLocks noGrp="1"/>
           </p:cNvSpPr>
@@ -1831,13 +5891,7 @@
       </p:sp>
       <p:sp>
         <p:nvSpPr>
-          <p:cNvPr id="8" name="Footer Placeholder 7">
-            <a:extLst>
-              <a:ext uri="{FF2B5EF4-FFF2-40B4-BE49-F238E27FC236}">
-                <a16:creationId xmlns:a16="http://schemas.microsoft.com/office/drawing/2014/main" id="{F6D38D50-FDC9-41B4-AD17-8DFA8EE83024}"/>
-              </a:ext>
-            </a:extLst>
-          </p:cNvPr>
+          <p:cNvPr id="8" name="Footer Placeholder 7"/>
           <p:cNvSpPr>
             <a:spLocks noGrp="1"/>
           </p:cNvSpPr>
@@ -1856,13 +5910,7 @@
       </p:sp>
       <p:sp>
         <p:nvSpPr>
-          <p:cNvPr id="9" name="Slide Number Placeholder 8">
-            <a:extLst>
-              <a:ext uri="{FF2B5EF4-FFF2-40B4-BE49-F238E27FC236}">
-                <a16:creationId xmlns:a16="http://schemas.microsoft.com/office/drawing/2014/main" id="{40582CF8-5D8A-44E3-A1E1-8FC2196EDF52}"/>
-              </a:ext>
-            </a:extLst>
-          </p:cNvPr>
+          <p:cNvPr id="9" name="Slide Number Placeholder 8"/>
           <p:cNvSpPr>
             <a:spLocks noGrp="1"/>
           </p:cNvSpPr>
@@ -1886,7 +5934,7 @@
     </p:spTree>
     <p:extLst>
       <p:ext uri="{BB962C8B-B14F-4D97-AF65-F5344CB8AC3E}">
-        <p14:creationId xmlns:p14="http://schemas.microsoft.com/office/powerpoint/2010/main" val="3537045462"/>
+        <p14:creationId xmlns:p14="http://schemas.microsoft.com/office/powerpoint/2010/main" val="1008185312"/>
       </p:ext>
     </p:extLst>
   </p:cSld>
@@ -1913,15 +5961,148 @@
           <a:chExt cx="0" cy="0"/>
         </a:xfrm>
       </p:grpSpPr>
-      <p:sp>
-        <p:nvSpPr>
-          <p:cNvPr id="2" name="Title 1">
+      <p:pic>
+        <p:nvPicPr>
+          <p:cNvPr id="6" name="Picture 5" descr="HD-ShadowLong.png"/>
+          <p:cNvPicPr>
+            <a:picLocks noChangeAspect="1"/>
+          </p:cNvPicPr>
+          <p:nvPr/>
+        </p:nvPicPr>
+        <p:blipFill>
+          <a:blip r:embed="rId2">
             <a:extLst>
-              <a:ext uri="{FF2B5EF4-FFF2-40B4-BE49-F238E27FC236}">
-                <a16:creationId xmlns:a16="http://schemas.microsoft.com/office/drawing/2014/main" id="{1C5999BA-6B27-45F5-A7CC-081359C51216}"/>
+              <a:ext uri="{28A0092B-C50C-407E-A947-70E740481C1C}">
+                <a14:useLocalDpi xmlns:a14="http://schemas.microsoft.com/office/drawing/2010/main" val="0"/>
               </a:ext>
             </a:extLst>
-          </p:cNvPr>
+          </a:blip>
+          <a:stretch>
+            <a:fillRect/>
+          </a:stretch>
+        </p:blipFill>
+        <p:spPr>
+          <a:xfrm>
+            <a:off x="1" y="1970240"/>
+            <a:ext cx="10437812" cy="321164"/>
+          </a:xfrm>
+          <a:prstGeom prst="rect">
+            <a:avLst/>
+          </a:prstGeom>
+        </p:spPr>
+      </p:pic>
+      <p:pic>
+        <p:nvPicPr>
+          <p:cNvPr id="7" name="Picture 6" descr="HD-ShadowShort.png"/>
+          <p:cNvPicPr>
+            <a:picLocks noChangeAspect="1"/>
+          </p:cNvPicPr>
+          <p:nvPr/>
+        </p:nvPicPr>
+        <p:blipFill>
+          <a:blip r:embed="rId3">
+            <a:extLst>
+              <a:ext uri="{28A0092B-C50C-407E-A947-70E740481C1C}">
+                <a14:useLocalDpi xmlns:a14="http://schemas.microsoft.com/office/drawing/2010/main" val="0"/>
+              </a:ext>
+            </a:extLst>
+          </a:blip>
+          <a:stretch>
+            <a:fillRect/>
+          </a:stretch>
+        </p:blipFill>
+        <p:spPr>
+          <a:xfrm>
+            <a:off x="10585826" y="1971234"/>
+            <a:ext cx="1602997" cy="144270"/>
+          </a:xfrm>
+          <a:prstGeom prst="rect">
+            <a:avLst/>
+          </a:prstGeom>
+        </p:spPr>
+      </p:pic>
+      <p:sp>
+        <p:nvSpPr>
+          <p:cNvPr id="8" name="Rectangle 7"/>
+          <p:cNvSpPr/>
+          <p:nvPr/>
+        </p:nvSpPr>
+        <p:spPr bwMode="ltGray">
+          <a:xfrm>
+            <a:off x="0" y="609600"/>
+            <a:ext cx="10437812" cy="1368198"/>
+          </a:xfrm>
+          <a:prstGeom prst="rect">
+            <a:avLst/>
+          </a:prstGeom>
+          <a:solidFill>
+            <a:schemeClr val="bg1">
+              <a:lumMod val="85000"/>
+              <a:lumOff val="15000"/>
+            </a:schemeClr>
+          </a:solidFill>
+          <a:ln>
+            <a:noFill/>
+          </a:ln>
+        </p:spPr>
+        <p:style>
+          <a:lnRef idx="2">
+            <a:schemeClr val="accent1">
+              <a:shade val="50000"/>
+            </a:schemeClr>
+          </a:lnRef>
+          <a:fillRef idx="1">
+            <a:schemeClr val="accent1"/>
+          </a:fillRef>
+          <a:effectRef idx="0">
+            <a:schemeClr val="accent1"/>
+          </a:effectRef>
+          <a:fontRef idx="minor">
+            <a:schemeClr val="lt1"/>
+          </a:fontRef>
+        </p:style>
+      </p:sp>
+      <p:sp>
+        <p:nvSpPr>
+          <p:cNvPr id="9" name="Rectangle 8"/>
+          <p:cNvSpPr/>
+          <p:nvPr/>
+        </p:nvSpPr>
+        <p:spPr>
+          <a:xfrm>
+            <a:off x="10585827" y="609600"/>
+            <a:ext cx="1602997" cy="1368198"/>
+          </a:xfrm>
+          <a:prstGeom prst="rect">
+            <a:avLst/>
+          </a:prstGeom>
+          <a:solidFill>
+            <a:schemeClr val="accent1"/>
+          </a:solidFill>
+          <a:ln>
+            <a:noFill/>
+          </a:ln>
+        </p:spPr>
+        <p:style>
+          <a:lnRef idx="2">
+            <a:schemeClr val="accent1">
+              <a:shade val="50000"/>
+            </a:schemeClr>
+          </a:lnRef>
+          <a:fillRef idx="1">
+            <a:schemeClr val="accent1"/>
+          </a:fillRef>
+          <a:effectRef idx="0">
+            <a:schemeClr val="accent1"/>
+          </a:effectRef>
+          <a:fontRef idx="minor">
+            <a:schemeClr val="lt1"/>
+          </a:fontRef>
+        </p:style>
+      </p:sp>
+      <p:sp>
+        <p:nvSpPr>
+          <p:cNvPr id="2" name="Title 1"/>
           <p:cNvSpPr>
             <a:spLocks noGrp="1"/>
           </p:cNvSpPr>
@@ -1938,18 +6119,13 @@
               <a:rPr lang="en-US"/>
               <a:t>Click to edit Master title style</a:t>
             </a:r>
-          </a:p>
-        </p:txBody>
-      </p:sp>
-      <p:sp>
-        <p:nvSpPr>
-          <p:cNvPr id="3" name="Date Placeholder 2">
-            <a:extLst>
-              <a:ext uri="{FF2B5EF4-FFF2-40B4-BE49-F238E27FC236}">
-                <a16:creationId xmlns:a16="http://schemas.microsoft.com/office/drawing/2014/main" id="{A04A537F-8D2B-4A01-8902-20F9BC388E48}"/>
-              </a:ext>
-            </a:extLst>
-          </p:cNvPr>
+            <a:endParaRPr lang="en-US" dirty="0"/>
+          </a:p>
+        </p:txBody>
+      </p:sp>
+      <p:sp>
+        <p:nvSpPr>
+          <p:cNvPr id="3" name="Date Placeholder 2"/>
           <p:cNvSpPr>
             <a:spLocks noGrp="1"/>
           </p:cNvSpPr>
@@ -1972,13 +6148,7 @@
       </p:sp>
       <p:sp>
         <p:nvSpPr>
-          <p:cNvPr id="4" name="Footer Placeholder 3">
-            <a:extLst>
-              <a:ext uri="{FF2B5EF4-FFF2-40B4-BE49-F238E27FC236}">
-                <a16:creationId xmlns:a16="http://schemas.microsoft.com/office/drawing/2014/main" id="{29DD5F55-DF73-46D2-BC07-6B6BE426AF0F}"/>
-              </a:ext>
-            </a:extLst>
-          </p:cNvPr>
+          <p:cNvPr id="4" name="Footer Placeholder 3"/>
           <p:cNvSpPr>
             <a:spLocks noGrp="1"/>
           </p:cNvSpPr>
@@ -1997,13 +6167,7 @@
       </p:sp>
       <p:sp>
         <p:nvSpPr>
-          <p:cNvPr id="5" name="Slide Number Placeholder 4">
-            <a:extLst>
-              <a:ext uri="{FF2B5EF4-FFF2-40B4-BE49-F238E27FC236}">
-                <a16:creationId xmlns:a16="http://schemas.microsoft.com/office/drawing/2014/main" id="{21809E42-891C-4D7F-AE39-A7886AA1614D}"/>
-              </a:ext>
-            </a:extLst>
-          </p:cNvPr>
+          <p:cNvPr id="5" name="Slide Number Placeholder 4"/>
           <p:cNvSpPr>
             <a:spLocks noGrp="1"/>
           </p:cNvSpPr>
@@ -2027,7 +6191,7 @@
     </p:spTree>
     <p:extLst>
       <p:ext uri="{BB962C8B-B14F-4D97-AF65-F5344CB8AC3E}">
-        <p14:creationId xmlns:p14="http://schemas.microsoft.com/office/powerpoint/2010/main" val="3328923780"/>
+        <p14:creationId xmlns:p14="http://schemas.microsoft.com/office/powerpoint/2010/main" val="1568593127"/>
       </p:ext>
     </p:extLst>
   </p:cSld>
@@ -2054,15 +6218,77 @@
           <a:chExt cx="0" cy="0"/>
         </a:xfrm>
       </p:grpSpPr>
-      <p:sp>
-        <p:nvSpPr>
-          <p:cNvPr id="2" name="Date Placeholder 1">
+      <p:pic>
+        <p:nvPicPr>
+          <p:cNvPr id="5" name="Picture 4" descr="HD-ShadowShort.png"/>
+          <p:cNvPicPr>
+            <a:picLocks noChangeAspect="1"/>
+          </p:cNvPicPr>
+          <p:nvPr/>
+        </p:nvPicPr>
+        <p:blipFill>
+          <a:blip r:embed="rId2">
             <a:extLst>
-              <a:ext uri="{FF2B5EF4-FFF2-40B4-BE49-F238E27FC236}">
-                <a16:creationId xmlns:a16="http://schemas.microsoft.com/office/drawing/2014/main" id="{9A547A10-E61A-492A-A47C-D1AE016A0907}"/>
+              <a:ext uri="{28A0092B-C50C-407E-A947-70E740481C1C}">
+                <a14:useLocalDpi xmlns:a14="http://schemas.microsoft.com/office/drawing/2010/main" val="0"/>
               </a:ext>
             </a:extLst>
-          </p:cNvPr>
+          </a:blip>
+          <a:stretch>
+            <a:fillRect/>
+          </a:stretch>
+        </p:blipFill>
+        <p:spPr>
+          <a:xfrm>
+            <a:off x="10585826" y="1971234"/>
+            <a:ext cx="1602997" cy="144270"/>
+          </a:xfrm>
+          <a:prstGeom prst="rect">
+            <a:avLst/>
+          </a:prstGeom>
+        </p:spPr>
+      </p:pic>
+      <p:sp>
+        <p:nvSpPr>
+          <p:cNvPr id="6" name="Rectangle 5"/>
+          <p:cNvSpPr/>
+          <p:nvPr/>
+        </p:nvSpPr>
+        <p:spPr>
+          <a:xfrm>
+            <a:off x="10585827" y="609600"/>
+            <a:ext cx="1602997" cy="1368198"/>
+          </a:xfrm>
+          <a:prstGeom prst="rect">
+            <a:avLst/>
+          </a:prstGeom>
+          <a:solidFill>
+            <a:schemeClr val="accent1"/>
+          </a:solidFill>
+          <a:ln>
+            <a:noFill/>
+          </a:ln>
+        </p:spPr>
+        <p:style>
+          <a:lnRef idx="2">
+            <a:schemeClr val="accent1">
+              <a:shade val="50000"/>
+            </a:schemeClr>
+          </a:lnRef>
+          <a:fillRef idx="1">
+            <a:schemeClr val="accent1"/>
+          </a:fillRef>
+          <a:effectRef idx="0">
+            <a:schemeClr val="accent1"/>
+          </a:effectRef>
+          <a:fontRef idx="minor">
+            <a:schemeClr val="lt1"/>
+          </a:fontRef>
+        </p:style>
+      </p:sp>
+      <p:sp>
+        <p:nvSpPr>
+          <p:cNvPr id="2" name="Date Placeholder 1"/>
           <p:cNvSpPr>
             <a:spLocks noGrp="1"/>
           </p:cNvSpPr>
@@ -2085,13 +6311,7 @@
       </p:sp>
       <p:sp>
         <p:nvSpPr>
-          <p:cNvPr id="3" name="Footer Placeholder 2">
-            <a:extLst>
-              <a:ext uri="{FF2B5EF4-FFF2-40B4-BE49-F238E27FC236}">
-                <a16:creationId xmlns:a16="http://schemas.microsoft.com/office/drawing/2014/main" id="{A10A1403-4C74-47E2-BCE5-01594952C003}"/>
-              </a:ext>
-            </a:extLst>
-          </p:cNvPr>
+          <p:cNvPr id="3" name="Footer Placeholder 2"/>
           <p:cNvSpPr>
             <a:spLocks noGrp="1"/>
           </p:cNvSpPr>
@@ -2110,13 +6330,7 @@
       </p:sp>
       <p:sp>
         <p:nvSpPr>
-          <p:cNvPr id="4" name="Slide Number Placeholder 3">
-            <a:extLst>
-              <a:ext uri="{FF2B5EF4-FFF2-40B4-BE49-F238E27FC236}">
-                <a16:creationId xmlns:a16="http://schemas.microsoft.com/office/drawing/2014/main" id="{DC05B739-0537-4C5B-925E-F175660C7E46}"/>
-              </a:ext>
-            </a:extLst>
-          </p:cNvPr>
+          <p:cNvPr id="4" name="Slide Number Placeholder 3"/>
           <p:cNvSpPr>
             <a:spLocks noGrp="1"/>
           </p:cNvSpPr>
@@ -2140,7 +6354,7 @@
     </p:spTree>
     <p:extLst>
       <p:ext uri="{BB962C8B-B14F-4D97-AF65-F5344CB8AC3E}">
-        <p14:creationId xmlns:p14="http://schemas.microsoft.com/office/powerpoint/2010/main" val="2488641552"/>
+        <p14:creationId xmlns:p14="http://schemas.microsoft.com/office/powerpoint/2010/main" val="2821551098"/>
       </p:ext>
     </p:extLst>
   </p:cSld>
@@ -2167,15 +6381,148 @@
           <a:chExt cx="0" cy="0"/>
         </a:xfrm>
       </p:grpSpPr>
-      <p:sp>
-        <p:nvSpPr>
-          <p:cNvPr id="2" name="Title 1">
+      <p:pic>
+        <p:nvPicPr>
+          <p:cNvPr id="8" name="Picture 7" descr="HD-ShadowLong.png"/>
+          <p:cNvPicPr>
+            <a:picLocks noChangeAspect="1"/>
+          </p:cNvPicPr>
+          <p:nvPr/>
+        </p:nvPicPr>
+        <p:blipFill>
+          <a:blip r:embed="rId2">
             <a:extLst>
-              <a:ext uri="{FF2B5EF4-FFF2-40B4-BE49-F238E27FC236}">
-                <a16:creationId xmlns:a16="http://schemas.microsoft.com/office/drawing/2014/main" id="{44674A27-A7E4-48C1-910A-E1D0F01D62B8}"/>
+              <a:ext uri="{28A0092B-C50C-407E-A947-70E740481C1C}">
+                <a14:useLocalDpi xmlns:a14="http://schemas.microsoft.com/office/drawing/2010/main" val="0"/>
               </a:ext>
             </a:extLst>
-          </p:cNvPr>
+          </a:blip>
+          <a:stretch>
+            <a:fillRect/>
+          </a:stretch>
+        </p:blipFill>
+        <p:spPr>
+          <a:xfrm>
+            <a:off x="1" y="1970240"/>
+            <a:ext cx="10437812" cy="321164"/>
+          </a:xfrm>
+          <a:prstGeom prst="rect">
+            <a:avLst/>
+          </a:prstGeom>
+        </p:spPr>
+      </p:pic>
+      <p:pic>
+        <p:nvPicPr>
+          <p:cNvPr id="9" name="Picture 8" descr="HD-ShadowShort.png"/>
+          <p:cNvPicPr>
+            <a:picLocks noChangeAspect="1"/>
+          </p:cNvPicPr>
+          <p:nvPr/>
+        </p:nvPicPr>
+        <p:blipFill>
+          <a:blip r:embed="rId3">
+            <a:extLst>
+              <a:ext uri="{28A0092B-C50C-407E-A947-70E740481C1C}">
+                <a14:useLocalDpi xmlns:a14="http://schemas.microsoft.com/office/drawing/2010/main" val="0"/>
+              </a:ext>
+            </a:extLst>
+          </a:blip>
+          <a:stretch>
+            <a:fillRect/>
+          </a:stretch>
+        </p:blipFill>
+        <p:spPr>
+          <a:xfrm>
+            <a:off x="10585826" y="1971234"/>
+            <a:ext cx="1602997" cy="144270"/>
+          </a:xfrm>
+          <a:prstGeom prst="rect">
+            <a:avLst/>
+          </a:prstGeom>
+        </p:spPr>
+      </p:pic>
+      <p:sp>
+        <p:nvSpPr>
+          <p:cNvPr id="10" name="Rectangle 9"/>
+          <p:cNvSpPr/>
+          <p:nvPr/>
+        </p:nvSpPr>
+        <p:spPr bwMode="ltGray">
+          <a:xfrm>
+            <a:off x="0" y="609600"/>
+            <a:ext cx="10437812" cy="1368198"/>
+          </a:xfrm>
+          <a:prstGeom prst="rect">
+            <a:avLst/>
+          </a:prstGeom>
+          <a:solidFill>
+            <a:schemeClr val="bg1">
+              <a:lumMod val="85000"/>
+              <a:lumOff val="15000"/>
+            </a:schemeClr>
+          </a:solidFill>
+          <a:ln>
+            <a:noFill/>
+          </a:ln>
+        </p:spPr>
+        <p:style>
+          <a:lnRef idx="2">
+            <a:schemeClr val="accent1">
+              <a:shade val="50000"/>
+            </a:schemeClr>
+          </a:lnRef>
+          <a:fillRef idx="1">
+            <a:schemeClr val="accent1"/>
+          </a:fillRef>
+          <a:effectRef idx="0">
+            <a:schemeClr val="accent1"/>
+          </a:effectRef>
+          <a:fontRef idx="minor">
+            <a:schemeClr val="lt1"/>
+          </a:fontRef>
+        </p:style>
+      </p:sp>
+      <p:sp>
+        <p:nvSpPr>
+          <p:cNvPr id="11" name="Rectangle 10"/>
+          <p:cNvSpPr/>
+          <p:nvPr/>
+        </p:nvSpPr>
+        <p:spPr>
+          <a:xfrm>
+            <a:off x="10585827" y="609600"/>
+            <a:ext cx="1602997" cy="1368198"/>
+          </a:xfrm>
+          <a:prstGeom prst="rect">
+            <a:avLst/>
+          </a:prstGeom>
+          <a:solidFill>
+            <a:schemeClr val="accent1"/>
+          </a:solidFill>
+          <a:ln>
+            <a:noFill/>
+          </a:ln>
+        </p:spPr>
+        <p:style>
+          <a:lnRef idx="2">
+            <a:schemeClr val="accent1">
+              <a:shade val="50000"/>
+            </a:schemeClr>
+          </a:lnRef>
+          <a:fillRef idx="1">
+            <a:schemeClr val="accent1"/>
+          </a:fillRef>
+          <a:effectRef idx="0">
+            <a:schemeClr val="accent1"/>
+          </a:effectRef>
+          <a:fontRef idx="minor">
+            <a:schemeClr val="lt1"/>
+          </a:fontRef>
+        </p:style>
+      </p:sp>
+      <p:sp>
+        <p:nvSpPr>
+          <p:cNvPr id="2" name="Title 1"/>
           <p:cNvSpPr>
             <a:spLocks noGrp="1"/>
           </p:cNvSpPr>
@@ -2185,15 +6532,17 @@
         </p:nvSpPr>
         <p:spPr>
           <a:xfrm>
-            <a:off x="839788" y="457200"/>
-            <a:ext cx="3932237" cy="1600200"/>
-          </a:xfrm>
-        </p:spPr>
-        <p:txBody>
-          <a:bodyPr anchor="b"/>
+            <a:off x="680321" y="753227"/>
+            <a:ext cx="9613859" cy="1080940"/>
+          </a:xfrm>
+        </p:spPr>
+        <p:txBody>
+          <a:bodyPr anchor="ctr">
+            <a:normAutofit/>
+          </a:bodyPr>
           <a:lstStyle>
             <a:lvl1pPr>
-              <a:defRPr sz="3200"/>
+              <a:defRPr sz="3600"/>
             </a:lvl1pPr>
           </a:lstStyle>
           <a:p>
@@ -2201,18 +6550,13 @@
               <a:rPr lang="en-US"/>
               <a:t>Click to edit Master title style</a:t>
             </a:r>
-          </a:p>
-        </p:txBody>
-      </p:sp>
-      <p:sp>
-        <p:nvSpPr>
-          <p:cNvPr id="3" name="Content Placeholder 2">
-            <a:extLst>
-              <a:ext uri="{FF2B5EF4-FFF2-40B4-BE49-F238E27FC236}">
-                <a16:creationId xmlns:a16="http://schemas.microsoft.com/office/drawing/2014/main" id="{48D0D77A-5AC7-4A74-A789-77F01B2C51F3}"/>
-              </a:ext>
-            </a:extLst>
-          </p:cNvPr>
+            <a:endParaRPr lang="en-US" dirty="0"/>
+          </a:p>
+        </p:txBody>
+      </p:sp>
+      <p:sp>
+        <p:nvSpPr>
+          <p:cNvPr id="3" name="Content Placeholder 2"/>
           <p:cNvSpPr>
             <a:spLocks noGrp="1"/>
           </p:cNvSpPr>
@@ -2222,41 +6566,13 @@
         </p:nvSpPr>
         <p:spPr>
           <a:xfrm>
-            <a:off x="5183188" y="987425"/>
-            <a:ext cx="6172200" cy="4873625"/>
+            <a:off x="4685846" y="2336873"/>
+            <a:ext cx="5608336" cy="3599313"/>
           </a:xfrm>
         </p:spPr>
         <p:txBody>
           <a:bodyPr/>
-          <a:lstStyle>
-            <a:lvl1pPr>
-              <a:defRPr sz="3200"/>
-            </a:lvl1pPr>
-            <a:lvl2pPr>
-              <a:defRPr sz="2800"/>
-            </a:lvl2pPr>
-            <a:lvl3pPr>
-              <a:defRPr sz="2400"/>
-            </a:lvl3pPr>
-            <a:lvl4pPr>
-              <a:defRPr sz="2000"/>
-            </a:lvl4pPr>
-            <a:lvl5pPr>
-              <a:defRPr sz="2000"/>
-            </a:lvl5pPr>
-            <a:lvl6pPr>
-              <a:defRPr sz="2000"/>
-            </a:lvl6pPr>
-            <a:lvl7pPr>
-              <a:defRPr sz="2000"/>
-            </a:lvl7pPr>
-            <a:lvl8pPr>
-              <a:defRPr sz="2000"/>
-            </a:lvl8pPr>
-            <a:lvl9pPr>
-              <a:defRPr sz="2000"/>
-            </a:lvl9pPr>
-          </a:lstStyle>
+          <a:lstStyle/>
           <a:p>
             <a:pPr lvl="0"/>
             <a:r>
@@ -2291,18 +6607,13 @@
               <a:rPr lang="en-US"/>
               <a:t>Fifth level</a:t>
             </a:r>
-          </a:p>
-        </p:txBody>
-      </p:sp>
-      <p:sp>
-        <p:nvSpPr>
-          <p:cNvPr id="4" name="Text Placeholder 3">
-            <a:extLst>
-              <a:ext uri="{FF2B5EF4-FFF2-40B4-BE49-F238E27FC236}">
-                <a16:creationId xmlns:a16="http://schemas.microsoft.com/office/drawing/2014/main" id="{0CEBA658-4703-4E07-985F-8E741B503176}"/>
-              </a:ext>
-            </a:extLst>
-          </p:cNvPr>
+            <a:endParaRPr lang="en-US" dirty="0"/>
+          </a:p>
+        </p:txBody>
+      </p:sp>
+      <p:sp>
+        <p:nvSpPr>
+          <p:cNvPr id="4" name="Text Placeholder 3"/>
           <p:cNvSpPr>
             <a:spLocks noGrp="1"/>
           </p:cNvSpPr>
@@ -2312,12 +6623,12 @@
         </p:nvSpPr>
         <p:spPr>
           <a:xfrm>
-            <a:off x="839788" y="2057400"/>
-            <a:ext cx="3932237" cy="3811588"/>
-          </a:xfrm>
-        </p:spPr>
-        <p:txBody>
-          <a:bodyPr/>
+            <a:off x="680322" y="2336872"/>
+            <a:ext cx="3790078" cy="3599317"/>
+          </a:xfrm>
+        </p:spPr>
+        <p:txBody>
+          <a:bodyPr anchor="ctr"/>
           <a:lstStyle>
             <a:lvl1pPr marL="0" indent="0">
               <a:buNone/>
@@ -2367,13 +6678,7 @@
       </p:sp>
       <p:sp>
         <p:nvSpPr>
-          <p:cNvPr id="5" name="Date Placeholder 4">
-            <a:extLst>
-              <a:ext uri="{FF2B5EF4-FFF2-40B4-BE49-F238E27FC236}">
-                <a16:creationId xmlns:a16="http://schemas.microsoft.com/office/drawing/2014/main" id="{4998E768-5469-447A-9E37-A0B118A8981E}"/>
-              </a:ext>
-            </a:extLst>
-          </p:cNvPr>
+          <p:cNvPr id="5" name="Date Placeholder 4"/>
           <p:cNvSpPr>
             <a:spLocks noGrp="1"/>
           </p:cNvSpPr>
@@ -2396,13 +6701,7 @@
       </p:sp>
       <p:sp>
         <p:nvSpPr>
-          <p:cNvPr id="6" name="Footer Placeholder 5">
-            <a:extLst>
-              <a:ext uri="{FF2B5EF4-FFF2-40B4-BE49-F238E27FC236}">
-                <a16:creationId xmlns:a16="http://schemas.microsoft.com/office/drawing/2014/main" id="{274CEAE9-C805-42DD-9514-6F7011DD9D9C}"/>
-              </a:ext>
-            </a:extLst>
-          </p:cNvPr>
+          <p:cNvPr id="6" name="Footer Placeholder 5"/>
           <p:cNvSpPr>
             <a:spLocks noGrp="1"/>
           </p:cNvSpPr>
@@ -2421,13 +6720,7 @@
       </p:sp>
       <p:sp>
         <p:nvSpPr>
-          <p:cNvPr id="7" name="Slide Number Placeholder 6">
-            <a:extLst>
-              <a:ext uri="{FF2B5EF4-FFF2-40B4-BE49-F238E27FC236}">
-                <a16:creationId xmlns:a16="http://schemas.microsoft.com/office/drawing/2014/main" id="{B48D50C6-812F-4CAA-AC76-489725B560A1}"/>
-              </a:ext>
-            </a:extLst>
-          </p:cNvPr>
+          <p:cNvPr id="7" name="Slide Number Placeholder 6"/>
           <p:cNvSpPr>
             <a:spLocks noGrp="1"/>
           </p:cNvSpPr>
@@ -2451,7 +6744,7 @@
     </p:spTree>
     <p:extLst>
       <p:ext uri="{BB962C8B-B14F-4D97-AF65-F5344CB8AC3E}">
-        <p14:creationId xmlns:p14="http://schemas.microsoft.com/office/powerpoint/2010/main" val="368035372"/>
+        <p14:creationId xmlns:p14="http://schemas.microsoft.com/office/powerpoint/2010/main" val="3581701098"/>
       </p:ext>
     </p:extLst>
   </p:cSld>
@@ -2478,15 +6771,148 @@
           <a:chExt cx="0" cy="0"/>
         </a:xfrm>
       </p:grpSpPr>
-      <p:sp>
-        <p:nvSpPr>
-          <p:cNvPr id="2" name="Title 1">
+      <p:pic>
+        <p:nvPicPr>
+          <p:cNvPr id="8" name="Picture 7" descr="HD-ShadowLong.png"/>
+          <p:cNvPicPr>
+            <a:picLocks noChangeAspect="1"/>
+          </p:cNvPicPr>
+          <p:nvPr/>
+        </p:nvPicPr>
+        <p:blipFill>
+          <a:blip r:embed="rId2">
             <a:extLst>
-              <a:ext uri="{FF2B5EF4-FFF2-40B4-BE49-F238E27FC236}">
-                <a16:creationId xmlns:a16="http://schemas.microsoft.com/office/drawing/2014/main" id="{582B455A-A2AD-49A6-B74D-AABA9F9AAC13}"/>
+              <a:ext uri="{28A0092B-C50C-407E-A947-70E740481C1C}">
+                <a14:useLocalDpi xmlns:a14="http://schemas.microsoft.com/office/drawing/2010/main" val="0"/>
               </a:ext>
             </a:extLst>
-          </p:cNvPr>
+          </a:blip>
+          <a:stretch>
+            <a:fillRect/>
+          </a:stretch>
+        </p:blipFill>
+        <p:spPr>
+          <a:xfrm>
+            <a:off x="1" y="1970240"/>
+            <a:ext cx="10437812" cy="321164"/>
+          </a:xfrm>
+          <a:prstGeom prst="rect">
+            <a:avLst/>
+          </a:prstGeom>
+        </p:spPr>
+      </p:pic>
+      <p:pic>
+        <p:nvPicPr>
+          <p:cNvPr id="9" name="Picture 8" descr="HD-ShadowShort.png"/>
+          <p:cNvPicPr>
+            <a:picLocks noChangeAspect="1"/>
+          </p:cNvPicPr>
+          <p:nvPr/>
+        </p:nvPicPr>
+        <p:blipFill>
+          <a:blip r:embed="rId3">
+            <a:extLst>
+              <a:ext uri="{28A0092B-C50C-407E-A947-70E740481C1C}">
+                <a14:useLocalDpi xmlns:a14="http://schemas.microsoft.com/office/drawing/2010/main" val="0"/>
+              </a:ext>
+            </a:extLst>
+          </a:blip>
+          <a:stretch>
+            <a:fillRect/>
+          </a:stretch>
+        </p:blipFill>
+        <p:spPr>
+          <a:xfrm>
+            <a:off x="10585826" y="1971234"/>
+            <a:ext cx="1602997" cy="144270"/>
+          </a:xfrm>
+          <a:prstGeom prst="rect">
+            <a:avLst/>
+          </a:prstGeom>
+        </p:spPr>
+      </p:pic>
+      <p:sp>
+        <p:nvSpPr>
+          <p:cNvPr id="10" name="Rectangle 9"/>
+          <p:cNvSpPr/>
+          <p:nvPr/>
+        </p:nvSpPr>
+        <p:spPr bwMode="ltGray">
+          <a:xfrm>
+            <a:off x="0" y="609600"/>
+            <a:ext cx="10437812" cy="1368198"/>
+          </a:xfrm>
+          <a:prstGeom prst="rect">
+            <a:avLst/>
+          </a:prstGeom>
+          <a:solidFill>
+            <a:schemeClr val="bg1">
+              <a:lumMod val="85000"/>
+              <a:lumOff val="15000"/>
+            </a:schemeClr>
+          </a:solidFill>
+          <a:ln>
+            <a:noFill/>
+          </a:ln>
+        </p:spPr>
+        <p:style>
+          <a:lnRef idx="2">
+            <a:schemeClr val="accent1">
+              <a:shade val="50000"/>
+            </a:schemeClr>
+          </a:lnRef>
+          <a:fillRef idx="1">
+            <a:schemeClr val="accent1"/>
+          </a:fillRef>
+          <a:effectRef idx="0">
+            <a:schemeClr val="accent1"/>
+          </a:effectRef>
+          <a:fontRef idx="minor">
+            <a:schemeClr val="lt1"/>
+          </a:fontRef>
+        </p:style>
+      </p:sp>
+      <p:sp>
+        <p:nvSpPr>
+          <p:cNvPr id="11" name="Rectangle 10"/>
+          <p:cNvSpPr/>
+          <p:nvPr/>
+        </p:nvSpPr>
+        <p:spPr>
+          <a:xfrm>
+            <a:off x="10585827" y="609600"/>
+            <a:ext cx="1602997" cy="1368198"/>
+          </a:xfrm>
+          <a:prstGeom prst="rect">
+            <a:avLst/>
+          </a:prstGeom>
+          <a:solidFill>
+            <a:schemeClr val="accent1"/>
+          </a:solidFill>
+          <a:ln>
+            <a:noFill/>
+          </a:ln>
+        </p:spPr>
+        <p:style>
+          <a:lnRef idx="2">
+            <a:schemeClr val="accent1">
+              <a:shade val="50000"/>
+            </a:schemeClr>
+          </a:lnRef>
+          <a:fillRef idx="1">
+            <a:schemeClr val="accent1"/>
+          </a:fillRef>
+          <a:effectRef idx="0">
+            <a:schemeClr val="accent1"/>
+          </a:effectRef>
+          <a:fontRef idx="minor">
+            <a:schemeClr val="lt1"/>
+          </a:fontRef>
+        </p:style>
+      </p:sp>
+      <p:sp>
+        <p:nvSpPr>
+          <p:cNvPr id="2" name="Title 1"/>
           <p:cNvSpPr>
             <a:spLocks noGrp="1"/>
           </p:cNvSpPr>
@@ -2496,15 +6922,17 @@
         </p:nvSpPr>
         <p:spPr>
           <a:xfrm>
-            <a:off x="839788" y="457200"/>
-            <a:ext cx="3932237" cy="1600200"/>
-          </a:xfrm>
-        </p:spPr>
-        <p:txBody>
-          <a:bodyPr anchor="b"/>
+            <a:off x="680323" y="753228"/>
+            <a:ext cx="9613857" cy="1080938"/>
+          </a:xfrm>
+        </p:spPr>
+        <p:txBody>
+          <a:bodyPr anchor="ctr">
+            <a:normAutofit/>
+          </a:bodyPr>
           <a:lstStyle>
             <a:lvl1pPr>
-              <a:defRPr sz="3200"/>
+              <a:defRPr sz="3600"/>
             </a:lvl1pPr>
           </a:lstStyle>
           <a:p>
@@ -2512,20 +6940,15 @@
               <a:rPr lang="en-US"/>
               <a:t>Click to edit Master title style</a:t>
             </a:r>
-          </a:p>
-        </p:txBody>
-      </p:sp>
-      <p:sp>
-        <p:nvSpPr>
-          <p:cNvPr id="3" name="Picture Placeholder 2">
-            <a:extLst>
-              <a:ext uri="{FF2B5EF4-FFF2-40B4-BE49-F238E27FC236}">
-                <a16:creationId xmlns:a16="http://schemas.microsoft.com/office/drawing/2014/main" id="{EB0A61E5-577F-467A-84AC-E18525DFED4E}"/>
-              </a:ext>
-            </a:extLst>
-          </p:cNvPr>
-          <p:cNvSpPr>
-            <a:spLocks noGrp="1"/>
+            <a:endParaRPr lang="en-US" dirty="0"/>
+          </a:p>
+        </p:txBody>
+      </p:sp>
+      <p:sp>
+        <p:nvSpPr>
+          <p:cNvPr id="3" name="Picture Placeholder 2"/>
+          <p:cNvSpPr>
+            <a:spLocks noGrp="1" noChangeAspect="1"/>
           </p:cNvSpPr>
           <p:nvPr>
             <p:ph type="pic" idx="1"/>
@@ -2533,12 +6956,23 @@
         </p:nvSpPr>
         <p:spPr>
           <a:xfrm>
-            <a:off x="5183188" y="987425"/>
-            <a:ext cx="6172200" cy="4873625"/>
-          </a:xfrm>
-        </p:spPr>
-        <p:txBody>
-          <a:bodyPr/>
+            <a:off x="4868333" y="2336874"/>
+            <a:ext cx="5425849" cy="3599312"/>
+          </a:xfrm>
+          <a:noFill/>
+          <a:ln>
+            <a:noFill/>
+          </a:ln>
+          <a:effectLst>
+            <a:outerShdw blurRad="76200" dist="63500" dir="5040000" algn="tl" rotWithShape="0">
+              <a:srgbClr val="000000">
+                <a:alpha val="41000"/>
+              </a:srgbClr>
+            </a:outerShdw>
+          </a:effectLst>
+        </p:spPr>
+        <p:txBody>
+          <a:bodyPr anchor="t"/>
           <a:lstStyle>
             <a:lvl1pPr marL="0" indent="0">
               <a:buNone/>
@@ -2578,19 +7012,17 @@
             </a:lvl9pPr>
           </a:lstStyle>
           <a:p>
-            <a:endParaRPr lang="en-US"/>
-          </a:p>
-        </p:txBody>
-      </p:sp>
-      <p:sp>
-        <p:nvSpPr>
-          <p:cNvPr id="4" name="Text Placeholder 3">
-            <a:extLst>
-              <a:ext uri="{FF2B5EF4-FFF2-40B4-BE49-F238E27FC236}">
-                <a16:creationId xmlns:a16="http://schemas.microsoft.com/office/drawing/2014/main" id="{E1424841-85C4-43BE-B152-658CCFB04DB9}"/>
-              </a:ext>
-            </a:extLst>
-          </p:cNvPr>
+            <a:r>
+              <a:rPr lang="en-US"/>
+              <a:t>Click icon to add picture</a:t>
+            </a:r>
+            <a:endParaRPr lang="en-US" dirty="0"/>
+          </a:p>
+        </p:txBody>
+      </p:sp>
+      <p:sp>
+        <p:nvSpPr>
+          <p:cNvPr id="4" name="Text Placeholder 3"/>
           <p:cNvSpPr>
             <a:spLocks noGrp="1"/>
           </p:cNvSpPr>
@@ -2600,12 +7032,12 @@
         </p:nvSpPr>
         <p:spPr>
           <a:xfrm>
-            <a:off x="839788" y="2057400"/>
-            <a:ext cx="3932237" cy="3811588"/>
-          </a:xfrm>
-        </p:spPr>
-        <p:txBody>
-          <a:bodyPr/>
+            <a:off x="680323" y="2336873"/>
+            <a:ext cx="3876256" cy="3599315"/>
+          </a:xfrm>
+        </p:spPr>
+        <p:txBody>
+          <a:bodyPr anchor="ctr"/>
           <a:lstStyle>
             <a:lvl1pPr marL="0" indent="0">
               <a:buNone/>
@@ -2655,13 +7087,7 @@
       </p:sp>
       <p:sp>
         <p:nvSpPr>
-          <p:cNvPr id="5" name="Date Placeholder 4">
-            <a:extLst>
-              <a:ext uri="{FF2B5EF4-FFF2-40B4-BE49-F238E27FC236}">
-                <a16:creationId xmlns:a16="http://schemas.microsoft.com/office/drawing/2014/main" id="{6F65E237-07B5-4EBB-8A4E-73AD6B6E412A}"/>
-              </a:ext>
-            </a:extLst>
-          </p:cNvPr>
+          <p:cNvPr id="5" name="Date Placeholder 4"/>
           <p:cNvSpPr>
             <a:spLocks noGrp="1"/>
           </p:cNvSpPr>
@@ -2684,13 +7110,7 @@
       </p:sp>
       <p:sp>
         <p:nvSpPr>
-          <p:cNvPr id="6" name="Footer Placeholder 5">
-            <a:extLst>
-              <a:ext uri="{FF2B5EF4-FFF2-40B4-BE49-F238E27FC236}">
-                <a16:creationId xmlns:a16="http://schemas.microsoft.com/office/drawing/2014/main" id="{D314D011-4F31-4663-9D8D-5595381A0B16}"/>
-              </a:ext>
-            </a:extLst>
-          </p:cNvPr>
+          <p:cNvPr id="6" name="Footer Placeholder 5"/>
           <p:cNvSpPr>
             <a:spLocks noGrp="1"/>
           </p:cNvSpPr>
@@ -2709,13 +7129,7 @@
       </p:sp>
       <p:sp>
         <p:nvSpPr>
-          <p:cNvPr id="7" name="Slide Number Placeholder 6">
-            <a:extLst>
-              <a:ext uri="{FF2B5EF4-FFF2-40B4-BE49-F238E27FC236}">
-                <a16:creationId xmlns:a16="http://schemas.microsoft.com/office/drawing/2014/main" id="{127CA967-AAAA-4B2A-8B3C-F0A63BC8AAED}"/>
-              </a:ext>
-            </a:extLst>
-          </p:cNvPr>
+          <p:cNvPr id="7" name="Slide Number Placeholder 6"/>
           <p:cNvSpPr>
             <a:spLocks noGrp="1"/>
           </p:cNvSpPr>
@@ -2739,7 +7153,7 @@
     </p:spTree>
     <p:extLst>
       <p:ext uri="{BB962C8B-B14F-4D97-AF65-F5344CB8AC3E}">
-        <p14:creationId xmlns:p14="http://schemas.microsoft.com/office/powerpoint/2010/main" val="2846141427"/>
+        <p14:creationId xmlns:p14="http://schemas.microsoft.com/office/powerpoint/2010/main" val="2599518535"/>
       </p:ext>
     </p:extLst>
   </p:cSld>
@@ -2753,8 +7167,8 @@
 <p:sldMaster xmlns:a="http://schemas.openxmlformats.org/drawingml/2006/main" xmlns:r="http://schemas.openxmlformats.org/officeDocument/2006/relationships" xmlns:p="http://schemas.openxmlformats.org/presentationml/2006/main">
   <p:cSld>
     <p:bg>
-      <p:bgRef idx="1001">
-        <a:schemeClr val="bg1"/>
+      <p:bgRef idx="1003">
+        <a:schemeClr val="bg2"/>
       </p:bgRef>
     </p:bg>
     <p:spTree>
@@ -2771,15 +7185,40 @@
           <a:chExt cx="0" cy="0"/>
         </a:xfrm>
       </p:grpSpPr>
-      <p:sp>
-        <p:nvSpPr>
-          <p:cNvPr id="2" name="Title Placeholder 1">
+      <p:pic>
+        <p:nvPicPr>
+          <p:cNvPr id="7" name="Picture 6" descr="hashOverlay-FullResolve.png"/>
+          <p:cNvPicPr>
+            <a:picLocks noChangeAspect="1"/>
+          </p:cNvPicPr>
+          <p:nvPr/>
+        </p:nvPicPr>
+        <p:blipFill>
+          <a:blip r:embed="rId19">
+            <a:alphaModFix amt="10000"/>
             <a:extLst>
-              <a:ext uri="{FF2B5EF4-FFF2-40B4-BE49-F238E27FC236}">
-                <a16:creationId xmlns:a16="http://schemas.microsoft.com/office/drawing/2014/main" id="{54EE4230-DDC3-4C1C-93DB-747AEE412B1A}"/>
+              <a:ext uri="{28A0092B-C50C-407E-A947-70E740481C1C}">
+                <a14:useLocalDpi xmlns:a14="http://schemas.microsoft.com/office/drawing/2010/main" val="0"/>
               </a:ext>
             </a:extLst>
-          </p:cNvPr>
+          </a:blip>
+          <a:stretch>
+            <a:fillRect/>
+          </a:stretch>
+        </p:blipFill>
+        <p:spPr>
+          <a:xfrm>
+            <a:off x="0" y="0"/>
+            <a:ext cx="12192000" cy="6858000"/>
+          </a:xfrm>
+          <a:prstGeom prst="rect">
+            <a:avLst/>
+          </a:prstGeom>
+        </p:spPr>
+      </p:pic>
+      <p:sp>
+        <p:nvSpPr>
+          <p:cNvPr id="2" name="Title Placeholder 1"/>
           <p:cNvSpPr>
             <a:spLocks noGrp="1"/>
           </p:cNvSpPr>
@@ -2789,8 +7228,8 @@
         </p:nvSpPr>
         <p:spPr>
           <a:xfrm>
-            <a:off x="838200" y="365125"/>
-            <a:ext cx="10515600" cy="1325563"/>
+            <a:off x="680321" y="753228"/>
+            <a:ext cx="9613861" cy="1080938"/>
           </a:xfrm>
           <a:prstGeom prst="rect">
             <a:avLst/>
@@ -2806,18 +7245,13 @@
               <a:rPr lang="en-US"/>
               <a:t>Click to edit Master title style</a:t>
             </a:r>
-          </a:p>
-        </p:txBody>
-      </p:sp>
-      <p:sp>
-        <p:nvSpPr>
-          <p:cNvPr id="3" name="Text Placeholder 2">
-            <a:extLst>
-              <a:ext uri="{FF2B5EF4-FFF2-40B4-BE49-F238E27FC236}">
-                <a16:creationId xmlns:a16="http://schemas.microsoft.com/office/drawing/2014/main" id="{CCD22675-F4CB-42A6-95EF-8027B4748051}"/>
-              </a:ext>
-            </a:extLst>
-          </p:cNvPr>
+            <a:endParaRPr lang="en-US" dirty="0"/>
+          </a:p>
+        </p:txBody>
+      </p:sp>
+      <p:sp>
+        <p:nvSpPr>
+          <p:cNvPr id="3" name="Text Placeholder 2"/>
           <p:cNvSpPr>
             <a:spLocks noGrp="1"/>
           </p:cNvSpPr>
@@ -2827,8 +7261,8 @@
         </p:nvSpPr>
         <p:spPr>
           <a:xfrm>
-            <a:off x="838200" y="1825625"/>
-            <a:ext cx="10515600" cy="4351338"/>
+            <a:off x="680321" y="2336873"/>
+            <a:ext cx="9613861" cy="3599316"/>
           </a:xfrm>
           <a:prstGeom prst="rect">
             <a:avLst/>
@@ -2873,18 +7307,13 @@
               <a:rPr lang="en-US"/>
               <a:t>Fifth level</a:t>
             </a:r>
-          </a:p>
-        </p:txBody>
-      </p:sp>
-      <p:sp>
-        <p:nvSpPr>
-          <p:cNvPr id="4" name="Date Placeholder 3">
-            <a:extLst>
-              <a:ext uri="{FF2B5EF4-FFF2-40B4-BE49-F238E27FC236}">
-                <a16:creationId xmlns:a16="http://schemas.microsoft.com/office/drawing/2014/main" id="{2D0267EA-65C5-45E3-AE64-35F3DF1B90B9}"/>
-              </a:ext>
-            </a:extLst>
-          </p:cNvPr>
+            <a:endParaRPr lang="en-US" dirty="0"/>
+          </a:p>
+        </p:txBody>
+      </p:sp>
+      <p:sp>
+        <p:nvSpPr>
+          <p:cNvPr id="4" name="Date Placeholder 3"/>
           <p:cNvSpPr>
             <a:spLocks noGrp="1"/>
           </p:cNvSpPr>
@@ -2894,7 +7323,7 @@
         </p:nvSpPr>
         <p:spPr>
           <a:xfrm>
-            <a:off x="838200" y="6356350"/>
+            <a:off x="7550981" y="5936187"/>
             <a:ext cx="2743200" cy="365125"/>
           </a:xfrm>
           <a:prstGeom prst="rect">
@@ -2904,8 +7333,8 @@
         <p:txBody>
           <a:bodyPr vert="horz" lIns="91440" tIns="45720" rIns="91440" bIns="45720" rtlCol="0" anchor="ctr"/>
           <a:lstStyle>
-            <a:lvl1pPr algn="l">
-              <a:defRPr sz="1200">
+            <a:lvl1pPr algn="r">
+              <a:defRPr sz="1050">
                 <a:solidFill>
                   <a:schemeClr val="tx1">
                     <a:tint val="75000"/>
@@ -2925,13 +7354,7 @@
       </p:sp>
       <p:sp>
         <p:nvSpPr>
-          <p:cNvPr id="5" name="Footer Placeholder 4">
-            <a:extLst>
-              <a:ext uri="{FF2B5EF4-FFF2-40B4-BE49-F238E27FC236}">
-                <a16:creationId xmlns:a16="http://schemas.microsoft.com/office/drawing/2014/main" id="{BCD11499-3E16-49A5-B882-67D2D9AA8D48}"/>
-              </a:ext>
-            </a:extLst>
-          </p:cNvPr>
+          <p:cNvPr id="5" name="Footer Placeholder 4"/>
           <p:cNvSpPr>
             <a:spLocks noGrp="1"/>
           </p:cNvSpPr>
@@ -2941,8 +7364,8 @@
         </p:nvSpPr>
         <p:spPr>
           <a:xfrm>
-            <a:off x="4038600" y="6356350"/>
-            <a:ext cx="4114800" cy="365125"/>
+            <a:off x="680321" y="5936188"/>
+            <a:ext cx="6870660" cy="365125"/>
           </a:xfrm>
           <a:prstGeom prst="rect">
             <a:avLst/>
@@ -2951,8 +7374,8 @@
         <p:txBody>
           <a:bodyPr vert="horz" lIns="91440" tIns="45720" rIns="91440" bIns="45720" rtlCol="0" anchor="ctr"/>
           <a:lstStyle>
-            <a:lvl1pPr algn="ctr">
-              <a:defRPr sz="1200">
+            <a:lvl1pPr algn="l">
+              <a:defRPr sz="1050">
                 <a:solidFill>
                   <a:schemeClr val="tx1">
                     <a:tint val="75000"/>
@@ -2968,13 +7391,7 @@
       </p:sp>
       <p:sp>
         <p:nvSpPr>
-          <p:cNvPr id="6" name="Slide Number Placeholder 5">
-            <a:extLst>
-              <a:ext uri="{FF2B5EF4-FFF2-40B4-BE49-F238E27FC236}">
-                <a16:creationId xmlns:a16="http://schemas.microsoft.com/office/drawing/2014/main" id="{9E73C73E-D707-4D1F-9C88-B95E3414FE64}"/>
-              </a:ext>
-            </a:extLst>
-          </p:cNvPr>
+          <p:cNvPr id="6" name="Slide Number Placeholder 5"/>
           <p:cNvSpPr>
             <a:spLocks noGrp="1"/>
           </p:cNvSpPr>
@@ -2984,8 +7401,8 @@
         </p:nvSpPr>
         <p:spPr>
           <a:xfrm>
-            <a:off x="8610600" y="6356350"/>
-            <a:ext cx="2743200" cy="365125"/>
+            <a:off x="10729455" y="753227"/>
+            <a:ext cx="1154151" cy="1090789"/>
           </a:xfrm>
           <a:prstGeom prst="rect">
             <a:avLst/>
@@ -2994,8 +7411,8 @@
         <p:txBody>
           <a:bodyPr vert="horz" lIns="91440" tIns="45720" rIns="91440" bIns="45720" rtlCol="0" anchor="ctr"/>
           <a:lstStyle>
-            <a:lvl1pPr algn="r">
-              <a:defRPr sz="1200">
+            <a:lvl1pPr algn="l">
+              <a:defRPr sz="3600">
                 <a:solidFill>
                   <a:schemeClr val="tx1">
                     <a:tint val="75000"/>
@@ -3016,23 +7433,29 @@
     </p:spTree>
     <p:extLst>
       <p:ext uri="{BB962C8B-B14F-4D97-AF65-F5344CB8AC3E}">
-        <p14:creationId xmlns:p14="http://schemas.microsoft.com/office/powerpoint/2010/main" val="3761192718"/>
+        <p14:creationId xmlns:p14="http://schemas.microsoft.com/office/powerpoint/2010/main" val="3304719903"/>
       </p:ext>
     </p:extLst>
   </p:cSld>
-  <p:clrMap bg1="lt1" tx1="dk1" bg2="lt2" tx2="dk2" accent1="accent1" accent2="accent2" accent3="accent3" accent4="accent4" accent5="accent5" accent6="accent6" hlink="hlink" folHlink="folHlink"/>
+  <p:clrMap bg1="dk1" tx1="lt1" bg2="dk2" tx2="lt2" accent1="accent1" accent2="accent2" accent3="accent3" accent4="accent4" accent5="accent5" accent6="accent6" hlink="hlink" folHlink="folHlink"/>
   <p:sldLayoutIdLst>
-    <p:sldLayoutId id="2147483649" r:id="rId1"/>
-    <p:sldLayoutId id="2147483650" r:id="rId2"/>
-    <p:sldLayoutId id="2147483651" r:id="rId3"/>
-    <p:sldLayoutId id="2147483652" r:id="rId4"/>
-    <p:sldLayoutId id="2147483653" r:id="rId5"/>
-    <p:sldLayoutId id="2147483654" r:id="rId6"/>
-    <p:sldLayoutId id="2147483655" r:id="rId7"/>
-    <p:sldLayoutId id="2147483656" r:id="rId8"/>
-    <p:sldLayoutId id="2147483657" r:id="rId9"/>
-    <p:sldLayoutId id="2147483658" r:id="rId10"/>
-    <p:sldLayoutId id="2147483659" r:id="rId11"/>
+    <p:sldLayoutId id="2147483661" r:id="rId1"/>
+    <p:sldLayoutId id="2147483662" r:id="rId2"/>
+    <p:sldLayoutId id="2147483663" r:id="rId3"/>
+    <p:sldLayoutId id="2147483664" r:id="rId4"/>
+    <p:sldLayoutId id="2147483665" r:id="rId5"/>
+    <p:sldLayoutId id="2147483666" r:id="rId6"/>
+    <p:sldLayoutId id="2147483667" r:id="rId7"/>
+    <p:sldLayoutId id="2147483668" r:id="rId8"/>
+    <p:sldLayoutId id="2147483669" r:id="rId9"/>
+    <p:sldLayoutId id="2147483670" r:id="rId10"/>
+    <p:sldLayoutId id="2147483671" r:id="rId11"/>
+    <p:sldLayoutId id="2147483672" r:id="rId12"/>
+    <p:sldLayoutId id="2147483673" r:id="rId13"/>
+    <p:sldLayoutId id="2147483674" r:id="rId14"/>
+    <p:sldLayoutId id="2147483675" r:id="rId15"/>
+    <p:sldLayoutId id="2147483676" r:id="rId16"/>
+    <p:sldLayoutId id="2147483677" r:id="rId17"/>
   </p:sldLayoutIdLst>
   <p:txStyles>
     <p:titleStyle>
@@ -3044,7 +7467,7 @@
           <a:spcPct val="0"/>
         </a:spcBef>
         <a:buNone/>
-        <a:defRPr sz="4400" kern="1200">
+        <a:defRPr sz="3600" kern="1200">
           <a:solidFill>
             <a:schemeClr val="tx1"/>
           </a:solidFill>
@@ -3064,7 +7487,7 @@
         </a:spcBef>
         <a:buFont typeface="Arial" panose="020B0604020202020204" pitchFamily="34" charset="0"/>
         <a:buChar char="•"/>
-        <a:defRPr sz="2800" kern="1200">
+        <a:defRPr sz="2400" kern="1200">
           <a:solidFill>
             <a:schemeClr val="tx1"/>
           </a:solidFill>
@@ -3082,7 +7505,7 @@
         </a:spcBef>
         <a:buFont typeface="Arial" panose="020B0604020202020204" pitchFamily="34" charset="0"/>
         <a:buChar char="•"/>
-        <a:defRPr sz="2400" kern="1200">
+        <a:defRPr sz="2000" kern="1200">
           <a:solidFill>
             <a:schemeClr val="tx1"/>
           </a:solidFill>
@@ -3100,7 +7523,7 @@
         </a:spcBef>
         <a:buFont typeface="Arial" panose="020B0604020202020204" pitchFamily="34" charset="0"/>
         <a:buChar char="•"/>
-        <a:defRPr sz="2000" kern="1200">
+        <a:defRPr sz="1800" kern="1200">
           <a:solidFill>
             <a:schemeClr val="tx1"/>
           </a:solidFill>
@@ -3118,7 +7541,7 @@
         </a:spcBef>
         <a:buFont typeface="Arial" panose="020B0604020202020204" pitchFamily="34" charset="0"/>
         <a:buChar char="•"/>
-        <a:defRPr sz="1800" kern="1200">
+        <a:defRPr sz="1600" kern="1200">
           <a:solidFill>
             <a:schemeClr val="tx1"/>
           </a:solidFill>
@@ -3136,7 +7559,7 @@
         </a:spcBef>
         <a:buFont typeface="Arial" panose="020B0604020202020204" pitchFamily="34" charset="0"/>
         <a:buChar char="•"/>
-        <a:defRPr sz="1800" kern="1200">
+        <a:defRPr sz="1600" kern="1200">
           <a:solidFill>
             <a:schemeClr val="tx1"/>
           </a:solidFill>
@@ -3154,7 +7577,7 @@
         </a:spcBef>
         <a:buFont typeface="Arial" panose="020B0604020202020204" pitchFamily="34" charset="0"/>
         <a:buChar char="•"/>
-        <a:defRPr sz="1800" kern="1200">
+        <a:defRPr sz="1400" kern="1200">
           <a:solidFill>
             <a:schemeClr val="tx1"/>
           </a:solidFill>
@@ -3172,7 +7595,7 @@
         </a:spcBef>
         <a:buFont typeface="Arial" panose="020B0604020202020204" pitchFamily="34" charset="0"/>
         <a:buChar char="•"/>
-        <a:defRPr sz="1800" kern="1200">
+        <a:defRPr sz="1400" kern="1200">
           <a:solidFill>
             <a:schemeClr val="tx1"/>
           </a:solidFill>
@@ -3190,7 +7613,7 @@
         </a:spcBef>
         <a:buFont typeface="Arial" panose="020B0604020202020204" pitchFamily="34" charset="0"/>
         <a:buChar char="•"/>
-        <a:defRPr sz="1800" kern="1200">
+        <a:defRPr sz="1400" kern="1200">
           <a:solidFill>
             <a:schemeClr val="tx1"/>
           </a:solidFill>
@@ -3208,7 +7631,7 @@
         </a:spcBef>
         <a:buFont typeface="Arial" panose="020B0604020202020204" pitchFamily="34" charset="0"/>
         <a:buChar char="•"/>
-        <a:defRPr sz="1800" kern="1200">
+        <a:defRPr sz="1400" kern="1200">
           <a:solidFill>
             <a:schemeClr val="tx1"/>
           </a:solidFill>
@@ -3409,6 +7832,161 @@
 </p:sld>
 </file>
 
+<file path=ppt/slides/slide10.xml><?xml version="1.0" encoding="utf-8"?>
+<p:sld xmlns:a="http://schemas.openxmlformats.org/drawingml/2006/main" xmlns:r="http://schemas.openxmlformats.org/officeDocument/2006/relationships" xmlns:p="http://schemas.openxmlformats.org/presentationml/2006/main">
+  <p:cSld>
+    <p:spTree>
+      <p:nvGrpSpPr>
+        <p:cNvPr id="1" name=""/>
+        <p:cNvGrpSpPr/>
+        <p:nvPr/>
+      </p:nvGrpSpPr>
+      <p:grpSpPr>
+        <a:xfrm>
+          <a:off x="0" y="0"/>
+          <a:ext cx="0" cy="0"/>
+          <a:chOff x="0" y="0"/>
+          <a:chExt cx="0" cy="0"/>
+        </a:xfrm>
+      </p:grpSpPr>
+      <p:sp>
+        <p:nvSpPr>
+          <p:cNvPr id="2" name="Title 1">
+            <a:extLst>
+              <a:ext uri="{FF2B5EF4-FFF2-40B4-BE49-F238E27FC236}">
+                <a16:creationId xmlns:a16="http://schemas.microsoft.com/office/drawing/2014/main" id="{04D35A93-6863-4D2D-97B1-6477E62B3ADE}"/>
+              </a:ext>
+            </a:extLst>
+          </p:cNvPr>
+          <p:cNvSpPr>
+            <a:spLocks noGrp="1"/>
+          </p:cNvSpPr>
+          <p:nvPr>
+            <p:ph type="title"/>
+          </p:nvPr>
+        </p:nvSpPr>
+        <p:spPr/>
+        <p:txBody>
+          <a:bodyPr/>
+          <a:lstStyle/>
+          <a:p>
+            <a:r>
+              <a:rPr lang="en-US" dirty="0"/>
+              <a:t>Resources</a:t>
+            </a:r>
+          </a:p>
+        </p:txBody>
+      </p:sp>
+      <p:sp>
+        <p:nvSpPr>
+          <p:cNvPr id="3" name="Content Placeholder 2">
+            <a:extLst>
+              <a:ext uri="{FF2B5EF4-FFF2-40B4-BE49-F238E27FC236}">
+                <a16:creationId xmlns:a16="http://schemas.microsoft.com/office/drawing/2014/main" id="{8F6CD36E-40DB-4A46-A444-0D162437AECC}"/>
+              </a:ext>
+            </a:extLst>
+          </p:cNvPr>
+          <p:cNvSpPr>
+            <a:spLocks noGrp="1"/>
+          </p:cNvSpPr>
+          <p:nvPr>
+            <p:ph idx="1"/>
+          </p:nvPr>
+        </p:nvSpPr>
+        <p:spPr/>
+        <p:txBody>
+          <a:bodyPr>
+            <a:normAutofit/>
+          </a:bodyPr>
+          <a:lstStyle/>
+          <a:p>
+            <a:r>
+              <a:rPr lang="en-US" dirty="0"/>
+              <a:t>Email: </a:t>
+            </a:r>
+            <a:r>
+              <a:rPr lang="en-US" dirty="0">
+                <a:hlinkClick r:id="rId2"/>
+              </a:rPr>
+              <a:t>jmayo@mayosoftware.com</a:t>
+            </a:r>
+            <a:endParaRPr lang="en-US" dirty="0"/>
+          </a:p>
+          <a:p>
+            <a:r>
+              <a:rPr lang="en-US" dirty="0"/>
+              <a:t>Twitter: @JoeMayo</a:t>
+            </a:r>
+          </a:p>
+          <a:p>
+            <a:r>
+              <a:rPr lang="en-US" dirty="0"/>
+              <a:t>What’s New in C# Docs:</a:t>
+            </a:r>
+          </a:p>
+          <a:p>
+            <a:pPr lvl="1"/>
+            <a:r>
+              <a:rPr lang="en-US" dirty="0">
+                <a:hlinkClick r:id="rId3"/>
+              </a:rPr>
+              <a:t>https://docs.microsoft.com/en-us/dotnet/csharp/whats-new/csharp-9</a:t>
+            </a:r>
+            <a:endParaRPr lang="en-US" dirty="0"/>
+          </a:p>
+          <a:p>
+            <a:r>
+              <a:rPr lang="en-US" dirty="0"/>
+              <a:t>Code:</a:t>
+            </a:r>
+          </a:p>
+          <a:p>
+            <a:pPr lvl="1"/>
+            <a:r>
+              <a:rPr lang="en-US" dirty="0">
+                <a:hlinkClick r:id="rId4"/>
+              </a:rPr>
+              <a:t>https://github.com/JoeMayo/WhatsNewInCSharp9</a:t>
+            </a:r>
+            <a:r>
+              <a:rPr lang="en-US" dirty="0"/>
+              <a:t> </a:t>
+            </a:r>
+          </a:p>
+          <a:p>
+            <a:r>
+              <a:rPr lang="en-US" dirty="0"/>
+              <a:t>LINQ to Twitter:</a:t>
+            </a:r>
+          </a:p>
+          <a:p>
+            <a:pPr lvl="1"/>
+            <a:r>
+              <a:rPr lang="en-US" dirty="0">
+                <a:hlinkClick r:id="rId5"/>
+              </a:rPr>
+              <a:t>https://github.com/JoeMayo/LinqToTwitter</a:t>
+            </a:r>
+            <a:endParaRPr lang="en-US" dirty="0"/>
+          </a:p>
+          <a:p>
+            <a:endParaRPr lang="en-US" dirty="0"/>
+          </a:p>
+        </p:txBody>
+      </p:sp>
+    </p:spTree>
+    <p:extLst>
+      <p:ext uri="{BB962C8B-B14F-4D97-AF65-F5344CB8AC3E}">
+        <p14:creationId xmlns:p14="http://schemas.microsoft.com/office/powerpoint/2010/main" val="3829122087"/>
+      </p:ext>
+    </p:extLst>
+  </p:cSld>
+  <p:clrMapOvr>
+    <a:masterClrMapping/>
+  </p:clrMapOvr>
+</p:sld>
+</file>
+
 <file path=ppt/slides/slide2.xml><?xml version="1.0" encoding="utf-8"?>
 <p:sld xmlns:a="http://schemas.openxmlformats.org/drawingml/2006/main" xmlns:r="http://schemas.openxmlformats.org/officeDocument/2006/relationships" xmlns:p="http://schemas.openxmlformats.org/presentationml/2006/main">
   <p:cSld>
@@ -3556,7 +8134,7 @@
         </p:blipFill>
         <p:spPr>
           <a:xfrm>
-            <a:off x="7690401" y="4065207"/>
+            <a:off x="8893036" y="4136531"/>
             <a:ext cx="1333500" cy="1752600"/>
           </a:xfrm>
           <a:prstGeom prst="rect">
@@ -3592,7 +8170,7 @@
         </p:blipFill>
         <p:spPr>
           <a:xfrm>
-            <a:off x="7315200" y="1399761"/>
+            <a:off x="6341165" y="2336873"/>
             <a:ext cx="1905000" cy="1905000"/>
           </a:xfrm>
           <a:prstGeom prst="rect">
@@ -3681,6 +8259,16 @@
           <a:p>
             <a:r>
               <a:rPr lang="en-US" dirty="0"/>
+              <a:t>C</a:t>
+            </a:r>
+            <a:r>
+              <a:rPr lang="en-US"/>
+              <a:t># History</a:t>
+            </a:r>
+          </a:p>
+          <a:p>
+            <a:r>
+              <a:rPr lang="en-US" dirty="0"/>
               <a:t>Records/Immutability</a:t>
             </a:r>
           </a:p>
@@ -3745,7 +8333,7 @@
           <p:cNvPr id="2" name="Title 1">
             <a:extLst>
               <a:ext uri="{FF2B5EF4-FFF2-40B4-BE49-F238E27FC236}">
-                <a16:creationId xmlns:a16="http://schemas.microsoft.com/office/drawing/2014/main" id="{5F640FB2-14DA-40DB-A426-69EAAD2BC0A4}"/>
+                <a16:creationId xmlns:a16="http://schemas.microsoft.com/office/drawing/2014/main" id="{25DEEE67-B70C-4079-BAC4-1F95D20C7971}"/>
               </a:ext>
             </a:extLst>
           </p:cNvPr>
@@ -3763,7 +8351,7 @@
           <a:p>
             <a:r>
               <a:rPr lang="en-US" dirty="0"/>
-              <a:t>Records/Immutability</a:t>
+              <a:t>C# History</a:t>
             </a:r>
           </a:p>
         </p:txBody>
@@ -3773,7 +8361,7 @@
           <p:cNvPr id="3" name="Content Placeholder 2">
             <a:extLst>
               <a:ext uri="{FF2B5EF4-FFF2-40B4-BE49-F238E27FC236}">
-                <a16:creationId xmlns:a16="http://schemas.microsoft.com/office/drawing/2014/main" id="{2445A5AA-D5E6-4932-8121-6660F75FE407}"/>
+                <a16:creationId xmlns:a16="http://schemas.microsoft.com/office/drawing/2014/main" id="{939C247A-B724-4DE0-ADC6-2784BD4A05D6}"/>
               </a:ext>
             </a:extLst>
           </p:cNvPr>
@@ -3786,71 +8374,56 @@
         </p:nvSpPr>
         <p:spPr/>
         <p:txBody>
-          <a:bodyPr/>
+          <a:bodyPr>
+            <a:normAutofit lnSpcReduction="10000"/>
+          </a:bodyPr>
           <a:lstStyle/>
           <a:p>
             <a:r>
               <a:rPr lang="en-US" dirty="0"/>
-              <a:t>New type “record”</a:t>
-            </a:r>
-          </a:p>
-          <a:p>
-            <a:pPr lvl="1"/>
+              <a:t>V1 – A new object-oriented, component-based language</a:t>
+            </a:r>
+          </a:p>
+          <a:p>
             <a:r>
               <a:rPr lang="en-US" dirty="0"/>
-              <a:t>Like class, struct, interface, </a:t>
-            </a:r>
-            <a:r>
-              <a:rPr lang="en-US" dirty="0" err="1"/>
-              <a:t>enum</a:t>
-            </a:r>
-            <a:endParaRPr lang="en-US" dirty="0"/>
+              <a:t>V2 – Generics and other features that didn’t make V1</a:t>
+            </a:r>
           </a:p>
           <a:p>
             <a:r>
               <a:rPr lang="en-US" dirty="0"/>
-              <a:t>Immutable</a:t>
-            </a:r>
-          </a:p>
-          <a:p>
-            <a:pPr lvl="1"/>
+              <a:t>V3 – LINQ – most other features supported LINQ</a:t>
+            </a:r>
+          </a:p>
+          <a:p>
             <a:r>
               <a:rPr lang="en-US" dirty="0"/>
-              <a:t>changes how we code</a:t>
-            </a:r>
-          </a:p>
-          <a:p>
-            <a:pPr lvl="1"/>
+              <a:t>V4 – Dynamic programming</a:t>
+            </a:r>
+          </a:p>
+          <a:p>
             <a:r>
               <a:rPr lang="en-US" dirty="0"/>
-              <a:t>can’t modify existing instance</a:t>
-            </a:r>
-          </a:p>
-          <a:p>
-            <a:pPr lvl="1"/>
+              <a:t>V5 – Async</a:t>
+            </a:r>
+          </a:p>
+          <a:p>
             <a:r>
               <a:rPr lang="en-US" dirty="0"/>
-              <a:t>return new instance</a:t>
-            </a:r>
-          </a:p>
-          <a:p>
-            <a:pPr lvl="1"/>
+              <a:t>V6 – Roslyn – compiler as a service</a:t>
+            </a:r>
+          </a:p>
+          <a:p>
             <a:r>
               <a:rPr lang="en-US" dirty="0"/>
-              <a:t>no side-effects</a:t>
-            </a:r>
-          </a:p>
-          <a:p>
-            <a:pPr lvl="1"/>
+              <a:t>V7.x – Pattern matching - tuples</a:t>
+            </a:r>
+          </a:p>
+          <a:p>
             <a:r>
               <a:rPr lang="en-US" dirty="0"/>
-              <a:t>thread-safe</a:t>
-            </a:r>
-          </a:p>
-          <a:p>
-            <a:r>
-              <a:rPr lang="en-US" dirty="0"/>
-              <a:t>Reference type with value semantics</a:t>
+              <a:t>V8 – Nullable References</a:t>
             </a:r>
           </a:p>
           <a:p>
@@ -3861,7 +8434,7 @@
     </p:spTree>
     <p:extLst>
       <p:ext uri="{BB962C8B-B14F-4D97-AF65-F5344CB8AC3E}">
-        <p14:creationId xmlns:p14="http://schemas.microsoft.com/office/powerpoint/2010/main" val="1518294870"/>
+        <p14:creationId xmlns:p14="http://schemas.microsoft.com/office/powerpoint/2010/main" val="1821166379"/>
       </p:ext>
     </p:extLst>
   </p:cSld>
@@ -3893,7 +8466,7 @@
           <p:cNvPr id="2" name="Title 1">
             <a:extLst>
               <a:ext uri="{FF2B5EF4-FFF2-40B4-BE49-F238E27FC236}">
-                <a16:creationId xmlns:a16="http://schemas.microsoft.com/office/drawing/2014/main" id="{1F559621-23B4-4668-8807-CB86BB8684F5}"/>
+                <a16:creationId xmlns:a16="http://schemas.microsoft.com/office/drawing/2014/main" id="{5F640FB2-14DA-40DB-A426-69EAAD2BC0A4}"/>
               </a:ext>
             </a:extLst>
           </p:cNvPr>
@@ -3911,7 +8484,7 @@
           <a:p>
             <a:r>
               <a:rPr lang="en-US" dirty="0"/>
-              <a:t>Pattern Matching</a:t>
+              <a:t>Records/Immutability</a:t>
             </a:r>
           </a:p>
         </p:txBody>
@@ -3921,7 +8494,7 @@
           <p:cNvPr id="3" name="Content Placeholder 2">
             <a:extLst>
               <a:ext uri="{FF2B5EF4-FFF2-40B4-BE49-F238E27FC236}">
-                <a16:creationId xmlns:a16="http://schemas.microsoft.com/office/drawing/2014/main" id="{0B2128C5-72BA-4A39-AC45-B945313DAE66}"/>
+                <a16:creationId xmlns:a16="http://schemas.microsoft.com/office/drawing/2014/main" id="{2445A5AA-D5E6-4932-8121-6660F75FE407}"/>
               </a:ext>
             </a:extLst>
           </p:cNvPr>
@@ -3939,66 +8512,77 @@
           <a:p>
             <a:r>
               <a:rPr lang="en-US" dirty="0"/>
-              <a:t>More C# Patterns</a:t>
-            </a:r>
-          </a:p>
-          <a:p>
+              <a:t>New type “record”</a:t>
+            </a:r>
+          </a:p>
+          <a:p>
+            <a:pPr lvl="1"/>
             <a:r>
               <a:rPr lang="en-US" dirty="0"/>
-              <a:t>Building on the pattern story</a:t>
+              <a:t>Like class, struct, interface, </a:t>
+            </a:r>
+            <a:r>
+              <a:rPr lang="en-US" dirty="0" err="1"/>
+              <a:t>enum</a:t>
+            </a:r>
+            <a:endParaRPr lang="en-US" dirty="0"/>
+          </a:p>
+          <a:p>
+            <a:r>
+              <a:rPr lang="en-US" dirty="0"/>
+              <a:t>Immutable</a:t>
             </a:r>
           </a:p>
           <a:p>
             <a:pPr lvl="1"/>
             <a:r>
               <a:rPr lang="en-US" dirty="0"/>
-              <a:t>Started in C# 7</a:t>
+              <a:t>changes how we code</a:t>
             </a:r>
           </a:p>
           <a:p>
             <a:pPr lvl="1"/>
             <a:r>
               <a:rPr lang="en-US" dirty="0"/>
-              <a:t>Grew in C# 8</a:t>
+              <a:t>can’t modify existing instance</a:t>
             </a:r>
           </a:p>
           <a:p>
             <a:pPr lvl="1"/>
+            <a:r>
+              <a:rPr lang="en-US" dirty="0"/>
+              <a:t>return new instance</a:t>
+            </a:r>
+          </a:p>
+          <a:p>
+            <a:pPr lvl="1"/>
+            <a:r>
+              <a:rPr lang="en-US" dirty="0"/>
+              <a:t>no side-effects</a:t>
+            </a:r>
+          </a:p>
+          <a:p>
+            <a:pPr lvl="1"/>
+            <a:r>
+              <a:rPr lang="en-US" dirty="0"/>
+              <a:t>thread-safe</a:t>
+            </a:r>
+          </a:p>
+          <a:p>
+            <a:r>
+              <a:rPr lang="en-US" dirty="0"/>
+              <a:t>Reference type with value semantics</a:t>
+            </a:r>
+          </a:p>
+          <a:p>
             <a:endParaRPr lang="en-US" dirty="0"/>
-          </a:p>
-          <a:p>
-            <a:r>
-              <a:rPr lang="en-US" dirty="0"/>
-              <a:t>The Patterns:</a:t>
-            </a:r>
-          </a:p>
-          <a:p>
-            <a:pPr lvl="1"/>
-            <a:r>
-              <a:rPr lang="en-US" dirty="0"/>
-              <a:t>and, or, not (combinators)</a:t>
-            </a:r>
-          </a:p>
-          <a:p>
-            <a:pPr lvl="1"/>
-            <a:r>
-              <a:rPr lang="en-US" dirty="0"/>
-              <a:t>type patterns</a:t>
-            </a:r>
-          </a:p>
-          <a:p>
-            <a:pPr lvl="1"/>
-            <a:r>
-              <a:rPr lang="en-US" dirty="0"/>
-              <a:t>relational patterns</a:t>
-            </a:r>
           </a:p>
         </p:txBody>
       </p:sp>
     </p:spTree>
     <p:extLst>
       <p:ext uri="{BB962C8B-B14F-4D97-AF65-F5344CB8AC3E}">
-        <p14:creationId xmlns:p14="http://schemas.microsoft.com/office/powerpoint/2010/main" val="1064677896"/>
+        <p14:creationId xmlns:p14="http://schemas.microsoft.com/office/powerpoint/2010/main" val="1518294870"/>
       </p:ext>
     </p:extLst>
   </p:cSld>
@@ -4030,7 +8614,7 @@
           <p:cNvPr id="2" name="Title 1">
             <a:extLst>
               <a:ext uri="{FF2B5EF4-FFF2-40B4-BE49-F238E27FC236}">
-                <a16:creationId xmlns:a16="http://schemas.microsoft.com/office/drawing/2014/main" id="{A7D48B7A-225F-46AD-89CC-46737F75F5E3}"/>
+                <a16:creationId xmlns:a16="http://schemas.microsoft.com/office/drawing/2014/main" id="{1F559621-23B4-4668-8807-CB86BB8684F5}"/>
               </a:ext>
             </a:extLst>
           </p:cNvPr>
@@ -4048,7 +8632,7 @@
           <a:p>
             <a:r>
               <a:rPr lang="en-US" dirty="0"/>
-              <a:t>Top Level Programs</a:t>
+              <a:t>Pattern Matching</a:t>
             </a:r>
           </a:p>
         </p:txBody>
@@ -4058,7 +8642,7 @@
           <p:cNvPr id="3" name="Content Placeholder 2">
             <a:extLst>
               <a:ext uri="{FF2B5EF4-FFF2-40B4-BE49-F238E27FC236}">
-                <a16:creationId xmlns:a16="http://schemas.microsoft.com/office/drawing/2014/main" id="{7191888F-9A1A-4AE8-8C13-9AC45DC9E788}"/>
+                <a16:creationId xmlns:a16="http://schemas.microsoft.com/office/drawing/2014/main" id="{0B2128C5-72BA-4A39-AC45-B945313DAE66}"/>
               </a:ext>
             </a:extLst>
           </p:cNvPr>
@@ -4076,65 +8660,66 @@
           <a:p>
             <a:r>
               <a:rPr lang="en-US" dirty="0"/>
-              <a:t>Goals</a:t>
+              <a:t>More C# Patterns</a:t>
+            </a:r>
+          </a:p>
+          <a:p>
+            <a:r>
+              <a:rPr lang="en-US" dirty="0"/>
+              <a:t>Building on the pattern story</a:t>
             </a:r>
           </a:p>
           <a:p>
             <a:pPr lvl="1"/>
             <a:r>
               <a:rPr lang="en-US" dirty="0"/>
-              <a:t>Simplify code</a:t>
+              <a:t>Started in C# 7</a:t>
             </a:r>
           </a:p>
           <a:p>
             <a:pPr lvl="1"/>
             <a:r>
               <a:rPr lang="en-US" dirty="0"/>
-              <a:t>Remove unnecessary ceremony</a:t>
-            </a:r>
+              <a:t>Grew in C# 8</a:t>
+            </a:r>
+          </a:p>
+          <a:p>
+            <a:pPr lvl="1"/>
+            <a:endParaRPr lang="en-US" dirty="0"/>
           </a:p>
           <a:p>
             <a:r>
               <a:rPr lang="en-US" dirty="0"/>
-              <a:t>Just write code</a:t>
+              <a:t>The Patterns:</a:t>
             </a:r>
           </a:p>
           <a:p>
             <a:pPr lvl="1"/>
             <a:r>
               <a:rPr lang="en-US" dirty="0"/>
-              <a:t>Without namespace</a:t>
+              <a:t>and, or, not (combinators)</a:t>
             </a:r>
           </a:p>
           <a:p>
             <a:pPr lvl="1"/>
             <a:r>
               <a:rPr lang="en-US" dirty="0"/>
-              <a:t>Without class</a:t>
+              <a:t>type patterns</a:t>
             </a:r>
           </a:p>
           <a:p>
             <a:pPr lvl="1"/>
             <a:r>
               <a:rPr lang="en-US" dirty="0"/>
-              <a:t>Without Main</a:t>
-            </a:r>
-          </a:p>
-          <a:p>
-            <a:r>
-              <a:rPr lang="en-US" dirty="0"/>
-              <a:t>Nice for demos and teaching</a:t>
-            </a:r>
-          </a:p>
-          <a:p>
-            <a:endParaRPr lang="en-US" dirty="0"/>
+              <a:t>relational patterns</a:t>
+            </a:r>
           </a:p>
         </p:txBody>
       </p:sp>
     </p:spTree>
     <p:extLst>
       <p:ext uri="{BB962C8B-B14F-4D97-AF65-F5344CB8AC3E}">
-        <p14:creationId xmlns:p14="http://schemas.microsoft.com/office/powerpoint/2010/main" val="1553274218"/>
+        <p14:creationId xmlns:p14="http://schemas.microsoft.com/office/powerpoint/2010/main" val="1064677896"/>
       </p:ext>
     </p:extLst>
   </p:cSld>
@@ -4166,7 +8751,7 @@
           <p:cNvPr id="2" name="Title 1">
             <a:extLst>
               <a:ext uri="{FF2B5EF4-FFF2-40B4-BE49-F238E27FC236}">
-                <a16:creationId xmlns:a16="http://schemas.microsoft.com/office/drawing/2014/main" id="{481AC7C9-CFA5-4B43-881C-8FF856DDF3E8}"/>
+                <a16:creationId xmlns:a16="http://schemas.microsoft.com/office/drawing/2014/main" id="{A7D48B7A-225F-46AD-89CC-46737F75F5E3}"/>
               </a:ext>
             </a:extLst>
           </p:cNvPr>
@@ -4184,7 +8769,7 @@
           <a:p>
             <a:r>
               <a:rPr lang="en-US" dirty="0"/>
-              <a:t>Target-typed new()</a:t>
+              <a:t>Top Level Programs</a:t>
             </a:r>
           </a:p>
         </p:txBody>
@@ -4194,7 +8779,7 @@
           <p:cNvPr id="3" name="Content Placeholder 2">
             <a:extLst>
               <a:ext uri="{FF2B5EF4-FFF2-40B4-BE49-F238E27FC236}">
-                <a16:creationId xmlns:a16="http://schemas.microsoft.com/office/drawing/2014/main" id="{6554E1EC-2069-4F6C-8569-6E97534231D3}"/>
+                <a16:creationId xmlns:a16="http://schemas.microsoft.com/office/drawing/2014/main" id="{7191888F-9A1A-4AE8-8C13-9AC45DC9E788}"/>
               </a:ext>
             </a:extLst>
           </p:cNvPr>
@@ -4212,35 +8797,65 @@
           <a:p>
             <a:r>
               <a:rPr lang="en-US" dirty="0"/>
-              <a:t>Shorthand Instantiation</a:t>
-            </a:r>
-          </a:p>
-          <a:p>
+              <a:t>Goals</a:t>
+            </a:r>
+          </a:p>
+          <a:p>
+            <a:pPr lvl="1"/>
             <a:r>
               <a:rPr lang="en-US" dirty="0"/>
-              <a:t>Works in fields</a:t>
-            </a:r>
-            <a:r>
-              <a:rPr lang="en-US"/>
-              <a:t>, auto-properties</a:t>
-            </a:r>
+              <a:t>Simplify code</a:t>
+            </a:r>
+          </a:p>
+          <a:p>
+            <a:pPr lvl="1"/>
             <a:r>
               <a:rPr lang="en-US" dirty="0"/>
-              <a:t>, and variables</a:t>
+              <a:t>Remove unnecessary ceremony</a:t>
             </a:r>
           </a:p>
           <a:p>
             <a:r>
               <a:rPr lang="en-US" dirty="0"/>
-              <a:t>Handles both default and parameterized constructors</a:t>
-            </a:r>
+              <a:t>Just write code</a:t>
+            </a:r>
+          </a:p>
+          <a:p>
+            <a:pPr lvl="1"/>
+            <a:r>
+              <a:rPr lang="en-US" dirty="0"/>
+              <a:t>Without namespace</a:t>
+            </a:r>
+          </a:p>
+          <a:p>
+            <a:pPr lvl="1"/>
+            <a:r>
+              <a:rPr lang="en-US" dirty="0"/>
+              <a:t>Without class</a:t>
+            </a:r>
+          </a:p>
+          <a:p>
+            <a:pPr lvl="1"/>
+            <a:r>
+              <a:rPr lang="en-US" dirty="0"/>
+              <a:t>Without Main</a:t>
+            </a:r>
+          </a:p>
+          <a:p>
+            <a:r>
+              <a:rPr lang="en-US" dirty="0"/>
+              <a:t>Nice for demos and teaching</a:t>
+            </a:r>
+          </a:p>
+          <a:p>
+            <a:endParaRPr lang="en-US" dirty="0"/>
           </a:p>
         </p:txBody>
       </p:sp>
     </p:spTree>
     <p:extLst>
       <p:ext uri="{BB962C8B-B14F-4D97-AF65-F5344CB8AC3E}">
-        <p14:creationId xmlns:p14="http://schemas.microsoft.com/office/powerpoint/2010/main" val="999038451"/>
+        <p14:creationId xmlns:p14="http://schemas.microsoft.com/office/powerpoint/2010/main" val="1553274218"/>
       </p:ext>
     </p:extLst>
   </p:cSld>
@@ -4272,7 +8887,7 @@
           <p:cNvPr id="2" name="Title 1">
             <a:extLst>
               <a:ext uri="{FF2B5EF4-FFF2-40B4-BE49-F238E27FC236}">
-                <a16:creationId xmlns:a16="http://schemas.microsoft.com/office/drawing/2014/main" id="{CD736326-5B26-4F54-882D-2E7AABEC81B3}"/>
+                <a16:creationId xmlns:a16="http://schemas.microsoft.com/office/drawing/2014/main" id="{481AC7C9-CFA5-4B43-881C-8FF856DDF3E8}"/>
               </a:ext>
             </a:extLst>
           </p:cNvPr>
@@ -4290,7 +8905,7 @@
           <a:p>
             <a:r>
               <a:rPr lang="en-US" dirty="0"/>
-              <a:t>Additional Features</a:t>
+              <a:t>Target-typed new()</a:t>
             </a:r>
           </a:p>
         </p:txBody>
@@ -4300,7 +8915,7 @@
           <p:cNvPr id="3" name="Content Placeholder 2">
             <a:extLst>
               <a:ext uri="{FF2B5EF4-FFF2-40B4-BE49-F238E27FC236}">
-                <a16:creationId xmlns:a16="http://schemas.microsoft.com/office/drawing/2014/main" id="{E51CB031-F7A4-4FF7-BEC9-7A216B343505}"/>
+                <a16:creationId xmlns:a16="http://schemas.microsoft.com/office/drawing/2014/main" id="{6554E1EC-2069-4F6C-8569-6E97534231D3}"/>
               </a:ext>
             </a:extLst>
           </p:cNvPr>
@@ -4313,84 +8928,45 @@
         </p:nvSpPr>
         <p:spPr/>
         <p:txBody>
-          <a:bodyPr>
-            <a:normAutofit fontScale="92500" lnSpcReduction="20000"/>
-          </a:bodyPr>
+          <a:bodyPr/>
           <a:lstStyle/>
           <a:p>
             <a:r>
               <a:rPr lang="en-US" dirty="0"/>
-              <a:t>Native sized integers</a:t>
+              <a:t>Shorthand Instantiation</a:t>
             </a:r>
           </a:p>
           <a:p>
             <a:r>
               <a:rPr lang="en-US" dirty="0"/>
-              <a:t>Function pointers</a:t>
+              <a:t>Works in fields, auto-properties, and variables</a:t>
             </a:r>
           </a:p>
           <a:p>
             <a:r>
               <a:rPr lang="en-US" dirty="0"/>
-              <a:t>Suppress emitting </a:t>
-            </a:r>
-            <a:r>
-              <a:rPr lang="en-US" dirty="0" err="1"/>
-              <a:t>localsinit</a:t>
-            </a:r>
+              <a:t>Handles initialization via:</a:t>
+            </a:r>
+          </a:p>
+          <a:p>
+            <a:pPr lvl="1"/>
             <a:r>
               <a:rPr lang="en-US" dirty="0"/>
-              <a:t> flag</a:t>
-            </a:r>
-          </a:p>
-          <a:p>
+              <a:t>Default constructor</a:t>
+            </a:r>
+          </a:p>
+          <a:p>
+            <a:pPr lvl="1"/>
             <a:r>
               <a:rPr lang="en-US" dirty="0"/>
-              <a:t>static anonymous functions</a:t>
-            </a:r>
-          </a:p>
-          <a:p>
+              <a:t>Parameterized constructor</a:t>
+            </a:r>
+          </a:p>
+          <a:p>
+            <a:pPr lvl="1"/>
             <a:r>
               <a:rPr lang="en-US" dirty="0"/>
-              <a:t>Target-typed conditional expressions</a:t>
-            </a:r>
-          </a:p>
-          <a:p>
-            <a:r>
-              <a:rPr lang="en-US" dirty="0"/>
-              <a:t>Covariant return types</a:t>
-            </a:r>
-          </a:p>
-          <a:p>
-            <a:r>
-              <a:rPr lang="en-US" dirty="0"/>
-              <a:t>Extension </a:t>
-            </a:r>
-            <a:r>
-              <a:rPr lang="en-US" dirty="0" err="1"/>
-              <a:t>GetEnumerator</a:t>
-            </a:r>
-            <a:r>
-              <a:rPr lang="en-US" dirty="0"/>
-              <a:t> support for foreach loops</a:t>
-            </a:r>
-          </a:p>
-          <a:p>
-            <a:r>
-              <a:rPr lang="en-US" dirty="0"/>
-              <a:t>Lambda discard parameters</a:t>
-            </a:r>
-          </a:p>
-          <a:p>
-            <a:r>
-              <a:rPr lang="en-US" dirty="0"/>
-              <a:t>Attributes on local functions</a:t>
-            </a:r>
-          </a:p>
-          <a:p>
-            <a:r>
-              <a:rPr lang="en-US" dirty="0"/>
-              <a:t>Code Generators</a:t>
+              <a:t>Object Initializer</a:t>
             </a:r>
           </a:p>
         </p:txBody>
@@ -4398,7 +8974,7 @@
     </p:spTree>
     <p:extLst>
       <p:ext uri="{BB962C8B-B14F-4D97-AF65-F5344CB8AC3E}">
-        <p14:creationId xmlns:p14="http://schemas.microsoft.com/office/powerpoint/2010/main" val="2380472363"/>
+        <p14:creationId xmlns:p14="http://schemas.microsoft.com/office/powerpoint/2010/main" val="999038451"/>
       </p:ext>
     </p:extLst>
   </p:cSld>
@@ -4430,7 +9006,7 @@
           <p:cNvPr id="2" name="Title 1">
             <a:extLst>
               <a:ext uri="{FF2B5EF4-FFF2-40B4-BE49-F238E27FC236}">
-                <a16:creationId xmlns:a16="http://schemas.microsoft.com/office/drawing/2014/main" id="{04D35A93-6863-4D2D-97B1-6477E62B3ADE}"/>
+                <a16:creationId xmlns:a16="http://schemas.microsoft.com/office/drawing/2014/main" id="{CD736326-5B26-4F54-882D-2E7AABEC81B3}"/>
               </a:ext>
             </a:extLst>
           </p:cNvPr>
@@ -4448,7 +9024,7 @@
           <a:p>
             <a:r>
               <a:rPr lang="en-US" dirty="0"/>
-              <a:t>Resources</a:t>
+              <a:t>Additional Features</a:t>
             </a:r>
           </a:p>
         </p:txBody>
@@ -4458,7 +9034,7 @@
           <p:cNvPr id="3" name="Content Placeholder 2">
             <a:extLst>
               <a:ext uri="{FF2B5EF4-FFF2-40B4-BE49-F238E27FC236}">
-                <a16:creationId xmlns:a16="http://schemas.microsoft.com/office/drawing/2014/main" id="{8F6CD36E-40DB-4A46-A444-0D162437AECC}"/>
+                <a16:creationId xmlns:a16="http://schemas.microsoft.com/office/drawing/2014/main" id="{E51CB031-F7A4-4FF7-BEC9-7A216B343505}"/>
               </a:ext>
             </a:extLst>
           </p:cNvPr>
@@ -4472,72 +9048,91 @@
         <p:spPr/>
         <p:txBody>
           <a:bodyPr>
-            <a:normAutofit/>
+            <a:normAutofit fontScale="92500" lnSpcReduction="20000"/>
           </a:bodyPr>
           <a:lstStyle/>
           <a:p>
             <a:r>
               <a:rPr lang="en-US" dirty="0"/>
-              <a:t>Email: </a:t>
-            </a:r>
-            <a:r>
-              <a:rPr lang="en-US" dirty="0">
-                <a:hlinkClick r:id="rId2"/>
-              </a:rPr>
-              <a:t>jmayo@mayosoftware.com</a:t>
-            </a:r>
-            <a:endParaRPr lang="en-US" dirty="0"/>
+              <a:t>Native sized integers</a:t>
+            </a:r>
           </a:p>
           <a:p>
             <a:r>
               <a:rPr lang="en-US" dirty="0"/>
-              <a:t>Twitter: @JoeMayo</a:t>
+              <a:t>Function pointers</a:t>
             </a:r>
           </a:p>
           <a:p>
             <a:r>
               <a:rPr lang="en-US" dirty="0"/>
-              <a:t>What’s New in C# Docs:</a:t>
-            </a:r>
-          </a:p>
-          <a:p>
-            <a:pPr lvl="1"/>
-            <a:r>
-              <a:rPr lang="en-US" dirty="0">
-                <a:hlinkClick r:id="rId3"/>
-              </a:rPr>
-              <a:t>https://docs.microsoft.com/en-us/dotnet/csharp/whats-new/csharp-9</a:t>
-            </a:r>
-            <a:endParaRPr lang="en-US" dirty="0"/>
-          </a:p>
-          <a:p>
+              <a:t>Suppress emitting </a:t>
+            </a:r>
+            <a:r>
+              <a:rPr lang="en-US" dirty="0" err="1"/>
+              <a:t>localsinit</a:t>
+            </a:r>
             <a:r>
               <a:rPr lang="en-US" dirty="0"/>
-              <a:t>Code:</a:t>
-            </a:r>
-          </a:p>
-          <a:p>
-            <a:pPr lvl="1"/>
-            <a:r>
-              <a:rPr lang="en-US" dirty="0">
-                <a:hlinkClick r:id="rId4"/>
-              </a:rPr>
-              <a:t>https://github.com/JoeMayo/AIInYourApp</a:t>
-            </a:r>
+              <a:t> flag</a:t>
+            </a:r>
+          </a:p>
+          <a:p>
             <a:r>
               <a:rPr lang="en-US" dirty="0"/>
-              <a:t> </a:t>
-            </a:r>
-          </a:p>
-          <a:p>
-            <a:endParaRPr lang="en-US" dirty="0"/>
+              <a:t>static anonymous functions</a:t>
+            </a:r>
+          </a:p>
+          <a:p>
+            <a:r>
+              <a:rPr lang="en-US" dirty="0"/>
+              <a:t>Target-typed conditional expressions</a:t>
+            </a:r>
+          </a:p>
+          <a:p>
+            <a:r>
+              <a:rPr lang="en-US" dirty="0"/>
+              <a:t>Covariant return types</a:t>
+            </a:r>
+          </a:p>
+          <a:p>
+            <a:r>
+              <a:rPr lang="en-US" dirty="0"/>
+              <a:t>Extension </a:t>
+            </a:r>
+            <a:r>
+              <a:rPr lang="en-US" dirty="0" err="1"/>
+              <a:t>GetEnumerator</a:t>
+            </a:r>
+            <a:r>
+              <a:rPr lang="en-US" dirty="0"/>
+              <a:t> support for foreach loops</a:t>
+            </a:r>
+          </a:p>
+          <a:p>
+            <a:r>
+              <a:rPr lang="en-US" dirty="0"/>
+              <a:t>Lambda discard parameters</a:t>
+            </a:r>
+          </a:p>
+          <a:p>
+            <a:r>
+              <a:rPr lang="en-US" dirty="0"/>
+              <a:t>Attributes on local functions</a:t>
+            </a:r>
+          </a:p>
+          <a:p>
+            <a:r>
+              <a:rPr lang="en-US" dirty="0"/>
+              <a:t>Code Generators</a:t>
+            </a:r>
           </a:p>
         </p:txBody>
       </p:sp>
     </p:spTree>
     <p:extLst>
       <p:ext uri="{BB962C8B-B14F-4D97-AF65-F5344CB8AC3E}">
-        <p14:creationId xmlns:p14="http://schemas.microsoft.com/office/powerpoint/2010/main" val="3829122087"/>
+        <p14:creationId xmlns:p14="http://schemas.microsoft.com/office/powerpoint/2010/main" val="2380472363"/>
       </p:ext>
     </p:extLst>
   </p:cSld>
@@ -4548,9 +9143,9 @@
 </file>
 
 <file path=ppt/theme/theme1.xml><?xml version="1.0" encoding="utf-8"?>
-<a:theme xmlns:a="http://schemas.openxmlformats.org/drawingml/2006/main" name="Office Theme">
+<a:theme xmlns:a="http://schemas.openxmlformats.org/drawingml/2006/main" name="Berlin">
   <a:themeElements>
-    <a:clrScheme name="Office">
+    <a:clrScheme name="Berlin">
       <a:dk1>
         <a:sysClr val="windowText" lastClr="000000"/>
       </a:dk1>
@@ -4558,44 +9153,44 @@
         <a:sysClr val="window" lastClr="FFFFFF"/>
       </a:lt1>
       <a:dk2>
-        <a:srgbClr val="44546A"/>
+        <a:srgbClr val="9D360E"/>
       </a:dk2>
       <a:lt2>
         <a:srgbClr val="E7E6E6"/>
       </a:lt2>
       <a:accent1>
-        <a:srgbClr val="4472C4"/>
+        <a:srgbClr val="F09415"/>
       </a:accent1>
       <a:accent2>
-        <a:srgbClr val="ED7D31"/>
+        <a:srgbClr val="C1B56B"/>
       </a:accent2>
       <a:accent3>
-        <a:srgbClr val="A5A5A5"/>
+        <a:srgbClr val="4BAF73"/>
       </a:accent3>
       <a:accent4>
-        <a:srgbClr val="FFC000"/>
+        <a:srgbClr val="5AA6C0"/>
       </a:accent4>
       <a:accent5>
-        <a:srgbClr val="5B9BD5"/>
+        <a:srgbClr val="D17DF9"/>
       </a:accent5>
       <a:accent6>
-        <a:srgbClr val="70AD47"/>
+        <a:srgbClr val="FA7E5C"/>
       </a:accent6>
       <a:hlink>
-        <a:srgbClr val="0563C1"/>
+        <a:srgbClr val="FFAE3E"/>
       </a:hlink>
       <a:folHlink>
-        <a:srgbClr val="954F72"/>
+        <a:srgbClr val="FCC77E"/>
       </a:folHlink>
     </a:clrScheme>
-    <a:fontScheme name="Office">
+    <a:fontScheme name="Berlin">
       <a:majorFont>
-        <a:latin typeface="Calibri Light" panose="020F0302020204030204"/>
+        <a:latin typeface="Trebuchet MS" panose="020B0603020202020204"/>
         <a:ea typeface=""/>
         <a:cs typeface=""/>
-        <a:font script="Jpan" typeface="游ゴシック Light"/>
+        <a:font script="Jpan" typeface="ＭＳ Ｐゴシック"/>
         <a:font script="Hang" typeface="맑은 고딕"/>
-        <a:font script="Hans" typeface="等线 Light"/>
+        <a:font script="Hans" typeface="宋体"/>
         <a:font script="Hant" typeface="新細明體"/>
         <a:font script="Arab" typeface="Times New Roman"/>
         <a:font script="Hebr" typeface="Times New Roman"/>
@@ -4623,31 +9218,14 @@
         <a:font script="Viet" typeface="Times New Roman"/>
         <a:font script="Uigh" typeface="Microsoft Uighur"/>
         <a:font script="Geor" typeface="Sylfaen"/>
-        <a:font script="Armn" typeface="Arial"/>
-        <a:font script="Bugi" typeface="Leelawadee UI"/>
-        <a:font script="Bopo" typeface="Microsoft JhengHei"/>
-        <a:font script="Java" typeface="Javanese Text"/>
-        <a:font script="Lisu" typeface="Segoe UI"/>
-        <a:font script="Mymr" typeface="Myanmar Text"/>
-        <a:font script="Nkoo" typeface="Ebrima"/>
-        <a:font script="Olck" typeface="Nirmala UI"/>
-        <a:font script="Osma" typeface="Ebrima"/>
-        <a:font script="Phag" typeface="Phagspa"/>
-        <a:font script="Syrn" typeface="Estrangelo Edessa"/>
-        <a:font script="Syrj" typeface="Estrangelo Edessa"/>
-        <a:font script="Syre" typeface="Estrangelo Edessa"/>
-        <a:font script="Sora" typeface="Nirmala UI"/>
-        <a:font script="Tale" typeface="Microsoft Tai Le"/>
-        <a:font script="Talu" typeface="Microsoft New Tai Lue"/>
-        <a:font script="Tfng" typeface="Ebrima"/>
       </a:majorFont>
       <a:minorFont>
-        <a:latin typeface="Calibri" panose="020F0502020204030204"/>
+        <a:latin typeface="Trebuchet MS" panose="020B0603020202020204"/>
         <a:ea typeface=""/>
         <a:cs typeface=""/>
-        <a:font script="Jpan" typeface="游ゴシック"/>
+        <a:font script="Jpan" typeface="ＭＳ Ｐゴシック"/>
         <a:font script="Hang" typeface="맑은 고딕"/>
-        <a:font script="Hans" typeface="等线"/>
+        <a:font script="Hans" typeface="宋体"/>
         <a:font script="Hant" typeface="新細明體"/>
         <a:font script="Arab" typeface="Arial"/>
         <a:font script="Hebr" typeface="Arial"/>
@@ -4675,26 +9253,9 @@
         <a:font script="Viet" typeface="Arial"/>
         <a:font script="Uigh" typeface="Microsoft Uighur"/>
         <a:font script="Geor" typeface="Sylfaen"/>
-        <a:font script="Armn" typeface="Arial"/>
-        <a:font script="Bugi" typeface="Leelawadee UI"/>
-        <a:font script="Bopo" typeface="Microsoft JhengHei"/>
-        <a:font script="Java" typeface="Javanese Text"/>
-        <a:font script="Lisu" typeface="Segoe UI"/>
-        <a:font script="Mymr" typeface="Myanmar Text"/>
-        <a:font script="Nkoo" typeface="Ebrima"/>
-        <a:font script="Olck" typeface="Nirmala UI"/>
-        <a:font script="Osma" typeface="Ebrima"/>
-        <a:font script="Phag" typeface="Phagspa"/>
-        <a:font script="Syrn" typeface="Estrangelo Edessa"/>
-        <a:font script="Syrj" typeface="Estrangelo Edessa"/>
-        <a:font script="Syre" typeface="Estrangelo Edessa"/>
-        <a:font script="Sora" typeface="Nirmala UI"/>
-        <a:font script="Tale" typeface="Microsoft Tai Le"/>
-        <a:font script="Talu" typeface="Microsoft New Tai Lue"/>
-        <a:font script="Tfng" typeface="Ebrima"/>
       </a:minorFont>
     </a:fontScheme>
-    <a:fmtScheme name="Office">
+    <a:fmtScheme name="Berlin">
       <a:fillStyleLst>
         <a:solidFill>
           <a:schemeClr val="phClr"/>
@@ -4703,23 +9264,16 @@
           <a:gsLst>
             <a:gs pos="0">
               <a:schemeClr val="phClr">
+                <a:tint val="60000"/>
+                <a:satMod val="100000"/>
                 <a:lumMod val="110000"/>
-                <a:satMod val="105000"/>
-                <a:tint val="67000"/>
-              </a:schemeClr>
-            </a:gs>
-            <a:gs pos="50000">
-              <a:schemeClr val="phClr">
-                <a:lumMod val="105000"/>
-                <a:satMod val="103000"/>
-                <a:tint val="73000"/>
               </a:schemeClr>
             </a:gs>
             <a:gs pos="100000">
               <a:schemeClr val="phClr">
-                <a:lumMod val="105000"/>
-                <a:satMod val="109000"/>
-                <a:tint val="81000"/>
+                <a:tint val="70000"/>
+                <a:satMod val="100000"/>
+                <a:lumMod val="100000"/>
               </a:schemeClr>
             </a:gs>
           </a:gsLst>
@@ -4729,23 +9283,23 @@
           <a:gsLst>
             <a:gs pos="0">
               <a:schemeClr val="phClr">
+                <a:tint val="94000"/>
                 <a:satMod val="103000"/>
                 <a:lumMod val="102000"/>
-                <a:tint val="94000"/>
               </a:schemeClr>
             </a:gs>
             <a:gs pos="50000">
               <a:schemeClr val="phClr">
+                <a:shade val="100000"/>
                 <a:satMod val="110000"/>
                 <a:lumMod val="100000"/>
-                <a:shade val="100000"/>
               </a:schemeClr>
             </a:gs>
             <a:gs pos="100000">
               <a:schemeClr val="phClr">
+                <a:shade val="78000"/>
+                <a:satMod val="120000"/>
                 <a:lumMod val="99000"/>
-                <a:satMod val="120000"/>
-                <a:shade val="78000"/>
               </a:schemeClr>
             </a:gs>
           </a:gsLst>
@@ -4753,26 +9307,23 @@
         </a:gradFill>
       </a:fillStyleLst>
       <a:lnStyleLst>
-        <a:ln w="6350" cap="flat" cmpd="sng" algn="ctr">
+        <a:ln w="9525" cap="flat" cmpd="sng" algn="ctr">
           <a:solidFill>
             <a:schemeClr val="phClr"/>
           </a:solidFill>
           <a:prstDash val="solid"/>
-          <a:miter lim="800000"/>
         </a:ln>
         <a:ln w="12700" cap="flat" cmpd="sng" algn="ctr">
           <a:solidFill>
             <a:schemeClr val="phClr"/>
           </a:solidFill>
           <a:prstDash val="solid"/>
-          <a:miter lim="800000"/>
         </a:ln>
         <a:ln w="19050" cap="flat" cmpd="sng" algn="ctr">
           <a:solidFill>
             <a:schemeClr val="phClr"/>
           </a:solidFill>
           <a:prstDash val="solid"/>
-          <a:miter lim="800000"/>
         </a:ln>
       </a:lnStyleLst>
       <a:effectStyleLst>
@@ -4806,28 +9357,31 @@
           <a:gsLst>
             <a:gs pos="0">
               <a:schemeClr val="phClr">
-                <a:tint val="93000"/>
-                <a:satMod val="150000"/>
-                <a:shade val="98000"/>
-                <a:lumMod val="102000"/>
+                <a:tint val="96000"/>
+                <a:shade val="100000"/>
+                <a:hueMod val="270000"/>
+                <a:satMod val="200000"/>
+                <a:lumMod val="128000"/>
               </a:schemeClr>
             </a:gs>
             <a:gs pos="50000">
               <a:schemeClr val="phClr">
-                <a:tint val="98000"/>
-                <a:satMod val="130000"/>
-                <a:shade val="90000"/>
-                <a:lumMod val="103000"/>
+                <a:shade val="100000"/>
+                <a:hueMod val="100000"/>
+                <a:satMod val="110000"/>
+                <a:lumMod val="130000"/>
               </a:schemeClr>
             </a:gs>
             <a:gs pos="100000">
               <a:schemeClr val="phClr">
-                <a:shade val="63000"/>
-                <a:satMod val="120000"/>
+                <a:shade val="78000"/>
+                <a:hueMod val="44000"/>
+                <a:satMod val="200000"/>
+                <a:lumMod val="69000"/>
               </a:schemeClr>
             </a:gs>
           </a:gsLst>
-          <a:lin ang="5400000" scaled="0"/>
+          <a:lin ang="2520000" scaled="0"/>
         </a:gradFill>
       </a:bgFillStyleLst>
     </a:fmtScheme>
@@ -4836,7 +9390,7 @@
   <a:extraClrSchemeLst/>
   <a:extLst>
     <a:ext uri="{05A4C25C-085E-4340-85A3-A5531E510DB2}">
-      <thm15:themeFamily xmlns:thm15="http://schemas.microsoft.com/office/thememl/2012/main" name="Office Theme" id="{62F939B6-93AF-4DB8-9C6B-D6C7DFDC589F}" vid="{4A3C46E8-61CC-4603-A589-7422A47A8E4A}"/>
+      <thm15:themeFamily xmlns:thm15="http://schemas.microsoft.com/office/thememl/2012/main" name="Berlin" id="{7B5DBA9E-B069-418E-9360-A61BDD0615A4}" vid="{C0CBE056-4EF4-4D92-969E-947779DA7AAA}"/>
     </a:ext>
   </a:extLst>
 </a:theme>

--- a/WhatsNewInCSharp9.pptx
+++ b/WhatsNewInCSharp9.pptx
@@ -395,7 +395,7 @@
           <a:p>
             <a:fld id="{5EFEF8D7-FC42-4093-B868-45CA60192777}" type="datetimeFigureOut">
               <a:rPr lang="en-US" smtClean="0"/>
-              <a:t>12/9/2020</a:t>
+              <a:t>12/10/2020</a:t>
             </a:fld>
             <a:endParaRPr lang="en-US"/>
           </a:p>
@@ -809,7 +809,7 @@
           <a:p>
             <a:fld id="{5EFEF8D7-FC42-4093-B868-45CA60192777}" type="datetimeFigureOut">
               <a:rPr lang="en-US" smtClean="0"/>
-              <a:t>12/9/2020</a:t>
+              <a:t>12/10/2020</a:t>
             </a:fld>
             <a:endParaRPr lang="en-US"/>
           </a:p>
@@ -1145,7 +1145,7 @@
           <a:p>
             <a:fld id="{5EFEF8D7-FC42-4093-B868-45CA60192777}" type="datetimeFigureOut">
               <a:rPr lang="en-US" smtClean="0"/>
-              <a:t>12/9/2020</a:t>
+              <a:t>12/10/2020</a:t>
             </a:fld>
             <a:endParaRPr lang="en-US"/>
           </a:p>
@@ -1550,7 +1550,7 @@
           <a:p>
             <a:fld id="{5EFEF8D7-FC42-4093-B868-45CA60192777}" type="datetimeFigureOut">
               <a:rPr lang="en-US" smtClean="0"/>
-              <a:t>12/9/2020</a:t>
+              <a:t>12/10/2020</a:t>
             </a:fld>
             <a:endParaRPr lang="en-US"/>
           </a:p>
@@ -2118,7 +2118,7 @@
           <a:p>
             <a:fld id="{5EFEF8D7-FC42-4093-B868-45CA60192777}" type="datetimeFigureOut">
               <a:rPr lang="en-US" smtClean="0"/>
-              <a:t>12/9/2020</a:t>
+              <a:t>12/10/2020</a:t>
             </a:fld>
             <a:endParaRPr lang="en-US"/>
           </a:p>
@@ -2799,7 +2799,7 @@
           <a:p>
             <a:fld id="{5EFEF8D7-FC42-4093-B868-45CA60192777}" type="datetimeFigureOut">
               <a:rPr lang="en-US" smtClean="0"/>
-              <a:t>12/9/2020</a:t>
+              <a:t>12/10/2020</a:t>
             </a:fld>
             <a:endParaRPr lang="en-US"/>
           </a:p>
@@ -3712,7 +3712,7 @@
           <a:p>
             <a:fld id="{5EFEF8D7-FC42-4093-B868-45CA60192777}" type="datetimeFigureOut">
               <a:rPr lang="en-US" smtClean="0"/>
-              <a:t>12/9/2020</a:t>
+              <a:t>12/10/2020</a:t>
             </a:fld>
             <a:endParaRPr lang="en-US"/>
           </a:p>
@@ -4025,7 +4025,7 @@
           <a:p>
             <a:fld id="{5EFEF8D7-FC42-4093-B868-45CA60192777}" type="datetimeFigureOut">
               <a:rPr lang="en-US" smtClean="0"/>
-              <a:t>12/9/2020</a:t>
+              <a:t>12/10/2020</a:t>
             </a:fld>
             <a:endParaRPr lang="en-US"/>
           </a:p>
@@ -4289,7 +4289,7 @@
           <a:p>
             <a:fld id="{5EFEF8D7-FC42-4093-B868-45CA60192777}" type="datetimeFigureOut">
               <a:rPr lang="en-US" smtClean="0"/>
-              <a:t>12/9/2020</a:t>
+              <a:t>12/10/2020</a:t>
             </a:fld>
             <a:endParaRPr lang="en-US"/>
           </a:p>
@@ -4612,7 +4612,7 @@
           <a:p>
             <a:fld id="{5EFEF8D7-FC42-4093-B868-45CA60192777}" type="datetimeFigureOut">
               <a:rPr lang="en-US" smtClean="0"/>
-              <a:t>12/9/2020</a:t>
+              <a:t>12/10/2020</a:t>
             </a:fld>
             <a:endParaRPr lang="en-US"/>
           </a:p>
@@ -5001,7 +5001,7 @@
           <a:p>
             <a:fld id="{5EFEF8D7-FC42-4093-B868-45CA60192777}" type="datetimeFigureOut">
               <a:rPr lang="en-US" smtClean="0"/>
-              <a:t>12/9/2020</a:t>
+              <a:t>12/10/2020</a:t>
             </a:fld>
             <a:endParaRPr lang="en-US"/>
           </a:p>
@@ -5377,7 +5377,7 @@
           <a:p>
             <a:fld id="{5EFEF8D7-FC42-4093-B868-45CA60192777}" type="datetimeFigureOut">
               <a:rPr lang="en-US" smtClean="0"/>
-              <a:t>12/9/2020</a:t>
+              <a:t>12/10/2020</a:t>
             </a:fld>
             <a:endParaRPr lang="en-US"/>
           </a:p>
@@ -5883,7 +5883,7 @@
           <a:p>
             <a:fld id="{5EFEF8D7-FC42-4093-B868-45CA60192777}" type="datetimeFigureOut">
               <a:rPr lang="en-US" smtClean="0"/>
-              <a:t>12/9/2020</a:t>
+              <a:t>12/10/2020</a:t>
             </a:fld>
             <a:endParaRPr lang="en-US"/>
           </a:p>
@@ -6140,7 +6140,7 @@
           <a:p>
             <a:fld id="{5EFEF8D7-FC42-4093-B868-45CA60192777}" type="datetimeFigureOut">
               <a:rPr lang="en-US" smtClean="0"/>
-              <a:t>12/9/2020</a:t>
+              <a:t>12/10/2020</a:t>
             </a:fld>
             <a:endParaRPr lang="en-US"/>
           </a:p>
@@ -6303,7 +6303,7 @@
           <a:p>
             <a:fld id="{5EFEF8D7-FC42-4093-B868-45CA60192777}" type="datetimeFigureOut">
               <a:rPr lang="en-US" smtClean="0"/>
-              <a:t>12/9/2020</a:t>
+              <a:t>12/10/2020</a:t>
             </a:fld>
             <a:endParaRPr lang="en-US"/>
           </a:p>
@@ -6693,7 +6693,7 @@
           <a:p>
             <a:fld id="{5EFEF8D7-FC42-4093-B868-45CA60192777}" type="datetimeFigureOut">
               <a:rPr lang="en-US" smtClean="0"/>
-              <a:t>12/9/2020</a:t>
+              <a:t>12/10/2020</a:t>
             </a:fld>
             <a:endParaRPr lang="en-US"/>
           </a:p>
@@ -7102,7 +7102,7 @@
           <a:p>
             <a:fld id="{5EFEF8D7-FC42-4093-B868-45CA60192777}" type="datetimeFigureOut">
               <a:rPr lang="en-US" smtClean="0"/>
-              <a:t>12/9/2020</a:t>
+              <a:t>12/10/2020</a:t>
             </a:fld>
             <a:endParaRPr lang="en-US"/>
           </a:p>
@@ -7346,7 +7346,7 @@
           <a:p>
             <a:fld id="{5EFEF8D7-FC42-4093-B868-45CA60192777}" type="datetimeFigureOut">
               <a:rPr lang="en-US" smtClean="0"/>
-              <a:t>12/9/2020</a:t>
+              <a:t>12/10/2020</a:t>
             </a:fld>
             <a:endParaRPr lang="en-US"/>
           </a:p>
@@ -7896,7 +7896,7 @@
         <p:spPr/>
         <p:txBody>
           <a:bodyPr>
-            <a:normAutofit/>
+            <a:normAutofit fontScale="92500" lnSpcReduction="10000"/>
           </a:bodyPr>
           <a:lstStyle/>
           <a:p>
@@ -7966,6 +7966,30 @@
                 <a:hlinkClick r:id="rId5"/>
               </a:rPr>
               <a:t>https://github.com/JoeMayo/LinqToTwitter</a:t>
+            </a:r>
+            <a:endParaRPr lang="en-US" dirty="0"/>
+          </a:p>
+          <a:p>
+            <a:r>
+              <a:rPr lang="en-US" dirty="0" err="1"/>
+              <a:t>ILSpy</a:t>
+            </a:r>
+            <a:r>
+              <a:rPr lang="en-US" dirty="0"/>
+              <a:t>:</a:t>
+            </a:r>
+          </a:p>
+          <a:p>
+            <a:pPr lvl="1"/>
+            <a:r>
+              <a:rPr lang="en-US">
+                <a:hlinkClick r:id="rId6"/>
+              </a:rPr>
+              <a:t>https://github.com/icsharpcode/ILSpy</a:t>
+            </a:r>
+            <a:r>
+              <a:rPr lang="en-US"/>
+              <a:t> </a:t>
             </a:r>
             <a:endParaRPr lang="en-US" dirty="0"/>
           </a:p>

--- a/WhatsNewInCSharp9.pptx
+++ b/WhatsNewInCSharp9.pptx
@@ -8595,8 +8595,13 @@
           <a:p>
             <a:r>
               <a:rPr lang="en-US" dirty="0"/>
-              <a:t>Reference type with value semantics</a:t>
-            </a:r>
+              <a:t>Reference type with </a:t>
+            </a:r>
+            <a:r>
+              <a:rPr lang="en-US"/>
+              <a:t>value equality</a:t>
+            </a:r>
+            <a:endParaRPr lang="en-US" dirty="0"/>
           </a:p>
           <a:p>
             <a:endParaRPr lang="en-US" dirty="0"/>
